--- a/Manual/Cecropia.pptx
+++ b/Manual/Cecropia.pptx
@@ -5,24 +5,24 @@
     <p:sldMasterId id="2147483648" r:id="rId1"/>
   </p:sldMasterIdLst>
   <p:notesMasterIdLst>
-    <p:notesMasterId r:id="rId14"/>
+    <p:notesMasterId r:id="rId15"/>
   </p:notesMasterIdLst>
   <p:handoutMasterIdLst>
-    <p:handoutMasterId r:id="rId15"/>
+    <p:handoutMasterId r:id="rId16"/>
   </p:handoutMasterIdLst>
   <p:sldIdLst>
-    <p:sldId id="256" r:id="rId2"/>
-    <p:sldId id="257" r:id="rId3"/>
-    <p:sldId id="262" r:id="rId4"/>
-    <p:sldId id="268" r:id="rId5"/>
-    <p:sldId id="296" r:id="rId6"/>
-    <p:sldId id="299" r:id="rId7"/>
-    <p:sldId id="267" r:id="rId8"/>
-    <p:sldId id="300" r:id="rId9"/>
-    <p:sldId id="301" r:id="rId10"/>
-    <p:sldId id="271" r:id="rId11"/>
+    <p:sldId id="256" r:id="rId3"/>
+    <p:sldId id="257" r:id="rId4"/>
+    <p:sldId id="262" r:id="rId5"/>
+    <p:sldId id="268" r:id="rId6"/>
+    <p:sldId id="296" r:id="rId7"/>
+    <p:sldId id="299" r:id="rId8"/>
+    <p:sldId id="267" r:id="rId9"/>
+    <p:sldId id="300" r:id="rId10"/>
+    <p:sldId id="305" r:id="rId11"/>
     <p:sldId id="303" r:id="rId12"/>
-    <p:sldId id="302" r:id="rId13"/>
+    <p:sldId id="271" r:id="rId13"/>
+    <p:sldId id="302" r:id="rId14"/>
   </p:sldIdLst>
   <p:sldSz cx="12192000" cy="6858000"/>
   <p:notesSz cx="6858000" cy="9144000"/>
@@ -211,29 +211,13 @@
       </a:defRPr>
     </a:lvl9pPr>
   </p:defaultTextStyle>
-  <p:extLst>
-    <p:ext uri="{EFAFB233-063F-42B5-8137-9DF3F51BA10A}">
-      <p15:sldGuideLst xmlns:p15="http://schemas.microsoft.com/office/powerpoint/2012/main">
-        <p15:guide id="1" orient="horz" pos="2246">
-          <p15:clr>
-            <a:srgbClr val="A4A3A4"/>
-          </p15:clr>
-        </p15:guide>
-        <p15:guide id="2" pos="3785">
-          <p15:clr>
-            <a:srgbClr val="A4A3A4"/>
-          </p15:clr>
-        </p15:guide>
-      </p15:sldGuideLst>
-    </p:ext>
-  </p:extLst>
 </p:presentation>
 </file>
 
 <file path=ppt/charts/chart1.xml><?xml version="1.0" encoding="utf-8"?>
-<c:chartSpace xmlns:c="http://schemas.openxmlformats.org/drawingml/2006/chart" xmlns:a="http://schemas.openxmlformats.org/drawingml/2006/main" xmlns:r="http://schemas.openxmlformats.org/officeDocument/2006/relationships" xmlns:c16r2="http://schemas.microsoft.com/office/drawing/2015/06/chart">
+<c:chartSpace xmlns:c="http://schemas.openxmlformats.org/drawingml/2006/chart" xmlns:a="http://schemas.openxmlformats.org/drawingml/2006/main" xmlns:r="http://schemas.openxmlformats.org/officeDocument/2006/relationships">
   <c:date1904 val="0"/>
-  <c:lang val="en-US"/>
+  <c:lang val="zh-CN"/>
   <c:roundedCorners val="0"/>
   <mc:AlternateContent xmlns:mc="http://schemas.openxmlformats.org/markup-compatibility/2006">
     <mc:Choice xmlns:c14="http://schemas.microsoft.com/office/drawing/2007/8/2/chart" Requires="c14">
@@ -265,11 +249,13 @@
             </a:pPr>
             <a:r>
               <a:rPr lang="en-US" sz="2400"/>
-              <a:t>Render Time, lower bar signifies better performance</a:t>
+              <a:t>Render Time, lower bar means better performance</a:t>
             </a:r>
+            <a:endParaRPr lang="en-US" sz="2400"/>
           </a:p>
         </c:rich>
       </c:tx>
+      <c:layout/>
       <c:overlay val="0"/>
       <c:spPr>
         <a:noFill/>
@@ -278,26 +264,6 @@
         </a:ln>
         <a:effectLst/>
       </c:spPr>
-      <c:txPr>
-        <a:bodyPr rot="0" spcFirstLastPara="0" vertOverflow="ellipsis" vert="horz" wrap="square" anchor="ctr" anchorCtr="1"/>
-        <a:lstStyle/>
-        <a:p>
-          <a:pPr defTabSz="914400">
-            <a:defRPr lang="en-US" sz="2400" b="0" i="0" u="none" strike="noStrike" kern="1200" spc="0" baseline="0">
-              <a:solidFill>
-                <a:schemeClr val="tx1">
-                  <a:lumMod val="65000"/>
-                  <a:lumOff val="35000"/>
-                </a:schemeClr>
-              </a:solidFill>
-              <a:latin typeface="+mn-lt"/>
-              <a:ea typeface="+mn-ea"/>
-              <a:cs typeface="+mn-cs"/>
-            </a:defRPr>
-          </a:pPr>
-          <a:endParaRPr lang="en-US"/>
-        </a:p>
-      </c:txPr>
     </c:title>
     <c:autoTitleDeleted val="0"/>
     <c:plotArea>
@@ -330,6 +296,9 @@
             <a:effectLst/>
           </c:spPr>
           <c:invertIfNegative val="0"/>
+          <c:dLbls>
+            <c:delete val="1"/>
+          </c:dLbls>
           <c:cat>
             <c:strRef>
               <c:f>Sheet1!$A$2:$A$5</c:f>
@@ -371,11 +340,6 @@
               </c:numCache>
             </c:numRef>
           </c:val>
-          <c:extLst>
-            <c:ext xmlns:c16="http://schemas.microsoft.com/office/drawing/2014/chart" uri="{C3380CC4-5D6E-409C-BE32-E72D297353CC}">
-              <c16:uniqueId val="{00000000-41CB-4FFD-9517-4EB6A0E4DE56}"/>
-            </c:ext>
-          </c:extLst>
         </c:ser>
         <c:ser>
           <c:idx val="1"/>
@@ -401,6 +365,9 @@
             <a:effectLst/>
           </c:spPr>
           <c:invertIfNegative val="0"/>
+          <c:dLbls>
+            <c:delete val="1"/>
+          </c:dLbls>
           <c:cat>
             <c:strRef>
               <c:f>Sheet1!$A$2:$A$5</c:f>
@@ -431,22 +398,17 @@
                   <c:v>100</c:v>
                 </c:pt>
                 <c:pt idx="1">
-                  <c:v>170</c:v>
+                  <c:v>210</c:v>
                 </c:pt>
                 <c:pt idx="2">
-                  <c:v>600</c:v>
+                  <c:v>1100</c:v>
                 </c:pt>
                 <c:pt idx="3">
-                  <c:v>1350</c:v>
+                  <c:v>2500</c:v>
                 </c:pt>
               </c:numCache>
             </c:numRef>
           </c:val>
-          <c:extLst>
-            <c:ext xmlns:c16="http://schemas.microsoft.com/office/drawing/2014/chart" uri="{C3380CC4-5D6E-409C-BE32-E72D297353CC}">
-              <c16:uniqueId val="{00000001-41CB-4FFD-9517-4EB6A0E4DE56}"/>
-            </c:ext>
-          </c:extLst>
         </c:ser>
         <c:ser>
           <c:idx val="2"/>
@@ -472,6 +434,9 @@
             <a:effectLst/>
           </c:spPr>
           <c:invertIfNegative val="0"/>
+          <c:dLbls>
+            <c:delete val="1"/>
+          </c:dLbls>
           <c:cat>
             <c:strRef>
               <c:f>Sheet1!$A$2:$A$5</c:f>
@@ -502,22 +467,17 @@
                   <c:v>100</c:v>
                 </c:pt>
                 <c:pt idx="1">
-                  <c:v>120</c:v>
+                  <c:v>150</c:v>
                 </c:pt>
                 <c:pt idx="2">
-                  <c:v>590</c:v>
+                  <c:v>900</c:v>
                 </c:pt>
                 <c:pt idx="3">
-                  <c:v>1005</c:v>
+                  <c:v>2000</c:v>
                 </c:pt>
               </c:numCache>
             </c:numRef>
           </c:val>
-          <c:extLst>
-            <c:ext xmlns:c16="http://schemas.microsoft.com/office/drawing/2014/chart" uri="{C3380CC4-5D6E-409C-BE32-E72D297353CC}">
-              <c16:uniqueId val="{00000002-41CB-4FFD-9517-4EB6A0E4DE56}"/>
-            </c:ext>
-          </c:extLst>
         </c:ser>
         <c:dLbls>
           <c:showLegendKey val="0"/>
@@ -572,7 +532,6 @@
                 <a:cs typeface="+mn-cs"/>
               </a:defRPr>
             </a:pPr>
-            <a:endParaRPr lang="en-US"/>
           </a:p>
         </c:txPr>
         <c:crossAx val="939879416"/>
@@ -607,6 +566,25 @@
         <c:majorTickMark val="none"/>
         <c:minorTickMark val="none"/>
         <c:tickLblPos val="nextTo"/>
+        <c:txPr>
+          <a:bodyPr rot="-60000000" spcFirstLastPara="0" vertOverflow="ellipsis" vert="horz" wrap="square" anchor="ctr" anchorCtr="1"/>
+          <a:lstStyle/>
+          <a:p>
+            <a:pPr>
+              <a:defRPr lang="en-US" sz="2000" b="0" i="0" u="none" strike="noStrike" kern="1200" baseline="0">
+                <a:solidFill>
+                  <a:schemeClr val="tx1">
+                    <a:lumMod val="65000"/>
+                    <a:lumOff val="35000"/>
+                  </a:schemeClr>
+                </a:solidFill>
+                <a:latin typeface="+mn-lt"/>
+                <a:ea typeface="+mn-ea"/>
+                <a:cs typeface="+mn-cs"/>
+              </a:defRPr>
+            </a:pPr>
+          </a:p>
+        </c:txPr>
         <c:crossAx val="480250257"/>
         <c:crosses val="autoZero"/>
         <c:crossBetween val="between"/>
@@ -640,7 +618,6 @@
                 <a:cs typeface="+mn-cs"/>
               </a:defRPr>
             </a:pPr>
-            <a:endParaRPr lang="en-US"/>
           </a:p>
         </c:txPr>
       </c:legendEntry>
@@ -663,7 +640,6 @@
                 <a:cs typeface="+mn-cs"/>
               </a:defRPr>
             </a:pPr>
-            <a:endParaRPr lang="en-US"/>
           </a:p>
         </c:txPr>
       </c:legendEntry>
@@ -686,10 +662,10 @@
                 <a:cs typeface="+mn-cs"/>
               </a:defRPr>
             </a:pPr>
-            <a:endParaRPr lang="en-US"/>
           </a:p>
         </c:txPr>
       </c:legendEntry>
+      <c:layout/>
       <c:overlay val="0"/>
       <c:spPr>
         <a:noFill/>
@@ -715,7 +691,6 @@
               <a:cs typeface="+mn-cs"/>
             </a:defRPr>
           </a:pPr>
-          <a:endParaRPr lang="en-US"/>
         </a:p>
       </c:txPr>
     </c:legend>
@@ -737,10 +712,9 @@
       <a:pPr>
         <a:defRPr lang="en-US" sz="2000"/>
       </a:pPr>
-      <a:endParaRPr lang="en-US"/>
     </a:p>
   </c:txPr>
-  <c:externalData r:id="rId3">
+  <c:externalData r:id="rId1">
     <c:autoUpdate val="0"/>
   </c:externalData>
 </c:chartSpace>
@@ -1303,41 +1277,17 @@
 </file>
 
 <file path=ppt/diagrams/colors1.xml><?xml version="1.0" encoding="utf-8"?>
-<dgm:colorsDef xmlns:dgm="http://schemas.openxmlformats.org/drawingml/2006/diagram" xmlns:a="http://schemas.openxmlformats.org/drawingml/2006/main" uniqueId="urn:microsoft.com/office/officeart/2005/8/colors/colorful5">
+<dgm:colorsDef xmlns:dgm="http://schemas.openxmlformats.org/drawingml/2006/diagram" xmlns:a="http://schemas.openxmlformats.org/drawingml/2006/main" uniqueId="urn:microsoft.com/office/officeart/2005/8/colors/colorful5#1">
   <dgm:title val=""/>
   <dgm:desc val=""/>
   <dgm:catLst>
     <dgm:cat type="colorful" pri="10500"/>
   </dgm:catLst>
-  <dgm:styleLbl name="node0">
+  <dgm:styleLbl name="alignAcc1">
     <dgm:fillClrLst meth="repeat">
-      <a:schemeClr val="accent4"/>
-    </dgm:fillClrLst>
-    <dgm:linClrLst meth="repeat">
-      <a:schemeClr val="lt1"/>
-    </dgm:linClrLst>
-    <dgm:effectClrLst/>
-    <dgm:txLinClrLst/>
-    <dgm:txFillClrLst/>
-    <dgm:txEffectClrLst/>
-  </dgm:styleLbl>
-  <dgm:styleLbl name="node1">
-    <dgm:fillClrLst>
-      <a:schemeClr val="accent5"/>
-      <a:schemeClr val="accent6"/>
-    </dgm:fillClrLst>
-    <dgm:linClrLst meth="repeat">
-      <a:schemeClr val="lt1"/>
-    </dgm:linClrLst>
-    <dgm:effectClrLst/>
-    <dgm:txLinClrLst/>
-    <dgm:txFillClrLst/>
-    <dgm:txEffectClrLst/>
-  </dgm:styleLbl>
-  <dgm:styleLbl name="alignNode1">
-    <dgm:fillClrLst>
-      <a:schemeClr val="accent5"/>
-      <a:schemeClr val="accent6"/>
+      <a:schemeClr val="lt1">
+        <a:alpha val="90000"/>
+      </a:schemeClr>
     </dgm:fillClrLst>
     <dgm:linClrLst>
       <a:schemeClr val="accent5"/>
@@ -1345,91 +1295,36 @@
     </dgm:linClrLst>
     <dgm:effectClrLst/>
     <dgm:txLinClrLst/>
-    <dgm:txFillClrLst/>
+    <dgm:txFillClrLst meth="repeat">
+      <a:schemeClr val="dk1"/>
+    </dgm:txFillClrLst>
     <dgm:txEffectClrLst/>
   </dgm:styleLbl>
-  <dgm:styleLbl name="lnNode1">
-    <dgm:fillClrLst>
-      <a:schemeClr val="accent5"/>
-      <a:schemeClr val="accent6"/>
-    </dgm:fillClrLst>
-    <dgm:linClrLst meth="repeat">
-      <a:schemeClr val="lt1"/>
-    </dgm:linClrLst>
-    <dgm:effectClrLst/>
-    <dgm:txLinClrLst/>
-    <dgm:txFillClrLst/>
-    <dgm:txEffectClrLst/>
-  </dgm:styleLbl>
-  <dgm:styleLbl name="vennNode1">
+  <dgm:styleLbl name="alignAccFollowNode1">
     <dgm:fillClrLst>
       <a:schemeClr val="accent5">
-        <a:alpha val="50000"/>
+        <a:tint val="40000"/>
+        <a:alpha val="90000"/>
       </a:schemeClr>
       <a:schemeClr val="accent6">
-        <a:alpha val="50000"/>
+        <a:tint val="40000"/>
+        <a:alpha val="90000"/>
       </a:schemeClr>
     </dgm:fillClrLst>
-    <dgm:linClrLst meth="repeat">
-      <a:schemeClr val="lt1"/>
-    </dgm:linClrLst>
-    <dgm:effectClrLst/>
-    <dgm:txLinClrLst/>
-    <dgm:txFillClrLst/>
-    <dgm:txEffectClrLst/>
-  </dgm:styleLbl>
-  <dgm:styleLbl name="node2">
-    <dgm:fillClrLst>
-      <a:schemeClr val="accent6"/>
-    </dgm:fillClrLst>
-    <dgm:linClrLst meth="repeat">
-      <a:schemeClr val="lt1"/>
-    </dgm:linClrLst>
-    <dgm:effectClrLst/>
-    <dgm:txLinClrLst/>
-    <dgm:txFillClrLst/>
-    <dgm:txEffectClrLst/>
-  </dgm:styleLbl>
-  <dgm:styleLbl name="node3">
-    <dgm:fillClrLst>
-      <a:schemeClr val="accent1"/>
-    </dgm:fillClrLst>
-    <dgm:linClrLst meth="repeat">
-      <a:schemeClr val="lt1"/>
-    </dgm:linClrLst>
-    <dgm:effectClrLst/>
-    <dgm:txLinClrLst/>
-    <dgm:txFillClrLst/>
-    <dgm:txEffectClrLst/>
-  </dgm:styleLbl>
-  <dgm:styleLbl name="node4">
-    <dgm:fillClrLst>
-      <a:schemeClr val="accent2"/>
-    </dgm:fillClrLst>
-    <dgm:linClrLst meth="repeat">
-      <a:schemeClr val="lt1"/>
-    </dgm:linClrLst>
-    <dgm:effectClrLst/>
-    <dgm:txLinClrLst/>
-    <dgm:txFillClrLst/>
-    <dgm:txEffectClrLst/>
-  </dgm:styleLbl>
-  <dgm:styleLbl name="fgImgPlace1">
-    <dgm:fillClrLst>
+    <dgm:linClrLst>
       <a:schemeClr val="accent5">
-        <a:tint val="50000"/>
+        <a:tint val="40000"/>
+        <a:alpha val="90000"/>
       </a:schemeClr>
       <a:schemeClr val="accent6">
-        <a:tint val="50000"/>
+        <a:tint val="40000"/>
+        <a:alpha val="90000"/>
       </a:schemeClr>
-    </dgm:fillClrLst>
-    <dgm:linClrLst meth="repeat">
-      <a:schemeClr val="lt1"/>
     </dgm:linClrLst>
     <dgm:effectClrLst/>
     <dgm:txLinClrLst/>
     <dgm:txFillClrLst meth="repeat">
-      <a:schemeClr val="lt1"/>
+      <a:schemeClr val="dk1"/>
     </dgm:txFillClrLst>
     <dgm:txEffectClrLst/>
   </dgm:styleLbl>
@@ -1452,95 +1347,18 @@
     </dgm:txFillClrLst>
     <dgm:txEffectClrLst/>
   </dgm:styleLbl>
-  <dgm:styleLbl name="bgImgPlace1">
-    <dgm:fillClrLst>
-      <a:schemeClr val="accent5">
-        <a:tint val="50000"/>
-      </a:schemeClr>
-      <a:schemeClr val="accent6">
-        <a:tint val="20000"/>
-      </a:schemeClr>
-    </dgm:fillClrLst>
-    <dgm:linClrLst meth="repeat">
-      <a:schemeClr val="lt1"/>
-    </dgm:linClrLst>
-    <dgm:effectClrLst/>
-    <dgm:txLinClrLst/>
-    <dgm:txFillClrLst meth="repeat">
-      <a:schemeClr val="lt1"/>
-    </dgm:txFillClrLst>
-    <dgm:txEffectClrLst/>
-  </dgm:styleLbl>
-  <dgm:styleLbl name="sibTrans2D1">
+  <dgm:styleLbl name="alignNode1">
     <dgm:fillClrLst>
       <a:schemeClr val="accent5"/>
       <a:schemeClr val="accent6"/>
     </dgm:fillClrLst>
-    <dgm:linClrLst meth="repeat">
-      <a:schemeClr val="lt1"/>
-    </dgm:linClrLst>
-    <dgm:effectClrLst/>
-    <dgm:txLinClrLst/>
-    <dgm:txFillClrLst/>
-    <dgm:txEffectClrLst/>
-  </dgm:styleLbl>
-  <dgm:styleLbl name="fgSibTrans2D1">
-    <dgm:fillClrLst>
-      <a:schemeClr val="accent5"/>
-      <a:schemeClr val="accent6"/>
-    </dgm:fillClrLst>
-    <dgm:linClrLst meth="repeat">
-      <a:schemeClr val="lt1"/>
-    </dgm:linClrLst>
-    <dgm:effectClrLst/>
-    <dgm:txLinClrLst/>
-    <dgm:txFillClrLst meth="repeat">
-      <a:schemeClr val="lt1"/>
-    </dgm:txFillClrLst>
-    <dgm:txEffectClrLst/>
-  </dgm:styleLbl>
-  <dgm:styleLbl name="bgSibTrans2D1">
-    <dgm:fillClrLst>
-      <a:schemeClr val="accent5"/>
-      <a:schemeClr val="accent6"/>
-    </dgm:fillClrLst>
-    <dgm:linClrLst meth="repeat">
-      <a:schemeClr val="lt1"/>
-    </dgm:linClrLst>
-    <dgm:effectClrLst/>
-    <dgm:txLinClrLst/>
-    <dgm:txFillClrLst meth="repeat">
-      <a:schemeClr val="lt1"/>
-    </dgm:txFillClrLst>
-    <dgm:txEffectClrLst/>
-  </dgm:styleLbl>
-  <dgm:styleLbl name="sibTrans1D1">
-    <dgm:fillClrLst/>
     <dgm:linClrLst>
       <a:schemeClr val="accent5"/>
       <a:schemeClr val="accent6"/>
     </dgm:linClrLst>
     <dgm:effectClrLst/>
     <dgm:txLinClrLst/>
-    <dgm:txFillClrLst meth="repeat">
-      <a:schemeClr val="tx1"/>
-    </dgm:txFillClrLst>
-    <dgm:txEffectClrLst/>
-  </dgm:styleLbl>
-  <dgm:styleLbl name="callout">
-    <dgm:fillClrLst meth="repeat">
-      <a:schemeClr val="accent5"/>
-    </dgm:fillClrLst>
-    <dgm:linClrLst meth="repeat">
-      <a:schemeClr val="accent5">
-        <a:tint val="50000"/>
-      </a:schemeClr>
-    </dgm:linClrLst>
-    <dgm:effectClrLst/>
-    <dgm:txLinClrLst/>
-    <dgm:txFillClrLst meth="repeat">
-      <a:schemeClr val="tx1"/>
-    </dgm:txFillClrLst>
+    <dgm:txFillClrLst/>
     <dgm:txEffectClrLst/>
   </dgm:styleLbl>
   <dgm:styleLbl name="asst0">
@@ -1607,9 +1425,59 @@
     <dgm:txFillClrLst/>
     <dgm:txEffectClrLst/>
   </dgm:styleLbl>
-  <dgm:styleLbl name="parChTrans2D1">
+  <dgm:styleLbl name="bgAcc1">
     <dgm:fillClrLst meth="repeat">
+      <a:schemeClr val="lt1">
+        <a:alpha val="90000"/>
+      </a:schemeClr>
+    </dgm:fillClrLst>
+    <dgm:linClrLst>
       <a:schemeClr val="accent5"/>
+      <a:schemeClr val="accent6"/>
+    </dgm:linClrLst>
+    <dgm:effectClrLst/>
+    <dgm:txLinClrLst/>
+    <dgm:txFillClrLst meth="repeat">
+      <a:schemeClr val="dk1"/>
+    </dgm:txFillClrLst>
+    <dgm:txEffectClrLst/>
+  </dgm:styleLbl>
+  <dgm:styleLbl name="bgAccFollowNode1">
+    <dgm:fillClrLst>
+      <a:schemeClr val="accent5">
+        <a:tint val="40000"/>
+        <a:alpha val="90000"/>
+      </a:schemeClr>
+      <a:schemeClr val="accent6">
+        <a:tint val="40000"/>
+        <a:alpha val="90000"/>
+      </a:schemeClr>
+    </dgm:fillClrLst>
+    <dgm:linClrLst>
+      <a:schemeClr val="accent5">
+        <a:tint val="40000"/>
+        <a:alpha val="90000"/>
+      </a:schemeClr>
+      <a:schemeClr val="accent6">
+        <a:tint val="40000"/>
+        <a:alpha val="90000"/>
+      </a:schemeClr>
+    </dgm:linClrLst>
+    <dgm:effectClrLst/>
+    <dgm:txLinClrLst/>
+    <dgm:txFillClrLst meth="repeat">
+      <a:schemeClr val="dk1"/>
+    </dgm:txFillClrLst>
+    <dgm:txEffectClrLst/>
+  </dgm:styleLbl>
+  <dgm:styleLbl name="bgImgPlace1">
+    <dgm:fillClrLst>
+      <a:schemeClr val="accent5">
+        <a:tint val="50000"/>
+      </a:schemeClr>
+      <a:schemeClr val="accent6">
+        <a:tint val="20000"/>
+      </a:schemeClr>
     </dgm:fillClrLst>
     <dgm:linClrLst meth="repeat">
       <a:schemeClr val="lt1"/>
@@ -1621,8 +1489,248 @@
     </dgm:txFillClrLst>
     <dgm:txEffectClrLst/>
   </dgm:styleLbl>
-  <dgm:styleLbl name="parChTrans2D2">
+  <dgm:styleLbl name="bgShp">
     <dgm:fillClrLst meth="repeat">
+      <a:schemeClr val="accent5">
+        <a:tint val="40000"/>
+      </a:schemeClr>
+    </dgm:fillClrLst>
+    <dgm:linClrLst meth="repeat">
+      <a:schemeClr val="dk1"/>
+    </dgm:linClrLst>
+    <dgm:effectClrLst/>
+    <dgm:txLinClrLst/>
+    <dgm:txFillClrLst meth="repeat">
+      <a:schemeClr val="dk1"/>
+    </dgm:txFillClrLst>
+    <dgm:txEffectClrLst/>
+  </dgm:styleLbl>
+  <dgm:styleLbl name="bgSibTrans2D1">
+    <dgm:fillClrLst>
+      <a:schemeClr val="accent5"/>
+      <a:schemeClr val="accent6"/>
+    </dgm:fillClrLst>
+    <dgm:linClrLst meth="repeat">
+      <a:schemeClr val="lt1"/>
+    </dgm:linClrLst>
+    <dgm:effectClrLst/>
+    <dgm:txLinClrLst/>
+    <dgm:txFillClrLst meth="repeat">
+      <a:schemeClr val="lt1"/>
+    </dgm:txFillClrLst>
+    <dgm:txEffectClrLst/>
+  </dgm:styleLbl>
+  <dgm:styleLbl name="callout">
+    <dgm:fillClrLst meth="repeat">
+      <a:schemeClr val="accent5"/>
+    </dgm:fillClrLst>
+    <dgm:linClrLst meth="repeat">
+      <a:schemeClr val="accent5">
+        <a:tint val="50000"/>
+      </a:schemeClr>
+    </dgm:linClrLst>
+    <dgm:effectClrLst/>
+    <dgm:txLinClrLst/>
+    <dgm:txFillClrLst meth="repeat">
+      <a:schemeClr val="tx1"/>
+    </dgm:txFillClrLst>
+    <dgm:txEffectClrLst/>
+  </dgm:styleLbl>
+  <dgm:styleLbl name="conFgAcc1">
+    <dgm:fillClrLst meth="repeat">
+      <a:schemeClr val="lt1">
+        <a:alpha val="90000"/>
+      </a:schemeClr>
+    </dgm:fillClrLst>
+    <dgm:linClrLst>
+      <a:schemeClr val="accent5"/>
+      <a:schemeClr val="accent6"/>
+    </dgm:linClrLst>
+    <dgm:effectClrLst/>
+    <dgm:txLinClrLst/>
+    <dgm:txFillClrLst meth="repeat">
+      <a:schemeClr val="dk1"/>
+    </dgm:txFillClrLst>
+    <dgm:txEffectClrLst/>
+  </dgm:styleLbl>
+  <dgm:styleLbl name="dkBgShp">
+    <dgm:fillClrLst meth="repeat">
+      <a:schemeClr val="accent5">
+        <a:shade val="90000"/>
+      </a:schemeClr>
+    </dgm:fillClrLst>
+    <dgm:linClrLst meth="repeat">
+      <a:schemeClr val="dk1"/>
+    </dgm:linClrLst>
+    <dgm:effectClrLst/>
+    <dgm:txLinClrLst/>
+    <dgm:txFillClrLst meth="repeat">
+      <a:schemeClr val="lt1"/>
+    </dgm:txFillClrLst>
+    <dgm:txEffectClrLst/>
+  </dgm:styleLbl>
+  <dgm:styleLbl name="fgAcc0">
+    <dgm:fillClrLst meth="repeat">
+      <a:schemeClr val="lt1">
+        <a:alpha val="90000"/>
+      </a:schemeClr>
+    </dgm:fillClrLst>
+    <dgm:linClrLst>
+      <a:schemeClr val="accent4"/>
+    </dgm:linClrLst>
+    <dgm:effectClrLst/>
+    <dgm:txLinClrLst/>
+    <dgm:txFillClrLst meth="repeat">
+      <a:schemeClr val="dk1"/>
+    </dgm:txFillClrLst>
+    <dgm:txEffectClrLst/>
+  </dgm:styleLbl>
+  <dgm:styleLbl name="fgAcc1">
+    <dgm:fillClrLst meth="repeat">
+      <a:schemeClr val="lt1">
+        <a:alpha val="90000"/>
+      </a:schemeClr>
+    </dgm:fillClrLst>
+    <dgm:linClrLst>
+      <a:schemeClr val="accent5"/>
+      <a:schemeClr val="accent6"/>
+    </dgm:linClrLst>
+    <dgm:effectClrLst/>
+    <dgm:txLinClrLst/>
+    <dgm:txFillClrLst meth="repeat">
+      <a:schemeClr val="dk1"/>
+    </dgm:txFillClrLst>
+    <dgm:txEffectClrLst/>
+  </dgm:styleLbl>
+  <dgm:styleLbl name="fgAcc2">
+    <dgm:fillClrLst meth="repeat">
+      <a:schemeClr val="lt1">
+        <a:alpha val="90000"/>
+      </a:schemeClr>
+    </dgm:fillClrLst>
+    <dgm:linClrLst>
+      <a:schemeClr val="accent6"/>
+    </dgm:linClrLst>
+    <dgm:effectClrLst/>
+    <dgm:txLinClrLst/>
+    <dgm:txFillClrLst meth="repeat">
+      <a:schemeClr val="dk1"/>
+    </dgm:txFillClrLst>
+    <dgm:txEffectClrLst/>
+  </dgm:styleLbl>
+  <dgm:styleLbl name="fgAcc3">
+    <dgm:fillClrLst meth="repeat">
+      <a:schemeClr val="lt1">
+        <a:alpha val="90000"/>
+      </a:schemeClr>
+    </dgm:fillClrLst>
+    <dgm:linClrLst>
+      <a:schemeClr val="accent1"/>
+    </dgm:linClrLst>
+    <dgm:effectClrLst/>
+    <dgm:txLinClrLst/>
+    <dgm:txFillClrLst meth="repeat">
+      <a:schemeClr val="dk1"/>
+    </dgm:txFillClrLst>
+    <dgm:txEffectClrLst/>
+  </dgm:styleLbl>
+  <dgm:styleLbl name="fgAcc4">
+    <dgm:fillClrLst meth="repeat">
+      <a:schemeClr val="lt1">
+        <a:alpha val="90000"/>
+      </a:schemeClr>
+    </dgm:fillClrLst>
+    <dgm:linClrLst>
+      <a:schemeClr val="accent2"/>
+    </dgm:linClrLst>
+    <dgm:effectClrLst/>
+    <dgm:txLinClrLst/>
+    <dgm:txFillClrLst meth="repeat">
+      <a:schemeClr val="dk1"/>
+    </dgm:txFillClrLst>
+    <dgm:txEffectClrLst/>
+  </dgm:styleLbl>
+  <dgm:styleLbl name="fgAccFollowNode1">
+    <dgm:fillClrLst>
+      <a:schemeClr val="accent5">
+        <a:tint val="40000"/>
+        <a:alpha val="90000"/>
+      </a:schemeClr>
+      <a:schemeClr val="accent6">
+        <a:tint val="40000"/>
+        <a:alpha val="90000"/>
+      </a:schemeClr>
+    </dgm:fillClrLst>
+    <dgm:linClrLst>
+      <a:schemeClr val="accent5">
+        <a:tint val="40000"/>
+        <a:alpha val="90000"/>
+      </a:schemeClr>
+      <a:schemeClr val="accent5">
+        <a:tint val="40000"/>
+        <a:alpha val="90000"/>
+      </a:schemeClr>
+    </dgm:linClrLst>
+    <dgm:effectClrLst/>
+    <dgm:txLinClrLst/>
+    <dgm:txFillClrLst meth="repeat">
+      <a:schemeClr val="dk1"/>
+    </dgm:txFillClrLst>
+    <dgm:txEffectClrLst/>
+  </dgm:styleLbl>
+  <dgm:styleLbl name="fgImgPlace1">
+    <dgm:fillClrLst>
+      <a:schemeClr val="accent5">
+        <a:tint val="50000"/>
+      </a:schemeClr>
+      <a:schemeClr val="accent6">
+        <a:tint val="50000"/>
+      </a:schemeClr>
+    </dgm:fillClrLst>
+    <dgm:linClrLst meth="repeat">
+      <a:schemeClr val="lt1"/>
+    </dgm:linClrLst>
+    <dgm:effectClrLst/>
+    <dgm:txLinClrLst/>
+    <dgm:txFillClrLst meth="repeat">
+      <a:schemeClr val="lt1"/>
+    </dgm:txFillClrLst>
+    <dgm:txEffectClrLst/>
+  </dgm:styleLbl>
+  <dgm:styleLbl name="fgShp">
+    <dgm:fillClrLst meth="repeat">
+      <a:schemeClr val="accent5">
+        <a:tint val="40000"/>
+      </a:schemeClr>
+    </dgm:fillClrLst>
+    <dgm:linClrLst meth="repeat">
+      <a:schemeClr val="lt1"/>
+    </dgm:linClrLst>
+    <dgm:effectClrLst/>
+    <dgm:txLinClrLst/>
+    <dgm:txFillClrLst meth="repeat">
+      <a:schemeClr val="dk1"/>
+    </dgm:txFillClrLst>
+    <dgm:txEffectClrLst/>
+  </dgm:styleLbl>
+  <dgm:styleLbl name="fgSibTrans2D1">
+    <dgm:fillClrLst>
+      <a:schemeClr val="accent5"/>
+      <a:schemeClr val="accent6"/>
+    </dgm:fillClrLst>
+    <dgm:linClrLst meth="repeat">
+      <a:schemeClr val="lt1"/>
+    </dgm:linClrLst>
+    <dgm:effectClrLst/>
+    <dgm:txLinClrLst/>
+    <dgm:txFillClrLst meth="repeat">
+      <a:schemeClr val="lt1"/>
+    </dgm:txFillClrLst>
+    <dgm:txEffectClrLst/>
+  </dgm:styleLbl>
+  <dgm:styleLbl name="lnNode1">
+    <dgm:fillClrLst>
+      <a:schemeClr val="accent5"/>
       <a:schemeClr val="accent6"/>
     </dgm:fillClrLst>
     <dgm:linClrLst meth="repeat">
@@ -1633,8 +1741,21 @@
     <dgm:txFillClrLst/>
     <dgm:txEffectClrLst/>
   </dgm:styleLbl>
-  <dgm:styleLbl name="parChTrans2D3">
+  <dgm:styleLbl name="node0">
     <dgm:fillClrLst meth="repeat">
+      <a:schemeClr val="accent4"/>
+    </dgm:fillClrLst>
+    <dgm:linClrLst meth="repeat">
+      <a:schemeClr val="lt1"/>
+    </dgm:linClrLst>
+    <dgm:effectClrLst/>
+    <dgm:txLinClrLst/>
+    <dgm:txFillClrLst/>
+    <dgm:txEffectClrLst/>
+  </dgm:styleLbl>
+  <dgm:styleLbl name="node1">
+    <dgm:fillClrLst>
+      <a:schemeClr val="accent5"/>
       <a:schemeClr val="accent6"/>
     </dgm:fillClrLst>
     <dgm:linClrLst meth="repeat">
@@ -1645,8 +1766,20 @@
     <dgm:txFillClrLst/>
     <dgm:txEffectClrLst/>
   </dgm:styleLbl>
-  <dgm:styleLbl name="parChTrans2D4">
-    <dgm:fillClrLst meth="repeat">
+  <dgm:styleLbl name="node2">
+    <dgm:fillClrLst>
+      <a:schemeClr val="accent6"/>
+    </dgm:fillClrLst>
+    <dgm:linClrLst meth="repeat">
+      <a:schemeClr val="lt1"/>
+    </dgm:linClrLst>
+    <dgm:effectClrLst/>
+    <dgm:txLinClrLst/>
+    <dgm:txFillClrLst/>
+    <dgm:txEffectClrLst/>
+  </dgm:styleLbl>
+  <dgm:styleLbl name="node3">
+    <dgm:fillClrLst>
       <a:schemeClr val="accent1"/>
     </dgm:fillClrLst>
     <dgm:linClrLst meth="repeat">
@@ -1654,9 +1787,19 @@
     </dgm:linClrLst>
     <dgm:effectClrLst/>
     <dgm:txLinClrLst/>
-    <dgm:txFillClrLst meth="repeat">
+    <dgm:txFillClrLst/>
+    <dgm:txEffectClrLst/>
+  </dgm:styleLbl>
+  <dgm:styleLbl name="node4">
+    <dgm:fillClrLst>
+      <a:schemeClr val="accent2"/>
+    </dgm:fillClrLst>
+    <dgm:linClrLst meth="repeat">
       <a:schemeClr val="lt1"/>
-    </dgm:txFillClrLst>
+    </dgm:linClrLst>
+    <dgm:effectClrLst/>
+    <dgm:txLinClrLst/>
+    <dgm:txFillClrLst/>
     <dgm:txEffectClrLst/>
   </dgm:styleLbl>
   <dgm:styleLbl name="parChTrans1D1">
@@ -1721,12 +1864,78 @@
     </dgm:txFillClrLst>
     <dgm:txEffectClrLst/>
   </dgm:styleLbl>
-  <dgm:styleLbl name="fgAcc1">
+  <dgm:styleLbl name="parChTrans2D1">
+    <dgm:fillClrLst meth="repeat">
+      <a:schemeClr val="accent5"/>
+    </dgm:fillClrLst>
+    <dgm:linClrLst meth="repeat">
+      <a:schemeClr val="lt1"/>
+    </dgm:linClrLst>
+    <dgm:effectClrLst/>
+    <dgm:txLinClrLst/>
+    <dgm:txFillClrLst meth="repeat">
+      <a:schemeClr val="lt1"/>
+    </dgm:txFillClrLst>
+    <dgm:txEffectClrLst/>
+  </dgm:styleLbl>
+  <dgm:styleLbl name="parChTrans2D2">
+    <dgm:fillClrLst meth="repeat">
+      <a:schemeClr val="accent6"/>
+    </dgm:fillClrLst>
+    <dgm:linClrLst meth="repeat">
+      <a:schemeClr val="lt1"/>
+    </dgm:linClrLst>
+    <dgm:effectClrLst/>
+    <dgm:txLinClrLst/>
+    <dgm:txFillClrLst/>
+    <dgm:txEffectClrLst/>
+  </dgm:styleLbl>
+  <dgm:styleLbl name="parChTrans2D3">
+    <dgm:fillClrLst meth="repeat">
+      <a:schemeClr val="accent6"/>
+    </dgm:fillClrLst>
+    <dgm:linClrLst meth="repeat">
+      <a:schemeClr val="lt1"/>
+    </dgm:linClrLst>
+    <dgm:effectClrLst/>
+    <dgm:txLinClrLst/>
+    <dgm:txFillClrLst/>
+    <dgm:txEffectClrLst/>
+  </dgm:styleLbl>
+  <dgm:styleLbl name="parChTrans2D4">
+    <dgm:fillClrLst meth="repeat">
+      <a:schemeClr val="accent1"/>
+    </dgm:fillClrLst>
+    <dgm:linClrLst meth="repeat">
+      <a:schemeClr val="lt1"/>
+    </dgm:linClrLst>
+    <dgm:effectClrLst/>
+    <dgm:txLinClrLst/>
+    <dgm:txFillClrLst meth="repeat">
+      <a:schemeClr val="lt1"/>
+    </dgm:txFillClrLst>
+    <dgm:txEffectClrLst/>
+  </dgm:styleLbl>
+  <dgm:styleLbl name="revTx">
     <dgm:fillClrLst meth="repeat">
       <a:schemeClr val="lt1">
-        <a:alpha val="90000"/>
+        <a:alpha val="0"/>
       </a:schemeClr>
     </dgm:fillClrLst>
+    <dgm:linClrLst meth="repeat">
+      <a:schemeClr val="dk1">
+        <a:alpha val="0"/>
+      </a:schemeClr>
+    </dgm:linClrLst>
+    <dgm:effectClrLst/>
+    <dgm:txLinClrLst/>
+    <dgm:txFillClrLst meth="repeat">
+      <a:schemeClr val="tx1"/>
+    </dgm:txFillClrLst>
+    <dgm:txEffectClrLst/>
+  </dgm:styleLbl>
+  <dgm:styleLbl name="sibTrans1D1">
+    <dgm:fillClrLst/>
     <dgm:linClrLst>
       <a:schemeClr val="accent5"/>
       <a:schemeClr val="accent6"/>
@@ -1734,90 +1943,21 @@
     <dgm:effectClrLst/>
     <dgm:txLinClrLst/>
     <dgm:txFillClrLst meth="repeat">
-      <a:schemeClr val="dk1"/>
+      <a:schemeClr val="tx1"/>
     </dgm:txFillClrLst>
     <dgm:txEffectClrLst/>
   </dgm:styleLbl>
-  <dgm:styleLbl name="conFgAcc1">
-    <dgm:fillClrLst meth="repeat">
-      <a:schemeClr val="lt1">
-        <a:alpha val="90000"/>
-      </a:schemeClr>
-    </dgm:fillClrLst>
-    <dgm:linClrLst>
+  <dgm:styleLbl name="sibTrans2D1">
+    <dgm:fillClrLst>
       <a:schemeClr val="accent5"/>
       <a:schemeClr val="accent6"/>
+    </dgm:fillClrLst>
+    <dgm:linClrLst meth="repeat">
+      <a:schemeClr val="lt1"/>
     </dgm:linClrLst>
     <dgm:effectClrLst/>
     <dgm:txLinClrLst/>
-    <dgm:txFillClrLst meth="repeat">
-      <a:schemeClr val="dk1"/>
-    </dgm:txFillClrLst>
-    <dgm:txEffectClrLst/>
-  </dgm:styleLbl>
-  <dgm:styleLbl name="alignAcc1">
-    <dgm:fillClrLst meth="repeat">
-      <a:schemeClr val="lt1">
-        <a:alpha val="90000"/>
-      </a:schemeClr>
-    </dgm:fillClrLst>
-    <dgm:linClrLst>
-      <a:schemeClr val="accent5"/>
-      <a:schemeClr val="accent6"/>
-    </dgm:linClrLst>
-    <dgm:effectClrLst/>
-    <dgm:txLinClrLst/>
-    <dgm:txFillClrLst meth="repeat">
-      <a:schemeClr val="dk1"/>
-    </dgm:txFillClrLst>
-    <dgm:txEffectClrLst/>
-  </dgm:styleLbl>
-  <dgm:styleLbl name="trAlignAcc1">
-    <dgm:fillClrLst meth="repeat">
-      <a:schemeClr val="lt1">
-        <a:alpha val="40000"/>
-      </a:schemeClr>
-    </dgm:fillClrLst>
-    <dgm:linClrLst meth="repeat">
-      <a:schemeClr val="accent5"/>
-    </dgm:linClrLst>
-    <dgm:effectClrLst/>
-    <dgm:txLinClrLst/>
-    <dgm:txFillClrLst meth="repeat">
-      <a:schemeClr val="dk1"/>
-    </dgm:txFillClrLst>
-    <dgm:txEffectClrLst/>
-  </dgm:styleLbl>
-  <dgm:styleLbl name="bgAcc1">
-    <dgm:fillClrLst meth="repeat">
-      <a:schemeClr val="lt1">
-        <a:alpha val="90000"/>
-      </a:schemeClr>
-    </dgm:fillClrLst>
-    <dgm:linClrLst>
-      <a:schemeClr val="accent5"/>
-      <a:schemeClr val="accent6"/>
-    </dgm:linClrLst>
-    <dgm:effectClrLst/>
-    <dgm:txLinClrLst/>
-    <dgm:txFillClrLst meth="repeat">
-      <a:schemeClr val="dk1"/>
-    </dgm:txFillClrLst>
-    <dgm:txEffectClrLst/>
-  </dgm:styleLbl>
-  <dgm:styleLbl name="solidFgAcc1">
-    <dgm:fillClrLst meth="repeat">
-      <a:schemeClr val="lt1"/>
-    </dgm:fillClrLst>
-    <dgm:linClrLst>
-      <a:schemeClr val="accent5"/>
-      <a:schemeClr val="accent6"/>
-    </dgm:linClrLst>
-    <dgm:effectClrLst/>
-    <dgm:txLinClrLst/>
-    <dgm:txFillClrLst meth="repeat">
-      <a:schemeClr val="dk1"/>
-    </dgm:txFillClrLst>
+    <dgm:txFillClrLst/>
     <dgm:txEffectClrLst/>
   </dgm:styleLbl>
   <dgm:styleLbl name="solidAlignAcc1">
@@ -1850,113 +1990,12 @@
     </dgm:txFillClrLst>
     <dgm:txEffectClrLst/>
   </dgm:styleLbl>
-  <dgm:styleLbl name="fgAccFollowNode1">
-    <dgm:fillClrLst>
-      <a:schemeClr val="accent5">
-        <a:tint val="40000"/>
-        <a:alpha val="90000"/>
-      </a:schemeClr>
-      <a:schemeClr val="accent6">
-        <a:tint val="40000"/>
-        <a:alpha val="90000"/>
-      </a:schemeClr>
+  <dgm:styleLbl name="solidFgAcc1">
+    <dgm:fillClrLst meth="repeat">
+      <a:schemeClr val="lt1"/>
     </dgm:fillClrLst>
     <dgm:linClrLst>
-      <a:schemeClr val="accent5">
-        <a:tint val="40000"/>
-        <a:alpha val="90000"/>
-      </a:schemeClr>
-      <a:schemeClr val="accent5">
-        <a:tint val="40000"/>
-        <a:alpha val="90000"/>
-      </a:schemeClr>
-    </dgm:linClrLst>
-    <dgm:effectClrLst/>
-    <dgm:txLinClrLst/>
-    <dgm:txFillClrLst meth="repeat">
-      <a:schemeClr val="dk1"/>
-    </dgm:txFillClrLst>
-    <dgm:txEffectClrLst/>
-  </dgm:styleLbl>
-  <dgm:styleLbl name="alignAccFollowNode1">
-    <dgm:fillClrLst>
-      <a:schemeClr val="accent5">
-        <a:tint val="40000"/>
-        <a:alpha val="90000"/>
-      </a:schemeClr>
-      <a:schemeClr val="accent6">
-        <a:tint val="40000"/>
-        <a:alpha val="90000"/>
-      </a:schemeClr>
-    </dgm:fillClrLst>
-    <dgm:linClrLst>
-      <a:schemeClr val="accent5">
-        <a:tint val="40000"/>
-        <a:alpha val="90000"/>
-      </a:schemeClr>
-      <a:schemeClr val="accent6">
-        <a:tint val="40000"/>
-        <a:alpha val="90000"/>
-      </a:schemeClr>
-    </dgm:linClrLst>
-    <dgm:effectClrLst/>
-    <dgm:txLinClrLst/>
-    <dgm:txFillClrLst meth="repeat">
-      <a:schemeClr val="dk1"/>
-    </dgm:txFillClrLst>
-    <dgm:txEffectClrLst/>
-  </dgm:styleLbl>
-  <dgm:styleLbl name="bgAccFollowNode1">
-    <dgm:fillClrLst>
-      <a:schemeClr val="accent5">
-        <a:tint val="40000"/>
-        <a:alpha val="90000"/>
-      </a:schemeClr>
-      <a:schemeClr val="accent6">
-        <a:tint val="40000"/>
-        <a:alpha val="90000"/>
-      </a:schemeClr>
-    </dgm:fillClrLst>
-    <dgm:linClrLst>
-      <a:schemeClr val="accent5">
-        <a:tint val="40000"/>
-        <a:alpha val="90000"/>
-      </a:schemeClr>
-      <a:schemeClr val="accent6">
-        <a:tint val="40000"/>
-        <a:alpha val="90000"/>
-      </a:schemeClr>
-    </dgm:linClrLst>
-    <dgm:effectClrLst/>
-    <dgm:txLinClrLst/>
-    <dgm:txFillClrLst meth="repeat">
-      <a:schemeClr val="dk1"/>
-    </dgm:txFillClrLst>
-    <dgm:txEffectClrLst/>
-  </dgm:styleLbl>
-  <dgm:styleLbl name="fgAcc0">
-    <dgm:fillClrLst meth="repeat">
-      <a:schemeClr val="lt1">
-        <a:alpha val="90000"/>
-      </a:schemeClr>
-    </dgm:fillClrLst>
-    <dgm:linClrLst>
-      <a:schemeClr val="accent4"/>
-    </dgm:linClrLst>
-    <dgm:effectClrLst/>
-    <dgm:txLinClrLst/>
-    <dgm:txFillClrLst meth="repeat">
-      <a:schemeClr val="dk1"/>
-    </dgm:txFillClrLst>
-    <dgm:txEffectClrLst/>
-  </dgm:styleLbl>
-  <dgm:styleLbl name="fgAcc2">
-    <dgm:fillClrLst meth="repeat">
-      <a:schemeClr val="lt1">
-        <a:alpha val="90000"/>
-      </a:schemeClr>
-    </dgm:fillClrLst>
-    <dgm:linClrLst>
+      <a:schemeClr val="accent5"/>
       <a:schemeClr val="accent6"/>
     </dgm:linClrLst>
     <dgm:effectClrLst/>
@@ -1966,67 +2005,19 @@
     </dgm:txFillClrLst>
     <dgm:txEffectClrLst/>
   </dgm:styleLbl>
-  <dgm:styleLbl name="fgAcc3">
+  <dgm:styleLbl name="trAlignAcc1">
     <dgm:fillClrLst meth="repeat">
       <a:schemeClr val="lt1">
-        <a:alpha val="90000"/>
+        <a:alpha val="40000"/>
       </a:schemeClr>
     </dgm:fillClrLst>
-    <dgm:linClrLst>
-      <a:schemeClr val="accent1"/>
+    <dgm:linClrLst meth="repeat">
+      <a:schemeClr val="accent5"/>
     </dgm:linClrLst>
     <dgm:effectClrLst/>
     <dgm:txLinClrLst/>
     <dgm:txFillClrLst meth="repeat">
       <a:schemeClr val="dk1"/>
-    </dgm:txFillClrLst>
-    <dgm:txEffectClrLst/>
-  </dgm:styleLbl>
-  <dgm:styleLbl name="fgAcc4">
-    <dgm:fillClrLst meth="repeat">
-      <a:schemeClr val="lt1">
-        <a:alpha val="90000"/>
-      </a:schemeClr>
-    </dgm:fillClrLst>
-    <dgm:linClrLst>
-      <a:schemeClr val="accent2"/>
-    </dgm:linClrLst>
-    <dgm:effectClrLst/>
-    <dgm:txLinClrLst/>
-    <dgm:txFillClrLst meth="repeat">
-      <a:schemeClr val="dk1"/>
-    </dgm:txFillClrLst>
-    <dgm:txEffectClrLst/>
-  </dgm:styleLbl>
-  <dgm:styleLbl name="bgShp">
-    <dgm:fillClrLst meth="repeat">
-      <a:schemeClr val="accent5">
-        <a:tint val="40000"/>
-      </a:schemeClr>
-    </dgm:fillClrLst>
-    <dgm:linClrLst meth="repeat">
-      <a:schemeClr val="dk1"/>
-    </dgm:linClrLst>
-    <dgm:effectClrLst/>
-    <dgm:txLinClrLst/>
-    <dgm:txFillClrLst meth="repeat">
-      <a:schemeClr val="dk1"/>
-    </dgm:txFillClrLst>
-    <dgm:txEffectClrLst/>
-  </dgm:styleLbl>
-  <dgm:styleLbl name="dkBgShp">
-    <dgm:fillClrLst meth="repeat">
-      <a:schemeClr val="accent5">
-        <a:shade val="90000"/>
-      </a:schemeClr>
-    </dgm:fillClrLst>
-    <dgm:linClrLst meth="repeat">
-      <a:schemeClr val="dk1"/>
-    </dgm:linClrLst>
-    <dgm:effectClrLst/>
-    <dgm:txLinClrLst/>
-    <dgm:txFillClrLst meth="repeat">
-      <a:schemeClr val="lt1"/>
     </dgm:txFillClrLst>
     <dgm:txEffectClrLst/>
   </dgm:styleLbl>
@@ -2047,10 +2038,13 @@
     </dgm:txFillClrLst>
     <dgm:txEffectClrLst/>
   </dgm:styleLbl>
-  <dgm:styleLbl name="fgShp">
-    <dgm:fillClrLst meth="repeat">
+  <dgm:styleLbl name="vennNode1">
+    <dgm:fillClrLst>
       <a:schemeClr val="accent5">
-        <a:tint val="40000"/>
+        <a:alpha val="50000"/>
+      </a:schemeClr>
+      <a:schemeClr val="accent6">
+        <a:alpha val="50000"/>
       </a:schemeClr>
     </dgm:fillClrLst>
     <dgm:linClrLst meth="repeat">
@@ -2058,27 +2052,7 @@
     </dgm:linClrLst>
     <dgm:effectClrLst/>
     <dgm:txLinClrLst/>
-    <dgm:txFillClrLst meth="repeat">
-      <a:schemeClr val="dk1"/>
-    </dgm:txFillClrLst>
-    <dgm:txEffectClrLst/>
-  </dgm:styleLbl>
-  <dgm:styleLbl name="revTx">
-    <dgm:fillClrLst meth="repeat">
-      <a:schemeClr val="lt1">
-        <a:alpha val="0"/>
-      </a:schemeClr>
-    </dgm:fillClrLst>
-    <dgm:linClrLst meth="repeat">
-      <a:schemeClr val="dk1">
-        <a:alpha val="0"/>
-      </a:schemeClr>
-    </dgm:linClrLst>
-    <dgm:effectClrLst/>
-    <dgm:txLinClrLst/>
-    <dgm:txFillClrLst meth="repeat">
-      <a:schemeClr val="tx1"/>
-    </dgm:txFillClrLst>
+    <dgm:txFillClrLst/>
     <dgm:txEffectClrLst/>
   </dgm:styleLbl>
 </dgm:colorsDef>
@@ -2088,7 +2062,7 @@
 <dgm:dataModel xmlns:dgm="http://schemas.openxmlformats.org/drawingml/2006/diagram" xmlns:a="http://schemas.openxmlformats.org/drawingml/2006/main">
   <dgm:ptLst>
     <dgm:pt modelId="{00A259F2-A13A-49D7-B2EA-99461DF03491}" type="doc">
-      <dgm:prSet loTypeId="urn:microsoft.com/office/officeart/2005/8/layout/orgChart1" loCatId="hierarchy" qsTypeId="urn:microsoft.com/office/officeart/2005/8/quickstyle/simple5" qsCatId="simple" csTypeId="urn:microsoft.com/office/officeart/2005/8/colors/colorful5" csCatId="colorful" phldr="1"/>
+      <dgm:prSet loTypeId="urn:microsoft.com/office/officeart/2005/8/layout/orgChart1#1" loCatId="hierarchy" qsTypeId="urn:microsoft.com/office/officeart/2005/8/quickstyle/simple5#1" qsCatId="simple" csTypeId="urn:microsoft.com/office/officeart/2005/8/colors/colorful5#1" csCatId="colorful" phldr="1"/>
       <dgm:spPr/>
       <dgm:t>
         <a:bodyPr/>
@@ -2107,12 +2081,12 @@
         <a:p>
           <a:r>
             <a:rPr lang="en-US" dirty="0"/>
-            <a:t>Cecropia Server</a:t>
+            <a:t>Cecropia Database</a:t>
           </a:r>
         </a:p>
       </dgm:t>
     </dgm:pt>
-    <dgm:pt modelId="{1BEEDFC5-07E9-426B-A80F-9282F7A3C004}" type="parTrans" cxnId="{5516D279-D894-4469-A2F6-2F9E2A9AEA38}">
+    <dgm:pt modelId="{1BEEDFC5-07E9-426B-A80F-9282F7A3C004}" cxnId="{5516D279-D894-4469-A2F6-2F9E2A9AEA38}" type="parTrans">
       <dgm:prSet/>
       <dgm:spPr/>
       <dgm:t>
@@ -2123,7 +2097,7 @@
         </a:p>
       </dgm:t>
     </dgm:pt>
-    <dgm:pt modelId="{5934BCA9-1F31-466A-867F-499F4946347F}" type="sibTrans" cxnId="{5516D279-D894-4469-A2F6-2F9E2A9AEA38}">
+    <dgm:pt modelId="{5934BCA9-1F31-466A-867F-499F4946347F}" cxnId="{5516D279-D894-4469-A2F6-2F9E2A9AEA38}" type="sibTrans">
       <dgm:prSet/>
       <dgm:spPr/>
       <dgm:t>
@@ -2148,7 +2122,7 @@
         </a:p>
       </dgm:t>
     </dgm:pt>
-    <dgm:pt modelId="{9B685A21-42E8-48FB-9ED3-626F4B61DC3D}" type="parTrans" cxnId="{21FDDCC9-36C0-488C-BC8F-102BAF6403F2}">
+    <dgm:pt modelId="{9B685A21-42E8-48FB-9ED3-626F4B61DC3D}" cxnId="{21FDDCC9-36C0-488C-BC8F-102BAF6403F2}" type="parTrans">
       <dgm:prSet/>
       <dgm:spPr/>
       <dgm:t>
@@ -2159,7 +2133,7 @@
         </a:p>
       </dgm:t>
     </dgm:pt>
-    <dgm:pt modelId="{16014361-CD45-464B-A6C0-895197E1814D}" type="sibTrans" cxnId="{21FDDCC9-36C0-488C-BC8F-102BAF6403F2}">
+    <dgm:pt modelId="{16014361-CD45-464B-A6C0-895197E1814D}" cxnId="{21FDDCC9-36C0-488C-BC8F-102BAF6403F2}" type="sibTrans">
       <dgm:prSet/>
       <dgm:spPr/>
       <dgm:t>
@@ -2184,7 +2158,7 @@
         </a:p>
       </dgm:t>
     </dgm:pt>
-    <dgm:pt modelId="{EE6FDCC4-A7D0-466E-ADAE-3C68AB224CB8}" type="parTrans" cxnId="{2908DC4E-370C-411F-A1DC-7A70A9FAA604}">
+    <dgm:pt modelId="{EE6FDCC4-A7D0-466E-ADAE-3C68AB224CB8}" cxnId="{2908DC4E-370C-411F-A1DC-7A70A9FAA604}" type="parTrans">
       <dgm:prSet/>
       <dgm:spPr/>
       <dgm:t>
@@ -2195,7 +2169,7 @@
         </a:p>
       </dgm:t>
     </dgm:pt>
-    <dgm:pt modelId="{A01F3A17-CC4E-4672-A2EB-27E0486EDFC2}" type="sibTrans" cxnId="{2908DC4E-370C-411F-A1DC-7A70A9FAA604}">
+    <dgm:pt modelId="{A01F3A17-CC4E-4672-A2EB-27E0486EDFC2}" cxnId="{2908DC4E-370C-411F-A1DC-7A70A9FAA604}" type="sibTrans">
       <dgm:prSet/>
       <dgm:spPr/>
       <dgm:t>
@@ -2206,7 +2180,7 @@
         </a:p>
       </dgm:t>
     </dgm:pt>
-    <dgm:pt modelId="{A27CFC78-3EDF-4650-9734-A13CDE3FE117}" type="asst">
+    <dgm:pt modelId="{5BAC69C9-A0D6-4C3F-9FAA-26B20555A011}">
       <dgm:prSet phldrT="[Text]"/>
       <dgm:spPr/>
       <dgm:t>
@@ -2215,12 +2189,12 @@
         <a:p>
           <a:r>
             <a:rPr lang="en-US" dirty="0"/>
-            <a:t>MongoDB Database</a:t>
+            <a:t>Cecropia Server</a:t>
           </a:r>
         </a:p>
       </dgm:t>
     </dgm:pt>
-    <dgm:pt modelId="{A5ABE8A7-D573-4756-A4A5-5BBD0F66CB5F}" type="sibTrans" cxnId="{7D2977E5-BC84-450D-A17A-B03FE8B15DBD}">
+    <dgm:pt modelId="{49227BAE-FCA5-4129-BE2B-7E702CD5A53F}" cxnId="{1740A29A-27CE-42AE-93B7-7DB9888B42A4}" type="parTrans">
       <dgm:prSet/>
       <dgm:spPr/>
       <dgm:t>
@@ -2231,7 +2205,7 @@
         </a:p>
       </dgm:t>
     </dgm:pt>
-    <dgm:pt modelId="{DA01BA0D-252F-42D7-B8F3-C4338EC82C1D}" type="parTrans" cxnId="{7D2977E5-BC84-450D-A17A-B03FE8B15DBD}">
+    <dgm:pt modelId="{A14C2085-671F-423C-8D3D-891D4306E59A}" cxnId="{1740A29A-27CE-42AE-93B7-7DB9888B42A4}" type="sibTrans">
       <dgm:prSet/>
       <dgm:spPr/>
       <dgm:t>
@@ -2268,7 +2242,7 @@
       <dgm:spPr/>
     </dgm:pt>
     <dgm:pt modelId="{715DB57C-391A-41B6-BF65-C344CFB29C9A}" type="pres">
-      <dgm:prSet presAssocID="{0B50DFF1-B02B-4431-B4BD-68B6771F23DC}" presName="rootText1" presStyleLbl="node0" presStyleIdx="0" presStyleCnt="1">
+      <dgm:prSet presAssocID="{0B50DFF1-B02B-4431-B4BD-68B6771F23DC}" presName="rootText1" presStyleLbl="node0" presStyleIdx="0" presStyleCnt="2">
         <dgm:presLayoutVars>
           <dgm:chPref val="3"/>
         </dgm:presLayoutVars>
@@ -2283,8 +2257,40 @@
       <dgm:prSet presAssocID="{0B50DFF1-B02B-4431-B4BD-68B6771F23DC}" presName="hierChild2" presStyleCnt="0"/>
       <dgm:spPr/>
     </dgm:pt>
+    <dgm:pt modelId="{D2654417-EFD7-4929-A8EE-A8F08AFBAD61}" type="pres">
+      <dgm:prSet presAssocID="{0B50DFF1-B02B-4431-B4BD-68B6771F23DC}" presName="hierChild3" presStyleCnt="0"/>
+      <dgm:spPr/>
+    </dgm:pt>
+    <dgm:pt modelId="{21B781F0-4CC1-4530-8124-385F9613273F}" type="pres">
+      <dgm:prSet presAssocID="{5BAC69C9-A0D6-4C3F-9FAA-26B20555A011}" presName="hierRoot1" presStyleCnt="0">
+        <dgm:presLayoutVars>
+          <dgm:hierBranch val="init"/>
+        </dgm:presLayoutVars>
+      </dgm:prSet>
+      <dgm:spPr/>
+    </dgm:pt>
+    <dgm:pt modelId="{89D5F884-27D4-43A8-9CE7-E5CBF7A50C1A}" type="pres">
+      <dgm:prSet presAssocID="{5BAC69C9-A0D6-4C3F-9FAA-26B20555A011}" presName="rootComposite1" presStyleCnt="0"/>
+      <dgm:spPr/>
+    </dgm:pt>
+    <dgm:pt modelId="{271ABAA5-51F5-4B7D-9878-6DF8F6D52D40}" type="pres">
+      <dgm:prSet presAssocID="{5BAC69C9-A0D6-4C3F-9FAA-26B20555A011}" presName="rootText1" presStyleLbl="node0" presStyleIdx="1" presStyleCnt="2">
+        <dgm:presLayoutVars>
+          <dgm:chPref val="3"/>
+        </dgm:presLayoutVars>
+      </dgm:prSet>
+      <dgm:spPr/>
+    </dgm:pt>
+    <dgm:pt modelId="{7073E4E6-5780-4C07-89EC-64E19BEF379A}" type="pres">
+      <dgm:prSet presAssocID="{5BAC69C9-A0D6-4C3F-9FAA-26B20555A011}" presName="rootConnector1" presStyleLbl="node1" presStyleIdx="0" presStyleCnt="0"/>
+      <dgm:spPr/>
+    </dgm:pt>
+    <dgm:pt modelId="{0555AA0D-072C-426F-8327-C474550FC014}" type="pres">
+      <dgm:prSet presAssocID="{5BAC69C9-A0D6-4C3F-9FAA-26B20555A011}" presName="hierChild2" presStyleCnt="0"/>
+      <dgm:spPr/>
+    </dgm:pt>
     <dgm:pt modelId="{5C5B0EF6-18FC-475B-B4D0-1A28E0FD6572}" type="pres">
-      <dgm:prSet presAssocID="{9B685A21-42E8-48FB-9ED3-626F4B61DC3D}" presName="Name37" presStyleLbl="parChTrans1D2" presStyleIdx="0" presStyleCnt="3"/>
+      <dgm:prSet presAssocID="{9B685A21-42E8-48FB-9ED3-626F4B61DC3D}" presName="Name37" presStyleLbl="parChTrans1D2" presStyleIdx="0" presStyleCnt="2"/>
       <dgm:spPr/>
     </dgm:pt>
     <dgm:pt modelId="{A0E5C7AB-9695-4212-9E5F-470EC1CD2B2C}" type="pres">
@@ -2320,7 +2326,7 @@
       <dgm:spPr/>
     </dgm:pt>
     <dgm:pt modelId="{976AB429-C6D2-4B7A-B000-71868D32DA13}" type="pres">
-      <dgm:prSet presAssocID="{EE6FDCC4-A7D0-466E-ADAE-3C68AB224CB8}" presName="Name37" presStyleLbl="parChTrans1D2" presStyleIdx="1" presStyleCnt="3"/>
+      <dgm:prSet presAssocID="{EE6FDCC4-A7D0-466E-ADAE-3C68AB224CB8}" presName="Name37" presStyleLbl="parChTrans1D2" presStyleIdx="1" presStyleCnt="2"/>
       <dgm:spPr/>
     </dgm:pt>
     <dgm:pt modelId="{252B7A6B-3512-4A3B-97BD-3942B6CCAC86}" type="pres">
@@ -2355,97 +2361,59 @@
       <dgm:prSet presAssocID="{C2BE9B9D-B654-44D1-B8B3-C1D36F03CCC9}" presName="hierChild5" presStyleCnt="0"/>
       <dgm:spPr/>
     </dgm:pt>
-    <dgm:pt modelId="{D2654417-EFD7-4929-A8EE-A8F08AFBAD61}" type="pres">
-      <dgm:prSet presAssocID="{0B50DFF1-B02B-4431-B4BD-68B6771F23DC}" presName="hierChild3" presStyleCnt="0"/>
-      <dgm:spPr/>
-    </dgm:pt>
-    <dgm:pt modelId="{9AA42A24-19FC-4F6C-B3E8-077C8F9B75B0}" type="pres">
-      <dgm:prSet presAssocID="{DA01BA0D-252F-42D7-B8F3-C4338EC82C1D}" presName="Name111" presStyleLbl="parChTrans1D2" presStyleIdx="2" presStyleCnt="3"/>
-      <dgm:spPr/>
-    </dgm:pt>
-    <dgm:pt modelId="{CBCFFE0C-FDAF-4412-A431-1F575B938178}" type="pres">
-      <dgm:prSet presAssocID="{A27CFC78-3EDF-4650-9734-A13CDE3FE117}" presName="hierRoot3" presStyleCnt="0">
-        <dgm:presLayoutVars>
-          <dgm:hierBranch val="init"/>
-        </dgm:presLayoutVars>
-      </dgm:prSet>
-      <dgm:spPr/>
-    </dgm:pt>
-    <dgm:pt modelId="{7C86842A-114D-4DD6-AA13-7D357137F7A9}" type="pres">
-      <dgm:prSet presAssocID="{A27CFC78-3EDF-4650-9734-A13CDE3FE117}" presName="rootComposite3" presStyleCnt="0"/>
-      <dgm:spPr/>
-    </dgm:pt>
-    <dgm:pt modelId="{1D8FBDDE-BAC4-44E0-B16F-349AB96191FC}" type="pres">
-      <dgm:prSet presAssocID="{A27CFC78-3EDF-4650-9734-A13CDE3FE117}" presName="rootText3" presStyleLbl="asst1" presStyleIdx="0" presStyleCnt="1">
-        <dgm:presLayoutVars>
-          <dgm:chPref val="3"/>
-        </dgm:presLayoutVars>
-      </dgm:prSet>
-      <dgm:spPr/>
-    </dgm:pt>
-    <dgm:pt modelId="{EEF1BFD5-74D4-4889-9502-8E327C2A0EA2}" type="pres">
-      <dgm:prSet presAssocID="{A27CFC78-3EDF-4650-9734-A13CDE3FE117}" presName="rootConnector3" presStyleLbl="asst1" presStyleIdx="0" presStyleCnt="1"/>
-      <dgm:spPr/>
-    </dgm:pt>
-    <dgm:pt modelId="{5CA7A4E3-FA63-4233-ABA6-1F891CE0CCAB}" type="pres">
-      <dgm:prSet presAssocID="{A27CFC78-3EDF-4650-9734-A13CDE3FE117}" presName="hierChild6" presStyleCnt="0"/>
-      <dgm:spPr/>
-    </dgm:pt>
-    <dgm:pt modelId="{2B6BBE91-ED93-431A-BDF7-05736596CF65}" type="pres">
-      <dgm:prSet presAssocID="{A27CFC78-3EDF-4650-9734-A13CDE3FE117}" presName="hierChild7" presStyleCnt="0"/>
+    <dgm:pt modelId="{F29704D6-3572-489B-B51B-BC9B4E9A9DBA}" type="pres">
+      <dgm:prSet presAssocID="{5BAC69C9-A0D6-4C3F-9FAA-26B20555A011}" presName="hierChild3" presStyleCnt="0"/>
       <dgm:spPr/>
     </dgm:pt>
   </dgm:ptLst>
   <dgm:cxnLst>
-    <dgm:cxn modelId="{FBDC6704-46DE-4E62-B90F-47FDA963BAFF}" type="presOf" srcId="{C2BE9B9D-B654-44D1-B8B3-C1D36F03CCC9}" destId="{2445A723-3C89-4D1E-9D75-AE52EA31B2FE}" srcOrd="0" destOrd="0" presId="urn:microsoft.com/office/officeart/2005/8/layout/orgChart1"/>
-    <dgm:cxn modelId="{CD4D810A-2780-4497-882F-956874B8B2E4}" type="presOf" srcId="{A27CFC78-3EDF-4650-9734-A13CDE3FE117}" destId="{1D8FBDDE-BAC4-44E0-B16F-349AB96191FC}" srcOrd="0" destOrd="0" presId="urn:microsoft.com/office/officeart/2005/8/layout/orgChart1"/>
-    <dgm:cxn modelId="{5519DB4A-3BC7-4AE7-93C3-E47F3916A0EC}" type="presOf" srcId="{C2BE9B9D-B654-44D1-B8B3-C1D36F03CCC9}" destId="{926944C0-0E72-4E18-A81A-54B6FB3C7094}" srcOrd="1" destOrd="0" presId="urn:microsoft.com/office/officeart/2005/8/layout/orgChart1"/>
-    <dgm:cxn modelId="{E46F636B-AAE2-4123-BDF9-C1B8722BA9B6}" type="presOf" srcId="{EE6FDCC4-A7D0-466E-ADAE-3C68AB224CB8}" destId="{976AB429-C6D2-4B7A-B000-71868D32DA13}" srcOrd="0" destOrd="0" presId="urn:microsoft.com/office/officeart/2005/8/layout/orgChart1"/>
-    <dgm:cxn modelId="{BF02826D-B329-438E-B450-CC73BB4DD123}" type="presOf" srcId="{9B685A21-42E8-48FB-9ED3-626F4B61DC3D}" destId="{5C5B0EF6-18FC-475B-B4D0-1A28E0FD6572}" srcOrd="0" destOrd="0" presId="urn:microsoft.com/office/officeart/2005/8/layout/orgChart1"/>
-    <dgm:cxn modelId="{2908DC4E-370C-411F-A1DC-7A70A9FAA604}" srcId="{0B50DFF1-B02B-4431-B4BD-68B6771F23DC}" destId="{C2BE9B9D-B654-44D1-B8B3-C1D36F03CCC9}" srcOrd="2" destOrd="0" parTransId="{EE6FDCC4-A7D0-466E-ADAE-3C68AB224CB8}" sibTransId="{A01F3A17-CC4E-4672-A2EB-27E0486EDFC2}"/>
+    <dgm:cxn modelId="{E8FBC002-327C-42EA-9145-5296FE26A8C0}" type="presOf" srcId="{EE6FDCC4-A7D0-466E-ADAE-3C68AB224CB8}" destId="{976AB429-C6D2-4B7A-B000-71868D32DA13}" srcOrd="0" destOrd="0" presId="urn:microsoft.com/office/officeart/2005/8/layout/orgChart1#1"/>
+    <dgm:cxn modelId="{5F750D32-B268-4F5E-A824-088552D2A21E}" type="presOf" srcId="{5BAC69C9-A0D6-4C3F-9FAA-26B20555A011}" destId="{7073E4E6-5780-4C07-89EC-64E19BEF379A}" srcOrd="1" destOrd="0" presId="urn:microsoft.com/office/officeart/2005/8/layout/orgChart1#1"/>
+    <dgm:cxn modelId="{4C9ABB65-88C7-4B81-B683-64110B801D18}" type="presOf" srcId="{C2BE9B9D-B654-44D1-B8B3-C1D36F03CCC9}" destId="{2445A723-3C89-4D1E-9D75-AE52EA31B2FE}" srcOrd="0" destOrd="0" presId="urn:microsoft.com/office/officeart/2005/8/layout/orgChart1#1"/>
+    <dgm:cxn modelId="{2908DC4E-370C-411F-A1DC-7A70A9FAA604}" srcId="{5BAC69C9-A0D6-4C3F-9FAA-26B20555A011}" destId="{C2BE9B9D-B654-44D1-B8B3-C1D36F03CCC9}" srcOrd="1" destOrd="0" parTransId="{EE6FDCC4-A7D0-466E-ADAE-3C68AB224CB8}" sibTransId="{A01F3A17-CC4E-4672-A2EB-27E0486EDFC2}"/>
+    <dgm:cxn modelId="{57D5EA77-1AD1-44AE-AB3F-86685D968E5F}" type="presOf" srcId="{C2BE9B9D-B654-44D1-B8B3-C1D36F03CCC9}" destId="{926944C0-0E72-4E18-A81A-54B6FB3C7094}" srcOrd="1" destOrd="0" presId="urn:microsoft.com/office/officeart/2005/8/layout/orgChart1#1"/>
     <dgm:cxn modelId="{5516D279-D894-4469-A2F6-2F9E2A9AEA38}" srcId="{00A259F2-A13A-49D7-B2EA-99461DF03491}" destId="{0B50DFF1-B02B-4431-B4BD-68B6771F23DC}" srcOrd="0" destOrd="0" parTransId="{1BEEDFC5-07E9-426B-A80F-9282F7A3C004}" sibTransId="{5934BCA9-1F31-466A-867F-499F4946347F}"/>
-    <dgm:cxn modelId="{14237E81-9CE0-44DF-8B9C-485A281980B7}" type="presOf" srcId="{DA01BA0D-252F-42D7-B8F3-C4338EC82C1D}" destId="{9AA42A24-19FC-4F6C-B3E8-077C8F9B75B0}" srcOrd="0" destOrd="0" presId="urn:microsoft.com/office/officeart/2005/8/layout/orgChart1"/>
-    <dgm:cxn modelId="{C0E3939B-5753-4400-AEFB-0D8C3618FB6A}" type="presOf" srcId="{0B50DFF1-B02B-4431-B4BD-68B6771F23DC}" destId="{75FD219F-5B5B-4D24-B682-669E2DC34006}" srcOrd="1" destOrd="0" presId="urn:microsoft.com/office/officeart/2005/8/layout/orgChart1"/>
-    <dgm:cxn modelId="{F9DA96A3-FDD6-4520-AC82-4A579575FC7E}" type="presOf" srcId="{414291CF-AEA8-4E28-A190-7E4424EC8E36}" destId="{0ECCDAEA-E62C-44F7-A30A-CEF12F362634}" srcOrd="1" destOrd="0" presId="urn:microsoft.com/office/officeart/2005/8/layout/orgChart1"/>
-    <dgm:cxn modelId="{5054E6AE-166C-4016-A170-B12F29713DAB}" type="presOf" srcId="{0B50DFF1-B02B-4431-B4BD-68B6771F23DC}" destId="{715DB57C-391A-41B6-BF65-C344CFB29C9A}" srcOrd="0" destOrd="0" presId="urn:microsoft.com/office/officeart/2005/8/layout/orgChart1"/>
-    <dgm:cxn modelId="{21FDDCC9-36C0-488C-BC8F-102BAF6403F2}" srcId="{0B50DFF1-B02B-4431-B4BD-68B6771F23DC}" destId="{414291CF-AEA8-4E28-A190-7E4424EC8E36}" srcOrd="1" destOrd="0" parTransId="{9B685A21-42E8-48FB-9ED3-626F4B61DC3D}" sibTransId="{16014361-CD45-464B-A6C0-895197E1814D}"/>
-    <dgm:cxn modelId="{D2167FD6-C1FE-4515-AF5C-609F57F0F0A1}" type="presOf" srcId="{A27CFC78-3EDF-4650-9734-A13CDE3FE117}" destId="{EEF1BFD5-74D4-4889-9502-8E327C2A0EA2}" srcOrd="1" destOrd="0" presId="urn:microsoft.com/office/officeart/2005/8/layout/orgChart1"/>
-    <dgm:cxn modelId="{7D2977E5-BC84-450D-A17A-B03FE8B15DBD}" srcId="{0B50DFF1-B02B-4431-B4BD-68B6771F23DC}" destId="{A27CFC78-3EDF-4650-9734-A13CDE3FE117}" srcOrd="0" destOrd="0" parTransId="{DA01BA0D-252F-42D7-B8F3-C4338EC82C1D}" sibTransId="{A5ABE8A7-D573-4756-A4A5-5BBD0F66CB5F}"/>
-    <dgm:cxn modelId="{836FF0F2-9DA8-49EF-A323-831906B32217}" type="presOf" srcId="{00A259F2-A13A-49D7-B2EA-99461DF03491}" destId="{8680A097-F1DB-422F-82C4-776EBBA813C4}" srcOrd="0" destOrd="0" presId="urn:microsoft.com/office/officeart/2005/8/layout/orgChart1"/>
-    <dgm:cxn modelId="{2F93C2FC-ADFA-47A6-B53F-C64D281DF053}" type="presOf" srcId="{414291CF-AEA8-4E28-A190-7E4424EC8E36}" destId="{9F269AE6-9C8E-4F26-94CA-6FD9B3F8CD9C}" srcOrd="0" destOrd="0" presId="urn:microsoft.com/office/officeart/2005/8/layout/orgChart1"/>
-    <dgm:cxn modelId="{0226A280-DEF6-4B75-A52E-6F8562BD1D9F}" type="presParOf" srcId="{8680A097-F1DB-422F-82C4-776EBBA813C4}" destId="{5B4B2668-597D-47BE-9BC9-4E268A850C55}" srcOrd="0" destOrd="0" presId="urn:microsoft.com/office/officeart/2005/8/layout/orgChart1"/>
-    <dgm:cxn modelId="{B72E5A52-DD61-4A58-9EE3-A4342F39AC7B}" type="presParOf" srcId="{5B4B2668-597D-47BE-9BC9-4E268A850C55}" destId="{E803D348-EC4D-4DB0-AC9D-EBCBAD0C61F0}" srcOrd="0" destOrd="0" presId="urn:microsoft.com/office/officeart/2005/8/layout/orgChart1"/>
-    <dgm:cxn modelId="{46B7C59E-9C1F-454D-A68C-C32094DC52CC}" type="presParOf" srcId="{E803D348-EC4D-4DB0-AC9D-EBCBAD0C61F0}" destId="{715DB57C-391A-41B6-BF65-C344CFB29C9A}" srcOrd="0" destOrd="0" presId="urn:microsoft.com/office/officeart/2005/8/layout/orgChart1"/>
-    <dgm:cxn modelId="{1E42CEB0-FA0F-4961-B39B-9BB8E16D6B03}" type="presParOf" srcId="{E803D348-EC4D-4DB0-AC9D-EBCBAD0C61F0}" destId="{75FD219F-5B5B-4D24-B682-669E2DC34006}" srcOrd="1" destOrd="0" presId="urn:microsoft.com/office/officeart/2005/8/layout/orgChart1"/>
-    <dgm:cxn modelId="{BF5472DE-C254-4F44-B14A-243B9EB34FF2}" type="presParOf" srcId="{5B4B2668-597D-47BE-9BC9-4E268A850C55}" destId="{9D4CEBBF-D9A3-4E52-8F40-E71922BAD68B}" srcOrd="1" destOrd="0" presId="urn:microsoft.com/office/officeart/2005/8/layout/orgChart1"/>
-    <dgm:cxn modelId="{CB78BFE2-54B6-4E4E-8635-D632F2418948}" type="presParOf" srcId="{9D4CEBBF-D9A3-4E52-8F40-E71922BAD68B}" destId="{5C5B0EF6-18FC-475B-B4D0-1A28E0FD6572}" srcOrd="0" destOrd="0" presId="urn:microsoft.com/office/officeart/2005/8/layout/orgChart1"/>
-    <dgm:cxn modelId="{184613D7-3928-4CF3-995E-57642B263442}" type="presParOf" srcId="{9D4CEBBF-D9A3-4E52-8F40-E71922BAD68B}" destId="{A0E5C7AB-9695-4212-9E5F-470EC1CD2B2C}" srcOrd="1" destOrd="0" presId="urn:microsoft.com/office/officeart/2005/8/layout/orgChart1"/>
-    <dgm:cxn modelId="{C4F37D29-3BFE-4BC1-A6F2-A4A11B1C10E3}" type="presParOf" srcId="{A0E5C7AB-9695-4212-9E5F-470EC1CD2B2C}" destId="{F724B87A-3BA0-41B8-AABE-821ACD5A6BF0}" srcOrd="0" destOrd="0" presId="urn:microsoft.com/office/officeart/2005/8/layout/orgChart1"/>
-    <dgm:cxn modelId="{06FA7D22-5482-4769-A4D2-1B3B6AF3E4CD}" type="presParOf" srcId="{F724B87A-3BA0-41B8-AABE-821ACD5A6BF0}" destId="{9F269AE6-9C8E-4F26-94CA-6FD9B3F8CD9C}" srcOrd="0" destOrd="0" presId="urn:microsoft.com/office/officeart/2005/8/layout/orgChart1"/>
-    <dgm:cxn modelId="{056646B6-42FC-494E-AD01-AB03D2A1AE9B}" type="presParOf" srcId="{F724B87A-3BA0-41B8-AABE-821ACD5A6BF0}" destId="{0ECCDAEA-E62C-44F7-A30A-CEF12F362634}" srcOrd="1" destOrd="0" presId="urn:microsoft.com/office/officeart/2005/8/layout/orgChart1"/>
-    <dgm:cxn modelId="{8BC24505-8A9B-476F-ACA4-2E86462CD5B2}" type="presParOf" srcId="{A0E5C7AB-9695-4212-9E5F-470EC1CD2B2C}" destId="{5CDF80DA-8D6D-4D73-AFD0-D69DC6D0C1B9}" srcOrd="1" destOrd="0" presId="urn:microsoft.com/office/officeart/2005/8/layout/orgChart1"/>
-    <dgm:cxn modelId="{43CDC769-C42B-419A-B111-4FC9D244B5FE}" type="presParOf" srcId="{A0E5C7AB-9695-4212-9E5F-470EC1CD2B2C}" destId="{B74ACC40-2D63-42C0-B450-1B513DD2DD77}" srcOrd="2" destOrd="0" presId="urn:microsoft.com/office/officeart/2005/8/layout/orgChart1"/>
-    <dgm:cxn modelId="{64BE82F6-D0AE-4640-A9EF-F34583BD77A3}" type="presParOf" srcId="{9D4CEBBF-D9A3-4E52-8F40-E71922BAD68B}" destId="{976AB429-C6D2-4B7A-B000-71868D32DA13}" srcOrd="2" destOrd="0" presId="urn:microsoft.com/office/officeart/2005/8/layout/orgChart1"/>
-    <dgm:cxn modelId="{AC3D17E4-8D78-47B1-92E0-7F5CF9A403D5}" type="presParOf" srcId="{9D4CEBBF-D9A3-4E52-8F40-E71922BAD68B}" destId="{252B7A6B-3512-4A3B-97BD-3942B6CCAC86}" srcOrd="3" destOrd="0" presId="urn:microsoft.com/office/officeart/2005/8/layout/orgChart1"/>
-    <dgm:cxn modelId="{9362B2EA-C404-441C-95B9-233A8DFFBB43}" type="presParOf" srcId="{252B7A6B-3512-4A3B-97BD-3942B6CCAC86}" destId="{BB84C5B5-D6F3-4919-A2B6-16A4B3A7529D}" srcOrd="0" destOrd="0" presId="urn:microsoft.com/office/officeart/2005/8/layout/orgChart1"/>
-    <dgm:cxn modelId="{3ED19E45-113B-480F-AA46-917AD8003D31}" type="presParOf" srcId="{BB84C5B5-D6F3-4919-A2B6-16A4B3A7529D}" destId="{2445A723-3C89-4D1E-9D75-AE52EA31B2FE}" srcOrd="0" destOrd="0" presId="urn:microsoft.com/office/officeart/2005/8/layout/orgChart1"/>
-    <dgm:cxn modelId="{A9EF2D35-CF6D-47A4-8AE2-9029E7AB5120}" type="presParOf" srcId="{BB84C5B5-D6F3-4919-A2B6-16A4B3A7529D}" destId="{926944C0-0E72-4E18-A81A-54B6FB3C7094}" srcOrd="1" destOrd="0" presId="urn:microsoft.com/office/officeart/2005/8/layout/orgChart1"/>
-    <dgm:cxn modelId="{24CC1A64-0C5D-4209-AC6E-511098B33E96}" type="presParOf" srcId="{252B7A6B-3512-4A3B-97BD-3942B6CCAC86}" destId="{22AD5FA3-35C5-4138-A4D8-4F7334E18E47}" srcOrd="1" destOrd="0" presId="urn:microsoft.com/office/officeart/2005/8/layout/orgChart1"/>
-    <dgm:cxn modelId="{1F2DF390-F15B-4E69-8270-DD6B8246B25C}" type="presParOf" srcId="{252B7A6B-3512-4A3B-97BD-3942B6CCAC86}" destId="{F6BBE194-8E83-4E9B-B886-1C4AA659E2A0}" srcOrd="2" destOrd="0" presId="urn:microsoft.com/office/officeart/2005/8/layout/orgChart1"/>
-    <dgm:cxn modelId="{FA1A8F37-6CEE-40E9-B755-E2794CABAE8B}" type="presParOf" srcId="{5B4B2668-597D-47BE-9BC9-4E268A850C55}" destId="{D2654417-EFD7-4929-A8EE-A8F08AFBAD61}" srcOrd="2" destOrd="0" presId="urn:microsoft.com/office/officeart/2005/8/layout/orgChart1"/>
-    <dgm:cxn modelId="{A675526E-089D-4AD4-B180-8BBB404224EC}" type="presParOf" srcId="{D2654417-EFD7-4929-A8EE-A8F08AFBAD61}" destId="{9AA42A24-19FC-4F6C-B3E8-077C8F9B75B0}" srcOrd="0" destOrd="0" presId="urn:microsoft.com/office/officeart/2005/8/layout/orgChart1"/>
-    <dgm:cxn modelId="{69F634B6-0DFE-4EE6-A0A2-8C9241ACCB44}" type="presParOf" srcId="{D2654417-EFD7-4929-A8EE-A8F08AFBAD61}" destId="{CBCFFE0C-FDAF-4412-A431-1F575B938178}" srcOrd="1" destOrd="0" presId="urn:microsoft.com/office/officeart/2005/8/layout/orgChart1"/>
-    <dgm:cxn modelId="{C34607A3-B20E-48F4-AEE9-84F3F1BC062A}" type="presParOf" srcId="{CBCFFE0C-FDAF-4412-A431-1F575B938178}" destId="{7C86842A-114D-4DD6-AA13-7D357137F7A9}" srcOrd="0" destOrd="0" presId="urn:microsoft.com/office/officeart/2005/8/layout/orgChart1"/>
-    <dgm:cxn modelId="{4EB16CA0-58F1-4423-A3D0-4C110EA402C2}" type="presParOf" srcId="{7C86842A-114D-4DD6-AA13-7D357137F7A9}" destId="{1D8FBDDE-BAC4-44E0-B16F-349AB96191FC}" srcOrd="0" destOrd="0" presId="urn:microsoft.com/office/officeart/2005/8/layout/orgChart1"/>
-    <dgm:cxn modelId="{2D62019F-4CC8-4B11-A85F-AEBD21EED952}" type="presParOf" srcId="{7C86842A-114D-4DD6-AA13-7D357137F7A9}" destId="{EEF1BFD5-74D4-4889-9502-8E327C2A0EA2}" srcOrd="1" destOrd="0" presId="urn:microsoft.com/office/officeart/2005/8/layout/orgChart1"/>
-    <dgm:cxn modelId="{706EFDAA-2C07-441F-AE01-CBA0A2874B84}" type="presParOf" srcId="{CBCFFE0C-FDAF-4412-A431-1F575B938178}" destId="{5CA7A4E3-FA63-4233-ABA6-1F891CE0CCAB}" srcOrd="1" destOrd="0" presId="urn:microsoft.com/office/officeart/2005/8/layout/orgChart1"/>
-    <dgm:cxn modelId="{8B91C4DA-64CE-432D-B4EE-E8C24B2A5AFC}" type="presParOf" srcId="{CBCFFE0C-FDAF-4412-A431-1F575B938178}" destId="{2B6BBE91-ED93-431A-BDF7-05736596CF65}" srcOrd="2" destOrd="0" presId="urn:microsoft.com/office/officeart/2005/8/layout/orgChart1"/>
+    <dgm:cxn modelId="{25D20F7F-0339-4F32-9F5A-D96C03858898}" type="presOf" srcId="{5BAC69C9-A0D6-4C3F-9FAA-26B20555A011}" destId="{271ABAA5-51F5-4B7D-9878-6DF8F6D52D40}" srcOrd="0" destOrd="0" presId="urn:microsoft.com/office/officeart/2005/8/layout/orgChart1#1"/>
+    <dgm:cxn modelId="{1740A29A-27CE-42AE-93B7-7DB9888B42A4}" srcId="{00A259F2-A13A-49D7-B2EA-99461DF03491}" destId="{5BAC69C9-A0D6-4C3F-9FAA-26B20555A011}" srcOrd="1" destOrd="0" parTransId="{49227BAE-FCA5-4129-BE2B-7E702CD5A53F}" sibTransId="{A14C2085-671F-423C-8D3D-891D4306E59A}"/>
+    <dgm:cxn modelId="{C0E3939B-5753-4400-AEFB-0D8C3618FB6A}" type="presOf" srcId="{0B50DFF1-B02B-4431-B4BD-68B6771F23DC}" destId="{75FD219F-5B5B-4D24-B682-669E2DC34006}" srcOrd="1" destOrd="0" presId="urn:microsoft.com/office/officeart/2005/8/layout/orgChart1#1"/>
+    <dgm:cxn modelId="{5054E6AE-166C-4016-A170-B12F29713DAB}" type="presOf" srcId="{0B50DFF1-B02B-4431-B4BD-68B6771F23DC}" destId="{715DB57C-391A-41B6-BF65-C344CFB29C9A}" srcOrd="0" destOrd="0" presId="urn:microsoft.com/office/officeart/2005/8/layout/orgChart1#1"/>
+    <dgm:cxn modelId="{C89E8AB0-2336-46EC-B538-8EF60AF3E931}" type="presOf" srcId="{414291CF-AEA8-4E28-A190-7E4424EC8E36}" destId="{0ECCDAEA-E62C-44F7-A30A-CEF12F362634}" srcOrd="1" destOrd="0" presId="urn:microsoft.com/office/officeart/2005/8/layout/orgChart1#1"/>
+    <dgm:cxn modelId="{93A256B3-754E-443A-8DB3-57329F1D6A22}" type="presOf" srcId="{9B685A21-42E8-48FB-9ED3-626F4B61DC3D}" destId="{5C5B0EF6-18FC-475B-B4D0-1A28E0FD6572}" srcOrd="0" destOrd="0" presId="urn:microsoft.com/office/officeart/2005/8/layout/orgChart1#1"/>
+    <dgm:cxn modelId="{21FDDCC9-36C0-488C-BC8F-102BAF6403F2}" srcId="{5BAC69C9-A0D6-4C3F-9FAA-26B20555A011}" destId="{414291CF-AEA8-4E28-A190-7E4424EC8E36}" srcOrd="0" destOrd="0" parTransId="{9B685A21-42E8-48FB-9ED3-626F4B61DC3D}" sibTransId="{16014361-CD45-464B-A6C0-895197E1814D}"/>
+    <dgm:cxn modelId="{4B9B6CEB-DC22-4B19-BFA4-C504A022CDC5}" type="presOf" srcId="{414291CF-AEA8-4E28-A190-7E4424EC8E36}" destId="{9F269AE6-9C8E-4F26-94CA-6FD9B3F8CD9C}" srcOrd="0" destOrd="0" presId="urn:microsoft.com/office/officeart/2005/8/layout/orgChart1#1"/>
+    <dgm:cxn modelId="{836FF0F2-9DA8-49EF-A323-831906B32217}" type="presOf" srcId="{00A259F2-A13A-49D7-B2EA-99461DF03491}" destId="{8680A097-F1DB-422F-82C4-776EBBA813C4}" srcOrd="0" destOrd="0" presId="urn:microsoft.com/office/officeart/2005/8/layout/orgChart1#1"/>
+    <dgm:cxn modelId="{0226A280-DEF6-4B75-A52E-6F8562BD1D9F}" type="presParOf" srcId="{8680A097-F1DB-422F-82C4-776EBBA813C4}" destId="{5B4B2668-597D-47BE-9BC9-4E268A850C55}" srcOrd="0" destOrd="0" presId="urn:microsoft.com/office/officeart/2005/8/layout/orgChart1#1"/>
+    <dgm:cxn modelId="{B72E5A52-DD61-4A58-9EE3-A4342F39AC7B}" type="presParOf" srcId="{5B4B2668-597D-47BE-9BC9-4E268A850C55}" destId="{E803D348-EC4D-4DB0-AC9D-EBCBAD0C61F0}" srcOrd="0" destOrd="0" presId="urn:microsoft.com/office/officeart/2005/8/layout/orgChart1#1"/>
+    <dgm:cxn modelId="{46B7C59E-9C1F-454D-A68C-C32094DC52CC}" type="presParOf" srcId="{E803D348-EC4D-4DB0-AC9D-EBCBAD0C61F0}" destId="{715DB57C-391A-41B6-BF65-C344CFB29C9A}" srcOrd="0" destOrd="0" presId="urn:microsoft.com/office/officeart/2005/8/layout/orgChart1#1"/>
+    <dgm:cxn modelId="{1E42CEB0-FA0F-4961-B39B-9BB8E16D6B03}" type="presParOf" srcId="{E803D348-EC4D-4DB0-AC9D-EBCBAD0C61F0}" destId="{75FD219F-5B5B-4D24-B682-669E2DC34006}" srcOrd="1" destOrd="0" presId="urn:microsoft.com/office/officeart/2005/8/layout/orgChart1#1"/>
+    <dgm:cxn modelId="{BF5472DE-C254-4F44-B14A-243B9EB34FF2}" type="presParOf" srcId="{5B4B2668-597D-47BE-9BC9-4E268A850C55}" destId="{9D4CEBBF-D9A3-4E52-8F40-E71922BAD68B}" srcOrd="1" destOrd="0" presId="urn:microsoft.com/office/officeart/2005/8/layout/orgChart1#1"/>
+    <dgm:cxn modelId="{FA1A8F37-6CEE-40E9-B755-E2794CABAE8B}" type="presParOf" srcId="{5B4B2668-597D-47BE-9BC9-4E268A850C55}" destId="{D2654417-EFD7-4929-A8EE-A8F08AFBAD61}" srcOrd="2" destOrd="0" presId="urn:microsoft.com/office/officeart/2005/8/layout/orgChart1#1"/>
+    <dgm:cxn modelId="{07D4B25E-9AC7-4E84-9006-4C6F8C4C19AF}" type="presParOf" srcId="{8680A097-F1DB-422F-82C4-776EBBA813C4}" destId="{21B781F0-4CC1-4530-8124-385F9613273F}" srcOrd="1" destOrd="0" presId="urn:microsoft.com/office/officeart/2005/8/layout/orgChart1#1"/>
+    <dgm:cxn modelId="{76B7D2C0-430E-49EA-B747-0E8B46E023AF}" type="presParOf" srcId="{21B781F0-4CC1-4530-8124-385F9613273F}" destId="{89D5F884-27D4-43A8-9CE7-E5CBF7A50C1A}" srcOrd="0" destOrd="0" presId="urn:microsoft.com/office/officeart/2005/8/layout/orgChart1#1"/>
+    <dgm:cxn modelId="{0C4352B6-CF9B-43F9-AE27-1DF21DBD6F78}" type="presParOf" srcId="{89D5F884-27D4-43A8-9CE7-E5CBF7A50C1A}" destId="{271ABAA5-51F5-4B7D-9878-6DF8F6D52D40}" srcOrd="0" destOrd="0" presId="urn:microsoft.com/office/officeart/2005/8/layout/orgChart1#1"/>
+    <dgm:cxn modelId="{2CD82857-71BE-404E-85FE-4D8EA903CFE1}" type="presParOf" srcId="{89D5F884-27D4-43A8-9CE7-E5CBF7A50C1A}" destId="{7073E4E6-5780-4C07-89EC-64E19BEF379A}" srcOrd="1" destOrd="0" presId="urn:microsoft.com/office/officeart/2005/8/layout/orgChart1#1"/>
+    <dgm:cxn modelId="{596B5D45-3CC8-4AAE-9E79-80BCBA6C8948}" type="presParOf" srcId="{21B781F0-4CC1-4530-8124-385F9613273F}" destId="{0555AA0D-072C-426F-8327-C474550FC014}" srcOrd="1" destOrd="0" presId="urn:microsoft.com/office/officeart/2005/8/layout/orgChart1#1"/>
+    <dgm:cxn modelId="{785DDD2A-5FA4-435F-BDB5-1BC11CAB6763}" type="presParOf" srcId="{0555AA0D-072C-426F-8327-C474550FC014}" destId="{5C5B0EF6-18FC-475B-B4D0-1A28E0FD6572}" srcOrd="0" destOrd="0" presId="urn:microsoft.com/office/officeart/2005/8/layout/orgChart1#1"/>
+    <dgm:cxn modelId="{9D373041-5979-4FCB-92E0-D30F59EB03D0}" type="presParOf" srcId="{0555AA0D-072C-426F-8327-C474550FC014}" destId="{A0E5C7AB-9695-4212-9E5F-470EC1CD2B2C}" srcOrd="1" destOrd="0" presId="urn:microsoft.com/office/officeart/2005/8/layout/orgChart1#1"/>
+    <dgm:cxn modelId="{B154F415-FC45-4DC9-86CC-2E8BDF557C63}" type="presParOf" srcId="{A0E5C7AB-9695-4212-9E5F-470EC1CD2B2C}" destId="{F724B87A-3BA0-41B8-AABE-821ACD5A6BF0}" srcOrd="0" destOrd="0" presId="urn:microsoft.com/office/officeart/2005/8/layout/orgChart1#1"/>
+    <dgm:cxn modelId="{C6C75533-9F4F-45D9-9569-1E0129AF336C}" type="presParOf" srcId="{F724B87A-3BA0-41B8-AABE-821ACD5A6BF0}" destId="{9F269AE6-9C8E-4F26-94CA-6FD9B3F8CD9C}" srcOrd="0" destOrd="0" presId="urn:microsoft.com/office/officeart/2005/8/layout/orgChart1#1"/>
+    <dgm:cxn modelId="{452CF35F-9588-4491-A1F1-BB4077E6AA0F}" type="presParOf" srcId="{F724B87A-3BA0-41B8-AABE-821ACD5A6BF0}" destId="{0ECCDAEA-E62C-44F7-A30A-CEF12F362634}" srcOrd="1" destOrd="0" presId="urn:microsoft.com/office/officeart/2005/8/layout/orgChart1#1"/>
+    <dgm:cxn modelId="{F447A96D-60A8-42AD-8444-EFAA5CDC0475}" type="presParOf" srcId="{A0E5C7AB-9695-4212-9E5F-470EC1CD2B2C}" destId="{5CDF80DA-8D6D-4D73-AFD0-D69DC6D0C1B9}" srcOrd="1" destOrd="0" presId="urn:microsoft.com/office/officeart/2005/8/layout/orgChart1#1"/>
+    <dgm:cxn modelId="{9DB6FAA3-8306-4997-8DA5-3011EBE8E027}" type="presParOf" srcId="{A0E5C7AB-9695-4212-9E5F-470EC1CD2B2C}" destId="{B74ACC40-2D63-42C0-B450-1B513DD2DD77}" srcOrd="2" destOrd="0" presId="urn:microsoft.com/office/officeart/2005/8/layout/orgChart1#1"/>
+    <dgm:cxn modelId="{A790CF12-2A97-4301-A1DE-62E7274376A6}" type="presParOf" srcId="{0555AA0D-072C-426F-8327-C474550FC014}" destId="{976AB429-C6D2-4B7A-B000-71868D32DA13}" srcOrd="2" destOrd="0" presId="urn:microsoft.com/office/officeart/2005/8/layout/orgChart1#1"/>
+    <dgm:cxn modelId="{AF127120-F65C-4357-86E6-B6D47B6D3E9E}" type="presParOf" srcId="{0555AA0D-072C-426F-8327-C474550FC014}" destId="{252B7A6B-3512-4A3B-97BD-3942B6CCAC86}" srcOrd="3" destOrd="0" presId="urn:microsoft.com/office/officeart/2005/8/layout/orgChart1#1"/>
+    <dgm:cxn modelId="{4287A08F-F1A7-4252-B14A-AA7585A2543F}" type="presParOf" srcId="{252B7A6B-3512-4A3B-97BD-3942B6CCAC86}" destId="{BB84C5B5-D6F3-4919-A2B6-16A4B3A7529D}" srcOrd="0" destOrd="0" presId="urn:microsoft.com/office/officeart/2005/8/layout/orgChart1#1"/>
+    <dgm:cxn modelId="{D7435BFE-9265-4FB6-AEAD-835E1DEAD0B6}" type="presParOf" srcId="{BB84C5B5-D6F3-4919-A2B6-16A4B3A7529D}" destId="{2445A723-3C89-4D1E-9D75-AE52EA31B2FE}" srcOrd="0" destOrd="0" presId="urn:microsoft.com/office/officeart/2005/8/layout/orgChart1#1"/>
+    <dgm:cxn modelId="{B559A4B3-F1C1-4253-9B09-5E1569006A80}" type="presParOf" srcId="{BB84C5B5-D6F3-4919-A2B6-16A4B3A7529D}" destId="{926944C0-0E72-4E18-A81A-54B6FB3C7094}" srcOrd="1" destOrd="0" presId="urn:microsoft.com/office/officeart/2005/8/layout/orgChart1#1"/>
+    <dgm:cxn modelId="{2EA3A3BF-66CC-4FD1-813D-3486B65EDAAC}" type="presParOf" srcId="{252B7A6B-3512-4A3B-97BD-3942B6CCAC86}" destId="{22AD5FA3-35C5-4138-A4D8-4F7334E18E47}" srcOrd="1" destOrd="0" presId="urn:microsoft.com/office/officeart/2005/8/layout/orgChart1#1"/>
+    <dgm:cxn modelId="{37BC9FC4-CAB6-4F90-8D77-D6E29EE0C48C}" type="presParOf" srcId="{252B7A6B-3512-4A3B-97BD-3942B6CCAC86}" destId="{F6BBE194-8E83-4E9B-B886-1C4AA659E2A0}" srcOrd="2" destOrd="0" presId="urn:microsoft.com/office/officeart/2005/8/layout/orgChart1#1"/>
+    <dgm:cxn modelId="{975E6E5D-1B7B-4098-95C5-215CA76AEAE6}" type="presParOf" srcId="{21B781F0-4CC1-4530-8124-385F9613273F}" destId="{F29704D6-3572-489B-B51B-BC9B4E9A9DBA}" srcOrd="2" destOrd="0" presId="urn:microsoft.com/office/officeart/2005/8/layout/orgChart1#1"/>
   </dgm:cxnLst>
   <dgm:bg/>
   <dgm:whole/>
   <dgm:extLst>
     <a:ext uri="http://schemas.microsoft.com/office/drawing/2008/diagram">
-      <dsp:dataModelExt xmlns:dsp="http://schemas.microsoft.com/office/drawing/2008/diagram" relId="rId7" minVer="http://schemas.openxmlformats.org/drawingml/2006/diagram"/>
+      <dsp:dataModelExt xmlns:dsp="http://schemas.microsoft.com/office/drawing/2008/diagram" relId="rId6" minVer="http://schemas.openxmlformats.org/drawingml/2006/diagram"/>
     </a:ext>
   </dgm:extLst>
 </dgm:dataModel>
@@ -2459,64 +2427,6 @@
       <dsp:cNvGrpSpPr/>
     </dsp:nvGrpSpPr>
     <dsp:grpSpPr/>
-    <dsp:sp modelId="{9AA42A24-19FC-4F6C-B3E8-077C8F9B75B0}">
-      <dsp:nvSpPr>
-        <dsp:cNvPr id="0" name=""/>
-        <dsp:cNvSpPr/>
-      </dsp:nvSpPr>
-      <dsp:spPr>
-        <a:xfrm>
-          <a:off x="3558216" y="1259167"/>
-          <a:ext cx="264064" cy="1156856"/>
-        </a:xfrm>
-        <a:custGeom>
-          <a:avLst/>
-          <a:gdLst/>
-          <a:ahLst/>
-          <a:cxnLst/>
-          <a:rect l="0" t="0" r="0" b="0"/>
-          <a:pathLst>
-            <a:path>
-              <a:moveTo>
-                <a:pt x="264064" y="0"/>
-              </a:moveTo>
-              <a:lnTo>
-                <a:pt x="264064" y="1156856"/>
-              </a:lnTo>
-              <a:lnTo>
-                <a:pt x="0" y="1156856"/>
-              </a:lnTo>
-            </a:path>
-          </a:pathLst>
-        </a:custGeom>
-        <a:noFill/>
-        <a:ln w="12700" cap="flat" cmpd="sng" algn="ctr">
-          <a:solidFill>
-            <a:schemeClr val="accent6">
-              <a:hueOff val="0"/>
-              <a:satOff val="0"/>
-              <a:lumOff val="0"/>
-              <a:alphaOff val="0"/>
-            </a:schemeClr>
-          </a:solidFill>
-          <a:prstDash val="solid"/>
-          <a:miter lim="800000"/>
-        </a:ln>
-        <a:effectLst/>
-      </dsp:spPr>
-      <dsp:style>
-        <a:lnRef idx="2">
-          <a:scrgbClr r="0" g="0" b="0"/>
-        </a:lnRef>
-        <a:fillRef idx="0">
-          <a:scrgbClr r="0" g="0" b="0"/>
-        </a:fillRef>
-        <a:effectRef idx="0">
-          <a:scrgbClr r="0" g="0" b="0"/>
-        </a:effectRef>
-        <a:fontRef idx="minor"/>
-      </dsp:style>
-    </dsp:sp>
     <dsp:sp modelId="{976AB429-C6D2-4B7A-B000-71868D32DA13}">
       <dsp:nvSpPr>
         <dsp:cNvPr id="0" name=""/>
@@ -2524,8 +2434,8 @@
       </dsp:nvSpPr>
       <dsp:spPr>
         <a:xfrm>
-          <a:off x="3822281" y="1259167"/>
-          <a:ext cx="1521517" cy="2313712"/>
+          <a:off x="4643731" y="2130892"/>
+          <a:ext cx="1642899" cy="570262"/>
         </a:xfrm>
         <a:custGeom>
           <a:avLst/>
@@ -2539,13 +2449,13 @@
                 <a:pt x="0" y="0"/>
               </a:moveTo>
               <a:lnTo>
-                <a:pt x="0" y="2049647"/>
+                <a:pt x="0" y="285131"/>
               </a:lnTo>
               <a:lnTo>
-                <a:pt x="1521517" y="2049647"/>
+                <a:pt x="1642899" y="285131"/>
               </a:lnTo>
               <a:lnTo>
-                <a:pt x="1521517" y="2313712"/>
+                <a:pt x="1642899" y="570262"/>
               </a:lnTo>
             </a:path>
           </a:pathLst>
@@ -2585,8 +2495,8 @@
       </dsp:nvSpPr>
       <dsp:spPr>
         <a:xfrm>
-          <a:off x="2300764" y="1259167"/>
-          <a:ext cx="1521517" cy="2313712"/>
+          <a:off x="3000831" y="2130892"/>
+          <a:ext cx="1642899" cy="570262"/>
         </a:xfrm>
         <a:custGeom>
           <a:avLst/>
@@ -2597,16 +2507,16 @@
           <a:pathLst>
             <a:path>
               <a:moveTo>
-                <a:pt x="1521517" y="0"/>
+                <a:pt x="1642899" y="0"/>
               </a:moveTo>
               <a:lnTo>
-                <a:pt x="1521517" y="2049647"/>
+                <a:pt x="1642899" y="285131"/>
               </a:lnTo>
               <a:lnTo>
-                <a:pt x="0" y="2049647"/>
+                <a:pt x="0" y="285131"/>
               </a:lnTo>
               <a:lnTo>
-                <a:pt x="0" y="2313712"/>
+                <a:pt x="0" y="570262"/>
               </a:lnTo>
             </a:path>
           </a:pathLst>
@@ -2646,8 +2556,8 @@
       </dsp:nvSpPr>
       <dsp:spPr>
         <a:xfrm>
-          <a:off x="2564829" y="1715"/>
-          <a:ext cx="2514904" cy="1257452"/>
+          <a:off x="163" y="773123"/>
+          <a:ext cx="2715536" cy="1357768"/>
         </a:xfrm>
         <a:prstGeom prst="rect">
           <a:avLst/>
@@ -2716,12 +2626,12 @@
         </a:fontRef>
       </dsp:style>
       <dsp:txBody>
-        <a:bodyPr spcFirstLastPara="0" vert="horz" wrap="square" lIns="27305" tIns="27305" rIns="27305" bIns="27305" numCol="1" spcCol="1270" anchor="ctr" anchorCtr="0">
+        <a:bodyPr spcFirstLastPara="0" vert="horz" wrap="square" lIns="29210" tIns="29210" rIns="29210" bIns="29210" numCol="1" spcCol="1270" anchor="ctr" anchorCtr="0">
           <a:noAutofit/>
         </a:bodyPr>
         <a:lstStyle/>
         <a:p>
-          <a:pPr marL="0" lvl="0" indent="0" algn="ctr" defTabSz="1911350">
+          <a:pPr marL="0" lvl="0" indent="0" algn="ctr" defTabSz="2044700">
             <a:lnSpc>
               <a:spcPct val="90000"/>
             </a:lnSpc>
@@ -2734,14 +2644,119 @@
             <a:buNone/>
           </a:pPr>
           <a:r>
-            <a:rPr lang="en-US" sz="4300" kern="1200" dirty="0"/>
+            <a:rPr lang="en-US" sz="4600" kern="1200" dirty="0"/>
+            <a:t>Cecropia Database</a:t>
+          </a:r>
+        </a:p>
+      </dsp:txBody>
+      <dsp:txXfrm>
+        <a:off x="163" y="773123"/>
+        <a:ext cx="2715536" cy="1357768"/>
+      </dsp:txXfrm>
+    </dsp:sp>
+    <dsp:sp modelId="{271ABAA5-51F5-4B7D-9878-6DF8F6D52D40}">
+      <dsp:nvSpPr>
+        <dsp:cNvPr id="0" name=""/>
+        <dsp:cNvSpPr/>
+      </dsp:nvSpPr>
+      <dsp:spPr>
+        <a:xfrm>
+          <a:off x="3285962" y="773123"/>
+          <a:ext cx="2715536" cy="1357768"/>
+        </a:xfrm>
+        <a:prstGeom prst="rect">
+          <a:avLst/>
+        </a:prstGeom>
+        <a:gradFill rotWithShape="0">
+          <a:gsLst>
+            <a:gs pos="0">
+              <a:schemeClr val="accent4">
+                <a:hueOff val="0"/>
+                <a:satOff val="0"/>
+                <a:lumOff val="0"/>
+                <a:alphaOff val="0"/>
+                <a:satMod val="103000"/>
+                <a:lumMod val="102000"/>
+                <a:tint val="94000"/>
+              </a:schemeClr>
+            </a:gs>
+            <a:gs pos="50000">
+              <a:schemeClr val="accent4">
+                <a:hueOff val="0"/>
+                <a:satOff val="0"/>
+                <a:lumOff val="0"/>
+                <a:alphaOff val="0"/>
+                <a:satMod val="110000"/>
+                <a:lumMod val="100000"/>
+                <a:shade val="100000"/>
+              </a:schemeClr>
+            </a:gs>
+            <a:gs pos="100000">
+              <a:schemeClr val="accent4">
+                <a:hueOff val="0"/>
+                <a:satOff val="0"/>
+                <a:lumOff val="0"/>
+                <a:alphaOff val="0"/>
+                <a:lumMod val="99000"/>
+                <a:satMod val="120000"/>
+                <a:shade val="78000"/>
+              </a:schemeClr>
+            </a:gs>
+          </a:gsLst>
+          <a:lin ang="5400000" scaled="0"/>
+        </a:gradFill>
+        <a:ln>
+          <a:noFill/>
+        </a:ln>
+        <a:effectLst>
+          <a:outerShdw blurRad="57150" dist="19050" dir="5400000" algn="ctr" rotWithShape="0">
+            <a:srgbClr val="000000">
+              <a:alpha val="63000"/>
+            </a:srgbClr>
+          </a:outerShdw>
+        </a:effectLst>
+      </dsp:spPr>
+      <dsp:style>
+        <a:lnRef idx="0">
+          <a:scrgbClr r="0" g="0" b="0"/>
+        </a:lnRef>
+        <a:fillRef idx="3">
+          <a:scrgbClr r="0" g="0" b="0"/>
+        </a:fillRef>
+        <a:effectRef idx="3">
+          <a:scrgbClr r="0" g="0" b="0"/>
+        </a:effectRef>
+        <a:fontRef idx="minor">
+          <a:schemeClr val="lt1"/>
+        </a:fontRef>
+      </dsp:style>
+      <dsp:txBody>
+        <a:bodyPr spcFirstLastPara="0" vert="horz" wrap="square" lIns="29210" tIns="29210" rIns="29210" bIns="29210" numCol="1" spcCol="1270" anchor="ctr" anchorCtr="0">
+          <a:noAutofit/>
+        </a:bodyPr>
+        <a:lstStyle/>
+        <a:p>
+          <a:pPr marL="0" lvl="0" indent="0" algn="ctr" defTabSz="2044700">
+            <a:lnSpc>
+              <a:spcPct val="90000"/>
+            </a:lnSpc>
+            <a:spcBef>
+              <a:spcPct val="0"/>
+            </a:spcBef>
+            <a:spcAft>
+              <a:spcPct val="35000"/>
+            </a:spcAft>
+            <a:buNone/>
+          </a:pPr>
+          <a:r>
+            <a:rPr lang="en-US" sz="4600" kern="1200" dirty="0"/>
             <a:t>Cecropia Server</a:t>
           </a:r>
         </a:p>
       </dsp:txBody>
       <dsp:txXfrm>
-        <a:off x="2564829" y="1715"/>
-        <a:ext cx="2514904" cy="1257452"/>
+        <a:off x="3285962" y="773123"/>
+        <a:ext cx="2715536" cy="1357768"/>
       </dsp:txXfrm>
     </dsp:sp>
     <dsp:sp modelId="{9F269AE6-9C8E-4F26-94CA-6FD9B3F8CD9C}">
@@ -2751,8 +2766,8 @@
       </dsp:nvSpPr>
       <dsp:spPr>
         <a:xfrm>
-          <a:off x="1043312" y="3572879"/>
-          <a:ext cx="2514904" cy="1257452"/>
+          <a:off x="1643063" y="2701154"/>
+          <a:ext cx="2715536" cy="1357768"/>
         </a:xfrm>
         <a:prstGeom prst="rect">
           <a:avLst/>
@@ -2821,12 +2836,12 @@
         </a:fontRef>
       </dsp:style>
       <dsp:txBody>
-        <a:bodyPr spcFirstLastPara="0" vert="horz" wrap="square" lIns="27305" tIns="27305" rIns="27305" bIns="27305" numCol="1" spcCol="1270" anchor="ctr" anchorCtr="0">
+        <a:bodyPr spcFirstLastPara="0" vert="horz" wrap="square" lIns="29210" tIns="29210" rIns="29210" bIns="29210" numCol="1" spcCol="1270" anchor="ctr" anchorCtr="0">
           <a:noAutofit/>
         </a:bodyPr>
         <a:lstStyle/>
         <a:p>
-          <a:pPr marL="0" lvl="0" indent="0" algn="ctr" defTabSz="1911350">
+          <a:pPr marL="0" lvl="0" indent="0" algn="ctr" defTabSz="2044700">
             <a:lnSpc>
               <a:spcPct val="90000"/>
             </a:lnSpc>
@@ -2839,14 +2854,14 @@
             <a:buNone/>
           </a:pPr>
           <a:r>
-            <a:rPr lang="en-US" sz="4300" kern="1200" dirty="0"/>
+            <a:rPr lang="en-US" sz="4600" kern="1200" dirty="0"/>
             <a:t>Visitor</a:t>
           </a:r>
         </a:p>
       </dsp:txBody>
       <dsp:txXfrm>
-        <a:off x="1043312" y="3572879"/>
-        <a:ext cx="2514904" cy="1257452"/>
+        <a:off x="1643063" y="2701154"/>
+        <a:ext cx="2715536" cy="1357768"/>
       </dsp:txXfrm>
     </dsp:sp>
     <dsp:sp modelId="{2445A723-3C89-4D1E-9D75-AE52EA31B2FE}">
@@ -2856,8 +2871,8 @@
       </dsp:nvSpPr>
       <dsp:spPr>
         <a:xfrm>
-          <a:off x="4086346" y="3572879"/>
-          <a:ext cx="2514904" cy="1257452"/>
+          <a:off x="4928862" y="2701154"/>
+          <a:ext cx="2715536" cy="1357768"/>
         </a:xfrm>
         <a:prstGeom prst="rect">
           <a:avLst/>
@@ -2926,12 +2941,12 @@
         </a:fontRef>
       </dsp:style>
       <dsp:txBody>
-        <a:bodyPr spcFirstLastPara="0" vert="horz" wrap="square" lIns="27305" tIns="27305" rIns="27305" bIns="27305" numCol="1" spcCol="1270" anchor="ctr" anchorCtr="0">
+        <a:bodyPr spcFirstLastPara="0" vert="horz" wrap="square" lIns="29210" tIns="29210" rIns="29210" bIns="29210" numCol="1" spcCol="1270" anchor="ctr" anchorCtr="0">
           <a:noAutofit/>
         </a:bodyPr>
         <a:lstStyle/>
         <a:p>
-          <a:pPr marL="0" lvl="0" indent="0" algn="ctr" defTabSz="1911350">
+          <a:pPr marL="0" lvl="0" indent="0" algn="ctr" defTabSz="2044700">
             <a:lnSpc>
               <a:spcPct val="90000"/>
             </a:lnSpc>
@@ -2944,119 +2959,14 @@
             <a:buNone/>
           </a:pPr>
           <a:r>
-            <a:rPr lang="en-US" sz="4300" kern="1200" dirty="0"/>
+            <a:rPr lang="en-US" sz="4600" kern="1200" dirty="0"/>
             <a:t>Robots</a:t>
           </a:r>
         </a:p>
       </dsp:txBody>
       <dsp:txXfrm>
-        <a:off x="4086346" y="3572879"/>
-        <a:ext cx="2514904" cy="1257452"/>
-      </dsp:txXfrm>
-    </dsp:sp>
-    <dsp:sp modelId="{1D8FBDDE-BAC4-44E0-B16F-349AB96191FC}">
-      <dsp:nvSpPr>
-        <dsp:cNvPr id="0" name=""/>
-        <dsp:cNvSpPr/>
-      </dsp:nvSpPr>
-      <dsp:spPr>
-        <a:xfrm>
-          <a:off x="1043312" y="1787297"/>
-          <a:ext cx="2514904" cy="1257452"/>
-        </a:xfrm>
-        <a:prstGeom prst="rect">
-          <a:avLst/>
-        </a:prstGeom>
-        <a:gradFill rotWithShape="0">
-          <a:gsLst>
-            <a:gs pos="0">
-              <a:schemeClr val="accent6">
-                <a:hueOff val="0"/>
-                <a:satOff val="0"/>
-                <a:lumOff val="0"/>
-                <a:alphaOff val="0"/>
-                <a:satMod val="103000"/>
-                <a:lumMod val="102000"/>
-                <a:tint val="94000"/>
-              </a:schemeClr>
-            </a:gs>
-            <a:gs pos="50000">
-              <a:schemeClr val="accent6">
-                <a:hueOff val="0"/>
-                <a:satOff val="0"/>
-                <a:lumOff val="0"/>
-                <a:alphaOff val="0"/>
-                <a:satMod val="110000"/>
-                <a:lumMod val="100000"/>
-                <a:shade val="100000"/>
-              </a:schemeClr>
-            </a:gs>
-            <a:gs pos="100000">
-              <a:schemeClr val="accent6">
-                <a:hueOff val="0"/>
-                <a:satOff val="0"/>
-                <a:lumOff val="0"/>
-                <a:alphaOff val="0"/>
-                <a:lumMod val="99000"/>
-                <a:satMod val="120000"/>
-                <a:shade val="78000"/>
-              </a:schemeClr>
-            </a:gs>
-          </a:gsLst>
-          <a:lin ang="5400000" scaled="0"/>
-        </a:gradFill>
-        <a:ln>
-          <a:noFill/>
-        </a:ln>
-        <a:effectLst>
-          <a:outerShdw blurRad="57150" dist="19050" dir="5400000" algn="ctr" rotWithShape="0">
-            <a:srgbClr val="000000">
-              <a:alpha val="63000"/>
-            </a:srgbClr>
-          </a:outerShdw>
-        </a:effectLst>
-      </dsp:spPr>
-      <dsp:style>
-        <a:lnRef idx="0">
-          <a:scrgbClr r="0" g="0" b="0"/>
-        </a:lnRef>
-        <a:fillRef idx="3">
-          <a:scrgbClr r="0" g="0" b="0"/>
-        </a:fillRef>
-        <a:effectRef idx="3">
-          <a:scrgbClr r="0" g="0" b="0"/>
-        </a:effectRef>
-        <a:fontRef idx="minor">
-          <a:schemeClr val="lt1"/>
-        </a:fontRef>
-      </dsp:style>
-      <dsp:txBody>
-        <a:bodyPr spcFirstLastPara="0" vert="horz" wrap="square" lIns="27305" tIns="27305" rIns="27305" bIns="27305" numCol="1" spcCol="1270" anchor="ctr" anchorCtr="0">
-          <a:noAutofit/>
-        </a:bodyPr>
-        <a:lstStyle/>
-        <a:p>
-          <a:pPr marL="0" lvl="0" indent="0" algn="ctr" defTabSz="1911350">
-            <a:lnSpc>
-              <a:spcPct val="90000"/>
-            </a:lnSpc>
-            <a:spcBef>
-              <a:spcPct val="0"/>
-            </a:spcBef>
-            <a:spcAft>
-              <a:spcPct val="35000"/>
-            </a:spcAft>
-            <a:buNone/>
-          </a:pPr>
-          <a:r>
-            <a:rPr lang="en-US" sz="4300" kern="1200" dirty="0"/>
-            <a:t>MongoDB Database</a:t>
-          </a:r>
-        </a:p>
-      </dsp:txBody>
-      <dsp:txXfrm>
-        <a:off x="1043312" y="1787297"/>
-        <a:ext cx="2514904" cy="1257452"/>
+        <a:off x="4928862" y="2701154"/>
+        <a:ext cx="2715536" cy="1357768"/>
       </dsp:txXfrm>
     </dsp:sp>
   </dsp:spTree>
@@ -3064,7 +2974,7 @@
 </file>
 
 <file path=ppt/diagrams/layout1.xml><?xml version="1.0" encoding="utf-8"?>
-<dgm:layoutDef xmlns:dgm="http://schemas.openxmlformats.org/drawingml/2006/diagram" xmlns:a="http://schemas.openxmlformats.org/drawingml/2006/main" uniqueId="urn:microsoft.com/office/officeart/2005/8/layout/orgChart1">
+<dgm:layoutDef xmlns:dgm="http://schemas.openxmlformats.org/drawingml/2006/diagram" xmlns:a="http://schemas.openxmlformats.org/drawingml/2006/main" uniqueId="urn:microsoft.com/office/officeart/2005/8/layout/orgChart1#1">
   <dgm:title val=""/>
   <dgm:desc val=""/>
   <dgm:catLst>
@@ -3350,32 +3260,32 @@
             <dgm:choose name="Name21">
               <dgm:if name="Name22" func="var" arg="hierBranch" op="equ" val="l">
                 <dgm:alg type="hierChild">
+                  <dgm:param type="linDir" val="fromT"/>
                   <dgm:param type="chAlign" val="r"/>
-                  <dgm:param type="linDir" val="fromT"/>
                 </dgm:alg>
               </dgm:if>
               <dgm:if name="Name23" func="var" arg="hierBranch" op="equ" val="r">
                 <dgm:alg type="hierChild">
+                  <dgm:param type="linDir" val="fromT"/>
                   <dgm:param type="chAlign" val="l"/>
-                  <dgm:param type="linDir" val="fromT"/>
                 </dgm:alg>
               </dgm:if>
               <dgm:if name="Name24" func="var" arg="hierBranch" op="equ" val="hang">
                 <dgm:choose name="Name25">
                   <dgm:if name="Name26" func="var" arg="dir" op="equ" val="norm">
                     <dgm:alg type="hierChild">
+                      <dgm:param type="linDir" val="fromL"/>
                       <dgm:param type="chAlign" val="l"/>
-                      <dgm:param type="linDir" val="fromL"/>
+                      <dgm:param type="secLinDir" val="fromT"/>
                       <dgm:param type="secChAlign" val="t"/>
-                      <dgm:param type="secLinDir" val="fromT"/>
                     </dgm:alg>
                   </dgm:if>
                   <dgm:else name="Name27">
                     <dgm:alg type="hierChild">
+                      <dgm:param type="linDir" val="fromR"/>
                       <dgm:param type="chAlign" val="l"/>
-                      <dgm:param type="linDir" val="fromR"/>
+                      <dgm:param type="secLinDir" val="fromT"/>
                       <dgm:param type="secChAlign" val="t"/>
-                      <dgm:param type="secLinDir" val="fromT"/>
                     </dgm:alg>
                   </dgm:else>
                 </dgm:choose>
@@ -3405,9 +3315,9 @@
                   <dgm:if name="Name34" func="var" arg="hierBranch" op="equ" val="std">
                     <dgm:layoutNode name="Name35">
                       <dgm:alg type="conn">
-                        <dgm:param type="connRout" val="bend"/>
                         <dgm:param type="dim" val="1D"/>
                         <dgm:param type="endSty" val="noArr"/>
+                        <dgm:param type="connRout" val="bend"/>
                         <dgm:param type="begPts" val="bCtr"/>
                         <dgm:param type="endPts" val="tCtr"/>
                         <dgm:param type="bendPt" val="end"/>
@@ -3428,9 +3338,9 @@
                       <dgm:choose name="Name38">
                         <dgm:if name="Name39" axis="self" func="depth" op="lte" val="2">
                           <dgm:alg type="conn">
-                            <dgm:param type="connRout" val="bend"/>
                             <dgm:param type="dim" val="1D"/>
                             <dgm:param type="endSty" val="noArr"/>
+                            <dgm:param type="connRout" val="bend"/>
                             <dgm:param type="begPts" val="bCtr"/>
                             <dgm:param type="endPts" val="tCtr"/>
                             <dgm:param type="bendPt" val="end"/>
@@ -3442,30 +3352,30 @@
                               <dgm:choose name="Name43">
                                 <dgm:if name="Name44" axis="par ch" ptType="node asst" func="cnt" op="gte" val="1">
                                   <dgm:alg type="conn">
-                                    <dgm:param type="connRout" val="bend"/>
                                     <dgm:param type="dim" val="1D"/>
                                     <dgm:param type="endSty" val="noArr"/>
+                                    <dgm:param type="connRout" val="bend"/>
                                     <dgm:param type="begPts" val="bCtr"/>
                                     <dgm:param type="endPts" val="midL midR"/>
                                   </dgm:alg>
                                 </dgm:if>
                                 <dgm:else name="Name45">
                                   <dgm:alg type="conn">
-                                    <dgm:param type="connRout" val="bend"/>
+                                    <dgm:param type="srcNode" val="rootConnector"/>
                                     <dgm:param type="dim" val="1D"/>
                                     <dgm:param type="endSty" val="noArr"/>
+                                    <dgm:param type="connRout" val="bend"/>
                                     <dgm:param type="begPts" val="bCtr"/>
                                     <dgm:param type="endPts" val="midL midR"/>
-                                    <dgm:param type="srcNode" val="rootConnector"/>
                                   </dgm:alg>
                                 </dgm:else>
                               </dgm:choose>
                             </dgm:if>
                             <dgm:else name="Name46">
                               <dgm:alg type="conn">
-                                <dgm:param type="connRout" val="bend"/>
                                 <dgm:param type="dim" val="1D"/>
                                 <dgm:param type="endSty" val="noArr"/>
+                                <dgm:param type="connRout" val="bend"/>
                                 <dgm:param type="begPts" val="bCtr"/>
                                 <dgm:param type="endPts" val="tCtr"/>
                                 <dgm:param type="bendPt" val="end"/>
@@ -3488,9 +3398,9 @@
                   <dgm:if name="Name47" func="var" arg="hierBranch" op="equ" val="hang">
                     <dgm:layoutNode name="Name48">
                       <dgm:alg type="conn">
-                        <dgm:param type="connRout" val="bend"/>
                         <dgm:param type="dim" val="1D"/>
                         <dgm:param type="endSty" val="noArr"/>
+                        <dgm:param type="connRout" val="bend"/>
                         <dgm:param type="begPts" val="bCtr"/>
                         <dgm:param type="endPts" val="midL midR"/>
                       </dgm:alg>
@@ -3512,21 +3422,21 @@
                           <dgm:choose name="Name53">
                             <dgm:if name="Name54" axis="par ch" ptType="node asst" func="cnt" op="gte" val="1">
                               <dgm:alg type="conn">
-                                <dgm:param type="connRout" val="bend"/>
                                 <dgm:param type="dim" val="1D"/>
                                 <dgm:param type="endSty" val="noArr"/>
+                                <dgm:param type="connRout" val="bend"/>
                                 <dgm:param type="begPts" val="bCtr"/>
                                 <dgm:param type="endPts" val="midL midR"/>
                               </dgm:alg>
                             </dgm:if>
                             <dgm:else name="Name55">
                               <dgm:alg type="conn">
-                                <dgm:param type="connRout" val="bend"/>
+                                <dgm:param type="srcNode" val="rootConnector1"/>
                                 <dgm:param type="dim" val="1D"/>
                                 <dgm:param type="endSty" val="noArr"/>
+                                <dgm:param type="connRout" val="bend"/>
                                 <dgm:param type="begPts" val="bCtr"/>
                                 <dgm:param type="endPts" val="midL midR"/>
-                                <dgm:param type="srcNode" val="rootConnector1"/>
                               </dgm:alg>
                             </dgm:else>
                           </dgm:choose>
@@ -3535,21 +3445,21 @@
                           <dgm:choose name="Name57">
                             <dgm:if name="Name58" axis="par ch" ptType="node asst" func="cnt" op="gte" val="1">
                               <dgm:alg type="conn">
-                                <dgm:param type="connRout" val="bend"/>
                                 <dgm:param type="dim" val="1D"/>
                                 <dgm:param type="endSty" val="noArr"/>
+                                <dgm:param type="connRout" val="bend"/>
                                 <dgm:param type="begPts" val="bCtr"/>
                                 <dgm:param type="endPts" val="midL midR"/>
                               </dgm:alg>
                             </dgm:if>
                             <dgm:else name="Name59">
                               <dgm:alg type="conn">
-                                <dgm:param type="connRout" val="bend"/>
+                                <dgm:param type="srcNode" val="rootConnector"/>
                                 <dgm:param type="dim" val="1D"/>
                                 <dgm:param type="endSty" val="noArr"/>
+                                <dgm:param type="connRout" val="bend"/>
                                 <dgm:param type="begPts" val="bCtr"/>
                                 <dgm:param type="endPts" val="midL midR"/>
-                                <dgm:param type="srcNode" val="rootConnector"/>
                               </dgm:alg>
                             </dgm:else>
                           </dgm:choose>
@@ -3786,32 +3696,32 @@
                   <dgm:choose name="Name83">
                     <dgm:if name="Name84" func="var" arg="hierBranch" op="equ" val="l">
                       <dgm:alg type="hierChild">
+                        <dgm:param type="linDir" val="fromT"/>
                         <dgm:param type="chAlign" val="r"/>
-                        <dgm:param type="linDir" val="fromT"/>
                       </dgm:alg>
                     </dgm:if>
                     <dgm:if name="Name85" func="var" arg="hierBranch" op="equ" val="r">
                       <dgm:alg type="hierChild">
+                        <dgm:param type="linDir" val="fromT"/>
                         <dgm:param type="chAlign" val="l"/>
-                        <dgm:param type="linDir" val="fromT"/>
                       </dgm:alg>
                     </dgm:if>
                     <dgm:if name="Name86" func="var" arg="hierBranch" op="equ" val="hang">
                       <dgm:choose name="Name87">
                         <dgm:if name="Name88" func="var" arg="dir" op="equ" val="norm">
                           <dgm:alg type="hierChild">
+                            <dgm:param type="linDir" val="fromL"/>
                             <dgm:param type="chAlign" val="l"/>
-                            <dgm:param type="linDir" val="fromL"/>
+                            <dgm:param type="secLinDir" val="fromT"/>
                             <dgm:param type="secChAlign" val="t"/>
-                            <dgm:param type="secLinDir" val="fromT"/>
                           </dgm:alg>
                         </dgm:if>
                         <dgm:else name="Name89">
                           <dgm:alg type="hierChild">
+                            <dgm:param type="linDir" val="fromR"/>
                             <dgm:param type="chAlign" val="l"/>
-                            <dgm:param type="linDir" val="fromR"/>
+                            <dgm:param type="secLinDir" val="fromT"/>
                             <dgm:param type="secChAlign" val="t"/>
-                            <dgm:param type="secLinDir" val="fromT"/>
                           </dgm:alg>
                         </dgm:else>
                       </dgm:choose>
@@ -3832,8 +3742,8 @@
                       <dgm:choose name="Name95">
                         <dgm:if name="Name96" axis="des" func="maxDepth" op="lte" val="1">
                           <dgm:alg type="hierChild">
+                            <dgm:param type="linDir" val="fromT"/>
                             <dgm:param type="chAlign" val="l"/>
-                            <dgm:param type="linDir" val="fromT"/>
                           </dgm:alg>
                         </dgm:if>
                         <dgm:else name="Name97">
@@ -3864,18 +3774,18 @@
                   <dgm:choose name="Name103">
                     <dgm:if name="Name104" func="var" arg="dir" op="equ" val="norm">
                       <dgm:alg type="hierChild">
+                        <dgm:param type="linDir" val="fromL"/>
                         <dgm:param type="chAlign" val="l"/>
-                        <dgm:param type="linDir" val="fromL"/>
+                        <dgm:param type="secLinDir" val="fromT"/>
                         <dgm:param type="secChAlign" val="t"/>
-                        <dgm:param type="secLinDir" val="fromT"/>
                       </dgm:alg>
                     </dgm:if>
                     <dgm:else name="Name105">
                       <dgm:alg type="hierChild">
+                        <dgm:param type="linDir" val="fromR"/>
                         <dgm:param type="chAlign" val="l"/>
-                        <dgm:param type="linDir" val="fromR"/>
+                        <dgm:param type="secLinDir" val="fromT"/>
                         <dgm:param type="secChAlign" val="t"/>
-                        <dgm:param type="secLinDir" val="fromT"/>
                       </dgm:alg>
                     </dgm:else>
                   </dgm:choose>
@@ -3894,18 +3804,18 @@
             <dgm:choose name="Name107">
               <dgm:if name="Name108" func="var" arg="dir" op="equ" val="norm">
                 <dgm:alg type="hierChild">
+                  <dgm:param type="linDir" val="fromL"/>
                   <dgm:param type="chAlign" val="l"/>
-                  <dgm:param type="linDir" val="fromL"/>
+                  <dgm:param type="secLinDir" val="fromT"/>
                   <dgm:param type="secChAlign" val="t"/>
-                  <dgm:param type="secLinDir" val="fromT"/>
                 </dgm:alg>
               </dgm:if>
               <dgm:else name="Name109">
                 <dgm:alg type="hierChild">
+                  <dgm:param type="linDir" val="fromR"/>
                   <dgm:param type="chAlign" val="l"/>
-                  <dgm:param type="linDir" val="fromR"/>
+                  <dgm:param type="secLinDir" val="fromT"/>
                   <dgm:param type="secChAlign" val="t"/>
-                  <dgm:param type="secLinDir" val="fromT"/>
                 </dgm:alg>
               </dgm:else>
             </dgm:choose>
@@ -3919,9 +3829,9 @@
               <dgm:forEach name="Name110" axis="precedSib" ptType="parTrans" st="-1" cnt="1">
                 <dgm:layoutNode name="Name111">
                   <dgm:alg type="conn">
-                    <dgm:param type="connRout" val="bend"/>
                     <dgm:param type="dim" val="1D"/>
                     <dgm:param type="endSty" val="noArr"/>
+                    <dgm:param type="connRout" val="bend"/>
                     <dgm:param type="begPts" val="bCtr"/>
                     <dgm:param type="endPts" val="midL midR"/>
                   </dgm:alg>
@@ -4107,32 +4017,32 @@
                   <dgm:choose name="Name127">
                     <dgm:if name="Name128" func="var" arg="hierBranch" op="equ" val="l">
                       <dgm:alg type="hierChild">
+                        <dgm:param type="linDir" val="fromT"/>
                         <dgm:param type="chAlign" val="r"/>
-                        <dgm:param type="linDir" val="fromT"/>
                       </dgm:alg>
                     </dgm:if>
                     <dgm:if name="Name129" func="var" arg="hierBranch" op="equ" val="r">
                       <dgm:alg type="hierChild">
+                        <dgm:param type="linDir" val="fromT"/>
                         <dgm:param type="chAlign" val="l"/>
-                        <dgm:param type="linDir" val="fromT"/>
                       </dgm:alg>
                     </dgm:if>
                     <dgm:if name="Name130" func="var" arg="hierBranch" op="equ" val="hang">
                       <dgm:choose name="Name131">
                         <dgm:if name="Name132" func="var" arg="dir" op="equ" val="norm">
                           <dgm:alg type="hierChild">
+                            <dgm:param type="linDir" val="fromL"/>
                             <dgm:param type="chAlign" val="l"/>
-                            <dgm:param type="linDir" val="fromL"/>
+                            <dgm:param type="secLinDir" val="fromT"/>
                             <dgm:param type="secChAlign" val="t"/>
-                            <dgm:param type="secLinDir" val="fromT"/>
                           </dgm:alg>
                         </dgm:if>
                         <dgm:else name="Name133">
                           <dgm:alg type="hierChild">
+                            <dgm:param type="linDir" val="fromR"/>
                             <dgm:param type="chAlign" val="l"/>
-                            <dgm:param type="linDir" val="fromR"/>
+                            <dgm:param type="secLinDir" val="fromT"/>
                             <dgm:param type="secChAlign" val="t"/>
-                            <dgm:param type="secLinDir" val="fromT"/>
                           </dgm:alg>
                         </dgm:else>
                       </dgm:choose>
@@ -4153,8 +4063,8 @@
                       <dgm:choose name="Name139">
                         <dgm:if name="Name140" axis="des" func="maxDepth" op="lte" val="1">
                           <dgm:alg type="hierChild">
+                            <dgm:param type="linDir" val="fromT"/>
                             <dgm:param type="chAlign" val="l"/>
-                            <dgm:param type="linDir" val="fromT"/>
                           </dgm:alg>
                         </dgm:if>
                         <dgm:else name="Name141">
@@ -4176,18 +4086,18 @@
                   <dgm:choose name="Name144">
                     <dgm:if name="Name145" func="var" arg="dir" op="equ" val="norm">
                       <dgm:alg type="hierChild">
+                        <dgm:param type="linDir" val="fromL"/>
                         <dgm:param type="chAlign" val="l"/>
-                        <dgm:param type="linDir" val="fromL"/>
+                        <dgm:param type="secLinDir" val="fromT"/>
                         <dgm:param type="secChAlign" val="t"/>
-                        <dgm:param type="secLinDir" val="fromT"/>
                       </dgm:alg>
                     </dgm:if>
                     <dgm:else name="Name146">
                       <dgm:alg type="hierChild">
+                        <dgm:param type="linDir" val="fromR"/>
                         <dgm:param type="chAlign" val="l"/>
-                        <dgm:param type="linDir" val="fromR"/>
+                        <dgm:param type="secLinDir" val="fromT"/>
                         <dgm:param type="secChAlign" val="t"/>
-                        <dgm:param type="secLinDir" val="fromT"/>
                       </dgm:alg>
                     </dgm:else>
                   </dgm:choose>
@@ -4210,7 +4120,7 @@
 </file>
 
 <file path=ppt/diagrams/quickStyle1.xml><?xml version="1.0" encoding="utf-8"?>
-<dgm:styleDef xmlns:dgm="http://schemas.openxmlformats.org/drawingml/2006/diagram" xmlns:a="http://schemas.openxmlformats.org/drawingml/2006/main" uniqueId="urn:microsoft.com/office/officeart/2005/8/quickstyle/simple5">
+<dgm:styleDef xmlns:dgm="http://schemas.openxmlformats.org/drawingml/2006/diagram" xmlns:a="http://schemas.openxmlformats.org/drawingml/2006/main" uniqueId="urn:microsoft.com/office/officeart/2005/8/quickstyle/simple5#1">
   <dgm:title val=""/>
   <dgm:desc val=""/>
   <dgm:catLst>
@@ -4220,12 +4130,500 @@
     <a:camera prst="orthographicFront"/>
     <a:lightRig rig="threePt" dir="t"/>
   </dgm:scene3d>
-  <dgm:styleLbl name="node0">
+  <dgm:styleLbl name="alignAcc1">
     <dgm:scene3d>
       <a:camera prst="orthographicFront"/>
       <a:lightRig rig="threePt" dir="t"/>
     </dgm:scene3d>
-    <dgm:sp3d/>
+    <dgm:txPr/>
+    <dgm:style>
+      <a:lnRef idx="1">
+        <a:scrgbClr r="0" g="0" b="0"/>
+      </a:lnRef>
+      <a:fillRef idx="1">
+        <a:scrgbClr r="0" g="0" b="0"/>
+      </a:fillRef>
+      <a:effectRef idx="2">
+        <a:scrgbClr r="0" g="0" b="0"/>
+      </a:effectRef>
+      <a:fontRef idx="minor"/>
+    </dgm:style>
+  </dgm:styleLbl>
+  <dgm:styleLbl name="alignAccFollowNode1">
+    <dgm:scene3d>
+      <a:camera prst="orthographicFront"/>
+      <a:lightRig rig="threePt" dir="t"/>
+    </dgm:scene3d>
+    <dgm:txPr/>
+    <dgm:style>
+      <a:lnRef idx="1">
+        <a:scrgbClr r="0" g="0" b="0"/>
+      </a:lnRef>
+      <a:fillRef idx="1">
+        <a:scrgbClr r="0" g="0" b="0"/>
+      </a:fillRef>
+      <a:effectRef idx="2">
+        <a:scrgbClr r="0" g="0" b="0"/>
+      </a:effectRef>
+      <a:fontRef idx="minor"/>
+    </dgm:style>
+  </dgm:styleLbl>
+  <dgm:styleLbl name="alignImgPlace1">
+    <dgm:scene3d>
+      <a:camera prst="orthographicFront"/>
+      <a:lightRig rig="threePt" dir="t"/>
+    </dgm:scene3d>
+    <dgm:txPr/>
+    <dgm:style>
+      <a:lnRef idx="0">
+        <a:scrgbClr r="0" g="0" b="0"/>
+      </a:lnRef>
+      <a:fillRef idx="1">
+        <a:scrgbClr r="0" g="0" b="0"/>
+      </a:fillRef>
+      <a:effectRef idx="3">
+        <a:scrgbClr r="0" g="0" b="0"/>
+      </a:effectRef>
+      <a:fontRef idx="minor"/>
+    </dgm:style>
+  </dgm:styleLbl>
+  <dgm:styleLbl name="alignNode1">
+    <dgm:scene3d>
+      <a:camera prst="orthographicFront"/>
+      <a:lightRig rig="threePt" dir="t"/>
+    </dgm:scene3d>
+    <dgm:txPr/>
+    <dgm:style>
+      <a:lnRef idx="1">
+        <a:scrgbClr r="0" g="0" b="0"/>
+      </a:lnRef>
+      <a:fillRef idx="3">
+        <a:scrgbClr r="0" g="0" b="0"/>
+      </a:fillRef>
+      <a:effectRef idx="3">
+        <a:scrgbClr r="0" g="0" b="0"/>
+      </a:effectRef>
+      <a:fontRef idx="minor">
+        <a:schemeClr val="lt1"/>
+      </a:fontRef>
+    </dgm:style>
+  </dgm:styleLbl>
+  <dgm:styleLbl name="asst0">
+    <dgm:scene3d>
+      <a:camera prst="orthographicFront"/>
+      <a:lightRig rig="threePt" dir="t"/>
+    </dgm:scene3d>
+    <dgm:txPr/>
+    <dgm:style>
+      <a:lnRef idx="0">
+        <a:scrgbClr r="0" g="0" b="0"/>
+      </a:lnRef>
+      <a:fillRef idx="3">
+        <a:scrgbClr r="0" g="0" b="0"/>
+      </a:fillRef>
+      <a:effectRef idx="3">
+        <a:scrgbClr r="0" g="0" b="0"/>
+      </a:effectRef>
+      <a:fontRef idx="minor">
+        <a:schemeClr val="lt1"/>
+      </a:fontRef>
+    </dgm:style>
+  </dgm:styleLbl>
+  <dgm:styleLbl name="asst1">
+    <dgm:scene3d>
+      <a:camera prst="orthographicFront"/>
+      <a:lightRig rig="threePt" dir="t"/>
+    </dgm:scene3d>
+    <dgm:txPr/>
+    <dgm:style>
+      <a:lnRef idx="0">
+        <a:scrgbClr r="0" g="0" b="0"/>
+      </a:lnRef>
+      <a:fillRef idx="3">
+        <a:scrgbClr r="0" g="0" b="0"/>
+      </a:fillRef>
+      <a:effectRef idx="3">
+        <a:scrgbClr r="0" g="0" b="0"/>
+      </a:effectRef>
+      <a:fontRef idx="minor">
+        <a:schemeClr val="lt1"/>
+      </a:fontRef>
+    </dgm:style>
+  </dgm:styleLbl>
+  <dgm:styleLbl name="asst2">
+    <dgm:scene3d>
+      <a:camera prst="orthographicFront"/>
+      <a:lightRig rig="threePt" dir="t"/>
+    </dgm:scene3d>
+    <dgm:txPr/>
+    <dgm:style>
+      <a:lnRef idx="0">
+        <a:scrgbClr r="0" g="0" b="0"/>
+      </a:lnRef>
+      <a:fillRef idx="3">
+        <a:scrgbClr r="0" g="0" b="0"/>
+      </a:fillRef>
+      <a:effectRef idx="3">
+        <a:scrgbClr r="0" g="0" b="0"/>
+      </a:effectRef>
+      <a:fontRef idx="minor">
+        <a:schemeClr val="lt1"/>
+      </a:fontRef>
+    </dgm:style>
+  </dgm:styleLbl>
+  <dgm:styleLbl name="asst3">
+    <dgm:scene3d>
+      <a:camera prst="orthographicFront"/>
+      <a:lightRig rig="threePt" dir="t"/>
+    </dgm:scene3d>
+    <dgm:txPr/>
+    <dgm:style>
+      <a:lnRef idx="0">
+        <a:scrgbClr r="0" g="0" b="0"/>
+      </a:lnRef>
+      <a:fillRef idx="3">
+        <a:scrgbClr r="0" g="0" b="0"/>
+      </a:fillRef>
+      <a:effectRef idx="3">
+        <a:scrgbClr r="0" g="0" b="0"/>
+      </a:effectRef>
+      <a:fontRef idx="minor">
+        <a:schemeClr val="lt1"/>
+      </a:fontRef>
+    </dgm:style>
+  </dgm:styleLbl>
+  <dgm:styleLbl name="asst4">
+    <dgm:scene3d>
+      <a:camera prst="orthographicFront"/>
+      <a:lightRig rig="threePt" dir="t"/>
+    </dgm:scene3d>
+    <dgm:txPr/>
+    <dgm:style>
+      <a:lnRef idx="0">
+        <a:scrgbClr r="0" g="0" b="0"/>
+      </a:lnRef>
+      <a:fillRef idx="3">
+        <a:scrgbClr r="0" g="0" b="0"/>
+      </a:fillRef>
+      <a:effectRef idx="3">
+        <a:scrgbClr r="0" g="0" b="0"/>
+      </a:effectRef>
+      <a:fontRef idx="minor">
+        <a:schemeClr val="lt1"/>
+      </a:fontRef>
+    </dgm:style>
+  </dgm:styleLbl>
+  <dgm:styleLbl name="bgAcc1">
+    <dgm:scene3d>
+      <a:camera prst="orthographicFront"/>
+      <a:lightRig rig="threePt" dir="t"/>
+    </dgm:scene3d>
+    <dgm:txPr/>
+    <dgm:style>
+      <a:lnRef idx="1">
+        <a:scrgbClr r="0" g="0" b="0"/>
+      </a:lnRef>
+      <a:fillRef idx="1">
+        <a:scrgbClr r="0" g="0" b="0"/>
+      </a:fillRef>
+      <a:effectRef idx="2">
+        <a:scrgbClr r="0" g="0" b="0"/>
+      </a:effectRef>
+      <a:fontRef idx="minor"/>
+    </dgm:style>
+  </dgm:styleLbl>
+  <dgm:styleLbl name="bgAccFollowNode1">
+    <dgm:scene3d>
+      <a:camera prst="orthographicFront"/>
+      <a:lightRig rig="threePt" dir="t"/>
+    </dgm:scene3d>
+    <dgm:txPr/>
+    <dgm:style>
+      <a:lnRef idx="1">
+        <a:scrgbClr r="0" g="0" b="0"/>
+      </a:lnRef>
+      <a:fillRef idx="1">
+        <a:scrgbClr r="0" g="0" b="0"/>
+      </a:fillRef>
+      <a:effectRef idx="2">
+        <a:scrgbClr r="0" g="0" b="0"/>
+      </a:effectRef>
+      <a:fontRef idx="minor"/>
+    </dgm:style>
+  </dgm:styleLbl>
+  <dgm:styleLbl name="bgImgPlace1">
+    <dgm:scene3d>
+      <a:camera prst="orthographicFront"/>
+      <a:lightRig rig="threePt" dir="t"/>
+    </dgm:scene3d>
+    <dgm:txPr/>
+    <dgm:style>
+      <a:lnRef idx="0">
+        <a:scrgbClr r="0" g="0" b="0"/>
+      </a:lnRef>
+      <a:fillRef idx="1">
+        <a:scrgbClr r="0" g="0" b="0"/>
+      </a:fillRef>
+      <a:effectRef idx="3">
+        <a:scrgbClr r="0" g="0" b="0"/>
+      </a:effectRef>
+      <a:fontRef idx="minor"/>
+    </dgm:style>
+  </dgm:styleLbl>
+  <dgm:styleLbl name="bgShp">
+    <dgm:scene3d>
+      <a:camera prst="orthographicFront"/>
+      <a:lightRig rig="threePt" dir="t"/>
+    </dgm:scene3d>
+    <dgm:txPr/>
+    <dgm:style>
+      <a:lnRef idx="0">
+        <a:scrgbClr r="0" g="0" b="0"/>
+      </a:lnRef>
+      <a:fillRef idx="1">
+        <a:scrgbClr r="0" g="0" b="0"/>
+      </a:fillRef>
+      <a:effectRef idx="2">
+        <a:scrgbClr r="0" g="0" b="0"/>
+      </a:effectRef>
+      <a:fontRef idx="minor"/>
+    </dgm:style>
+  </dgm:styleLbl>
+  <dgm:styleLbl name="bgSibTrans2D1">
+    <dgm:scene3d>
+      <a:camera prst="orthographicFront"/>
+      <a:lightRig rig="threePt" dir="t"/>
+    </dgm:scene3d>
+    <dgm:txPr/>
+    <dgm:style>
+      <a:lnRef idx="0">
+        <a:scrgbClr r="0" g="0" b="0"/>
+      </a:lnRef>
+      <a:fillRef idx="3">
+        <a:scrgbClr r="0" g="0" b="0"/>
+      </a:fillRef>
+      <a:effectRef idx="3">
+        <a:scrgbClr r="0" g="0" b="0"/>
+      </a:effectRef>
+      <a:fontRef idx="minor">
+        <a:schemeClr val="lt1"/>
+      </a:fontRef>
+    </dgm:style>
+  </dgm:styleLbl>
+  <dgm:styleLbl name="callout">
+    <dgm:scene3d>
+      <a:camera prst="orthographicFront"/>
+      <a:lightRig rig="threePt" dir="t"/>
+    </dgm:scene3d>
+    <dgm:txPr/>
+    <dgm:style>
+      <a:lnRef idx="1">
+        <a:scrgbClr r="0" g="0" b="0"/>
+      </a:lnRef>
+      <a:fillRef idx="0">
+        <a:scrgbClr r="0" g="0" b="0"/>
+      </a:fillRef>
+      <a:effectRef idx="1">
+        <a:scrgbClr r="0" g="0" b="0"/>
+      </a:effectRef>
+      <a:fontRef idx="minor"/>
+    </dgm:style>
+  </dgm:styleLbl>
+  <dgm:styleLbl name="conFgAcc1">
+    <dgm:scene3d>
+      <a:camera prst="orthographicFront"/>
+      <a:lightRig rig="threePt" dir="t"/>
+    </dgm:scene3d>
+    <dgm:txPr/>
+    <dgm:style>
+      <a:lnRef idx="1">
+        <a:scrgbClr r="0" g="0" b="0"/>
+      </a:lnRef>
+      <a:fillRef idx="1">
+        <a:scrgbClr r="0" g="0" b="0"/>
+      </a:fillRef>
+      <a:effectRef idx="2">
+        <a:scrgbClr r="0" g="0" b="0"/>
+      </a:effectRef>
+      <a:fontRef idx="minor"/>
+    </dgm:style>
+  </dgm:styleLbl>
+  <dgm:styleLbl name="dkBgShp">
+    <dgm:scene3d>
+      <a:camera prst="orthographicFront"/>
+      <a:lightRig rig="threePt" dir="t"/>
+    </dgm:scene3d>
+    <dgm:txPr/>
+    <dgm:style>
+      <a:lnRef idx="0">
+        <a:scrgbClr r="0" g="0" b="0"/>
+      </a:lnRef>
+      <a:fillRef idx="1">
+        <a:scrgbClr r="0" g="0" b="0"/>
+      </a:fillRef>
+      <a:effectRef idx="3">
+        <a:scrgbClr r="0" g="0" b="0"/>
+      </a:effectRef>
+      <a:fontRef idx="minor"/>
+    </dgm:style>
+  </dgm:styleLbl>
+  <dgm:styleLbl name="fgAcc0">
+    <dgm:scene3d>
+      <a:camera prst="orthographicFront"/>
+      <a:lightRig rig="threePt" dir="t"/>
+    </dgm:scene3d>
+    <dgm:txPr/>
+    <dgm:style>
+      <a:lnRef idx="1">
+        <a:scrgbClr r="0" g="0" b="0"/>
+      </a:lnRef>
+      <a:fillRef idx="1">
+        <a:scrgbClr r="0" g="0" b="0"/>
+      </a:fillRef>
+      <a:effectRef idx="2">
+        <a:scrgbClr r="0" g="0" b="0"/>
+      </a:effectRef>
+      <a:fontRef idx="minor"/>
+    </dgm:style>
+  </dgm:styleLbl>
+  <dgm:styleLbl name="fgAcc1">
+    <dgm:scene3d>
+      <a:camera prst="orthographicFront"/>
+      <a:lightRig rig="threePt" dir="t"/>
+    </dgm:scene3d>
+    <dgm:txPr/>
+    <dgm:style>
+      <a:lnRef idx="1">
+        <a:scrgbClr r="0" g="0" b="0"/>
+      </a:lnRef>
+      <a:fillRef idx="1">
+        <a:scrgbClr r="0" g="0" b="0"/>
+      </a:fillRef>
+      <a:effectRef idx="2">
+        <a:scrgbClr r="0" g="0" b="0"/>
+      </a:effectRef>
+      <a:fontRef idx="minor"/>
+    </dgm:style>
+  </dgm:styleLbl>
+  <dgm:styleLbl name="fgAcc2">
+    <dgm:scene3d>
+      <a:camera prst="orthographicFront"/>
+      <a:lightRig rig="threePt" dir="t"/>
+    </dgm:scene3d>
+    <dgm:txPr/>
+    <dgm:style>
+      <a:lnRef idx="1">
+        <a:scrgbClr r="0" g="0" b="0"/>
+      </a:lnRef>
+      <a:fillRef idx="1">
+        <a:scrgbClr r="0" g="0" b="0"/>
+      </a:fillRef>
+      <a:effectRef idx="2">
+        <a:scrgbClr r="0" g="0" b="0"/>
+      </a:effectRef>
+      <a:fontRef idx="minor"/>
+    </dgm:style>
+  </dgm:styleLbl>
+  <dgm:styleLbl name="fgAcc3">
+    <dgm:scene3d>
+      <a:camera prst="orthographicFront"/>
+      <a:lightRig rig="threePt" dir="t"/>
+    </dgm:scene3d>
+    <dgm:txPr/>
+    <dgm:style>
+      <a:lnRef idx="1">
+        <a:scrgbClr r="0" g="0" b="0"/>
+      </a:lnRef>
+      <a:fillRef idx="1">
+        <a:scrgbClr r="0" g="0" b="0"/>
+      </a:fillRef>
+      <a:effectRef idx="2">
+        <a:scrgbClr r="0" g="0" b="0"/>
+      </a:effectRef>
+      <a:fontRef idx="minor"/>
+    </dgm:style>
+  </dgm:styleLbl>
+  <dgm:styleLbl name="fgAcc4">
+    <dgm:scene3d>
+      <a:camera prst="orthographicFront"/>
+      <a:lightRig rig="threePt" dir="t"/>
+    </dgm:scene3d>
+    <dgm:txPr/>
+    <dgm:style>
+      <a:lnRef idx="1">
+        <a:scrgbClr r="0" g="0" b="0"/>
+      </a:lnRef>
+      <a:fillRef idx="1">
+        <a:scrgbClr r="0" g="0" b="0"/>
+      </a:fillRef>
+      <a:effectRef idx="2">
+        <a:scrgbClr r="0" g="0" b="0"/>
+      </a:effectRef>
+      <a:fontRef idx="minor"/>
+    </dgm:style>
+  </dgm:styleLbl>
+  <dgm:styleLbl name="fgAccFollowNode1">
+    <dgm:scene3d>
+      <a:camera prst="orthographicFront"/>
+      <a:lightRig rig="threePt" dir="t"/>
+    </dgm:scene3d>
+    <dgm:txPr/>
+    <dgm:style>
+      <a:lnRef idx="1">
+        <a:scrgbClr r="0" g="0" b="0"/>
+      </a:lnRef>
+      <a:fillRef idx="1">
+        <a:scrgbClr r="0" g="0" b="0"/>
+      </a:fillRef>
+      <a:effectRef idx="2">
+        <a:scrgbClr r="0" g="0" b="0"/>
+      </a:effectRef>
+      <a:fontRef idx="minor"/>
+    </dgm:style>
+  </dgm:styleLbl>
+  <dgm:styleLbl name="fgImgPlace1">
+    <dgm:scene3d>
+      <a:camera prst="orthographicFront"/>
+      <a:lightRig rig="threePt" dir="t"/>
+    </dgm:scene3d>
+    <dgm:txPr/>
+    <dgm:style>
+      <a:lnRef idx="0">
+        <a:scrgbClr r="0" g="0" b="0"/>
+      </a:lnRef>
+      <a:fillRef idx="1">
+        <a:scrgbClr r="0" g="0" b="0"/>
+      </a:fillRef>
+      <a:effectRef idx="3">
+        <a:scrgbClr r="0" g="0" b="0"/>
+      </a:effectRef>
+      <a:fontRef idx="minor"/>
+    </dgm:style>
+  </dgm:styleLbl>
+  <dgm:styleLbl name="fgShp">
+    <dgm:scene3d>
+      <a:camera prst="orthographicFront"/>
+      <a:lightRig rig="threePt" dir="t"/>
+    </dgm:scene3d>
+    <dgm:txPr/>
+    <dgm:style>
+      <a:lnRef idx="0">
+        <a:scrgbClr r="0" g="0" b="0"/>
+      </a:lnRef>
+      <a:fillRef idx="3">
+        <a:scrgbClr r="0" g="0" b="0"/>
+      </a:fillRef>
+      <a:effectRef idx="3">
+        <a:scrgbClr r="0" g="0" b="0"/>
+      </a:effectRef>
+      <a:fontRef idx="minor"/>
+    </dgm:style>
+  </dgm:styleLbl>
+  <dgm:styleLbl name="fgSibTrans2D1">
+    <dgm:scene3d>
+      <a:camera prst="orthographicFront"/>
+      <a:lightRig rig="threePt" dir="t"/>
+    </dgm:scene3d>
     <dgm:txPr/>
     <dgm:style>
       <a:lnRef idx="0">
@@ -4247,7 +4645,6 @@
       <a:camera prst="orthographicFront"/>
       <a:lightRig rig="threePt" dir="t"/>
     </dgm:scene3d>
-    <dgm:sp3d/>
     <dgm:txPr/>
     <dgm:style>
       <a:lnRef idx="0">
@@ -4264,37 +4661,14 @@
       </a:fontRef>
     </dgm:style>
   </dgm:styleLbl>
-  <dgm:styleLbl name="vennNode1">
+  <dgm:styleLbl name="node0">
     <dgm:scene3d>
       <a:camera prst="orthographicFront"/>
       <a:lightRig rig="threePt" dir="t"/>
     </dgm:scene3d>
-    <dgm:sp3d/>
     <dgm:txPr/>
     <dgm:style>
       <a:lnRef idx="0">
-        <a:scrgbClr r="0" g="0" b="0"/>
-      </a:lnRef>
-      <a:fillRef idx="3">
-        <a:scrgbClr r="0" g="0" b="0"/>
-      </a:fillRef>
-      <a:effectRef idx="3">
-        <a:scrgbClr r="0" g="0" b="0"/>
-      </a:effectRef>
-      <a:fontRef idx="minor">
-        <a:schemeClr val="tx1"/>
-      </a:fontRef>
-    </dgm:style>
-  </dgm:styleLbl>
-  <dgm:styleLbl name="alignNode1">
-    <dgm:scene3d>
-      <a:camera prst="orthographicFront"/>
-      <a:lightRig rig="threePt" dir="t"/>
-    </dgm:scene3d>
-    <dgm:sp3d/>
-    <dgm:txPr/>
-    <dgm:style>
-      <a:lnRef idx="1">
         <a:scrgbClr r="0" g="0" b="0"/>
       </a:lnRef>
       <a:fillRef idx="3">
@@ -4313,7 +4687,6 @@
       <a:camera prst="orthographicFront"/>
       <a:lightRig rig="threePt" dir="t"/>
     </dgm:scene3d>
-    <dgm:sp3d/>
     <dgm:txPr/>
     <dgm:style>
       <a:lnRef idx="0">
@@ -4335,7 +4708,6 @@
       <a:camera prst="orthographicFront"/>
       <a:lightRig rig="threePt" dir="t"/>
     </dgm:scene3d>
-    <dgm:sp3d/>
     <dgm:txPr/>
     <dgm:style>
       <a:lnRef idx="0">
@@ -4357,7 +4729,6 @@
       <a:camera prst="orthographicFront"/>
       <a:lightRig rig="threePt" dir="t"/>
     </dgm:scene3d>
-    <dgm:sp3d/>
     <dgm:txPr/>
     <dgm:style>
       <a:lnRef idx="0">
@@ -4379,7 +4750,6 @@
       <a:camera prst="orthographicFront"/>
       <a:lightRig rig="threePt" dir="t"/>
     </dgm:scene3d>
-    <dgm:sp3d/>
     <dgm:txPr/>
     <dgm:style>
       <a:lnRef idx="0">
@@ -4396,141 +4766,14 @@
       </a:fontRef>
     </dgm:style>
   </dgm:styleLbl>
-  <dgm:styleLbl name="fgImgPlace1">
+  <dgm:styleLbl name="parChTrans1D1">
     <dgm:scene3d>
       <a:camera prst="orthographicFront"/>
       <a:lightRig rig="threePt" dir="t"/>
     </dgm:scene3d>
-    <dgm:sp3d/>
     <dgm:txPr/>
     <dgm:style>
-      <a:lnRef idx="0">
-        <a:scrgbClr r="0" g="0" b="0"/>
-      </a:lnRef>
-      <a:fillRef idx="1">
-        <a:scrgbClr r="0" g="0" b="0"/>
-      </a:fillRef>
-      <a:effectRef idx="3">
-        <a:scrgbClr r="0" g="0" b="0"/>
-      </a:effectRef>
-      <a:fontRef idx="minor"/>
-    </dgm:style>
-  </dgm:styleLbl>
-  <dgm:styleLbl name="alignImgPlace1">
-    <dgm:scene3d>
-      <a:camera prst="orthographicFront"/>
-      <a:lightRig rig="threePt" dir="t"/>
-    </dgm:scene3d>
-    <dgm:sp3d/>
-    <dgm:txPr/>
-    <dgm:style>
-      <a:lnRef idx="0">
-        <a:scrgbClr r="0" g="0" b="0"/>
-      </a:lnRef>
-      <a:fillRef idx="1">
-        <a:scrgbClr r="0" g="0" b="0"/>
-      </a:fillRef>
-      <a:effectRef idx="3">
-        <a:scrgbClr r="0" g="0" b="0"/>
-      </a:effectRef>
-      <a:fontRef idx="minor"/>
-    </dgm:style>
-  </dgm:styleLbl>
-  <dgm:styleLbl name="bgImgPlace1">
-    <dgm:scene3d>
-      <a:camera prst="orthographicFront"/>
-      <a:lightRig rig="threePt" dir="t"/>
-    </dgm:scene3d>
-    <dgm:sp3d/>
-    <dgm:txPr/>
-    <dgm:style>
-      <a:lnRef idx="0">
-        <a:scrgbClr r="0" g="0" b="0"/>
-      </a:lnRef>
-      <a:fillRef idx="1">
-        <a:scrgbClr r="0" g="0" b="0"/>
-      </a:fillRef>
-      <a:effectRef idx="3">
-        <a:scrgbClr r="0" g="0" b="0"/>
-      </a:effectRef>
-      <a:fontRef idx="minor"/>
-    </dgm:style>
-  </dgm:styleLbl>
-  <dgm:styleLbl name="sibTrans2D1">
-    <dgm:scene3d>
-      <a:camera prst="orthographicFront"/>
-      <a:lightRig rig="threePt" dir="t"/>
-    </dgm:scene3d>
-    <dgm:sp3d/>
-    <dgm:txPr/>
-    <dgm:style>
-      <a:lnRef idx="0">
-        <a:scrgbClr r="0" g="0" b="0"/>
-      </a:lnRef>
-      <a:fillRef idx="3">
-        <a:scrgbClr r="0" g="0" b="0"/>
-      </a:fillRef>
-      <a:effectRef idx="3">
-        <a:scrgbClr r="0" g="0" b="0"/>
-      </a:effectRef>
-      <a:fontRef idx="minor">
-        <a:schemeClr val="lt1"/>
-      </a:fontRef>
-    </dgm:style>
-  </dgm:styleLbl>
-  <dgm:styleLbl name="fgSibTrans2D1">
-    <dgm:scene3d>
-      <a:camera prst="orthographicFront"/>
-      <a:lightRig rig="threePt" dir="t"/>
-    </dgm:scene3d>
-    <dgm:sp3d/>
-    <dgm:txPr/>
-    <dgm:style>
-      <a:lnRef idx="0">
-        <a:scrgbClr r="0" g="0" b="0"/>
-      </a:lnRef>
-      <a:fillRef idx="3">
-        <a:scrgbClr r="0" g="0" b="0"/>
-      </a:fillRef>
-      <a:effectRef idx="3">
-        <a:scrgbClr r="0" g="0" b="0"/>
-      </a:effectRef>
-      <a:fontRef idx="minor">
-        <a:schemeClr val="lt1"/>
-      </a:fontRef>
-    </dgm:style>
-  </dgm:styleLbl>
-  <dgm:styleLbl name="bgSibTrans2D1">
-    <dgm:scene3d>
-      <a:camera prst="orthographicFront"/>
-      <a:lightRig rig="threePt" dir="t"/>
-    </dgm:scene3d>
-    <dgm:sp3d/>
-    <dgm:txPr/>
-    <dgm:style>
-      <a:lnRef idx="0">
-        <a:scrgbClr r="0" g="0" b="0"/>
-      </a:lnRef>
-      <a:fillRef idx="3">
-        <a:scrgbClr r="0" g="0" b="0"/>
-      </a:fillRef>
-      <a:effectRef idx="3">
-        <a:scrgbClr r="0" g="0" b="0"/>
-      </a:effectRef>
-      <a:fontRef idx="minor">
-        <a:schemeClr val="lt1"/>
-      </a:fontRef>
-    </dgm:style>
-  </dgm:styleLbl>
-  <dgm:styleLbl name="sibTrans1D1">
-    <dgm:scene3d>
-      <a:camera prst="orthographicFront"/>
-      <a:lightRig rig="threePt" dir="t"/>
-    </dgm:scene3d>
-    <dgm:sp3d/>
-    <dgm:txPr/>
-    <dgm:style>
-      <a:lnRef idx="1">
+      <a:lnRef idx="2">
         <a:scrgbClr r="0" g="0" b="0"/>
       </a:lnRef>
       <a:fillRef idx="0">
@@ -4542,134 +4785,61 @@
       <a:fontRef idx="minor"/>
     </dgm:style>
   </dgm:styleLbl>
-  <dgm:styleLbl name="callout">
+  <dgm:styleLbl name="parChTrans1D2">
     <dgm:scene3d>
       <a:camera prst="orthographicFront"/>
       <a:lightRig rig="threePt" dir="t"/>
     </dgm:scene3d>
-    <dgm:sp3d/>
     <dgm:txPr/>
     <dgm:style>
-      <a:lnRef idx="1">
+      <a:lnRef idx="2">
         <a:scrgbClr r="0" g="0" b="0"/>
       </a:lnRef>
       <a:fillRef idx="0">
         <a:scrgbClr r="0" g="0" b="0"/>
       </a:fillRef>
-      <a:effectRef idx="1">
+      <a:effectRef idx="0">
         <a:scrgbClr r="0" g="0" b="0"/>
       </a:effectRef>
       <a:fontRef idx="minor"/>
     </dgm:style>
   </dgm:styleLbl>
-  <dgm:styleLbl name="asst0">
+  <dgm:styleLbl name="parChTrans1D3">
     <dgm:scene3d>
       <a:camera prst="orthographicFront"/>
       <a:lightRig rig="threePt" dir="t"/>
     </dgm:scene3d>
-    <dgm:sp3d/>
     <dgm:txPr/>
     <dgm:style>
-      <a:lnRef idx="0">
+      <a:lnRef idx="2">
         <a:scrgbClr r="0" g="0" b="0"/>
       </a:lnRef>
-      <a:fillRef idx="3">
+      <a:fillRef idx="0">
         <a:scrgbClr r="0" g="0" b="0"/>
       </a:fillRef>
-      <a:effectRef idx="3">
+      <a:effectRef idx="0">
         <a:scrgbClr r="0" g="0" b="0"/>
       </a:effectRef>
-      <a:fontRef idx="minor">
-        <a:schemeClr val="lt1"/>
-      </a:fontRef>
+      <a:fontRef idx="minor"/>
     </dgm:style>
   </dgm:styleLbl>
-  <dgm:styleLbl name="asst1">
+  <dgm:styleLbl name="parChTrans1D4">
     <dgm:scene3d>
       <a:camera prst="orthographicFront"/>
       <a:lightRig rig="threePt" dir="t"/>
     </dgm:scene3d>
-    <dgm:sp3d/>
     <dgm:txPr/>
     <dgm:style>
-      <a:lnRef idx="0">
+      <a:lnRef idx="2">
         <a:scrgbClr r="0" g="0" b="0"/>
       </a:lnRef>
-      <a:fillRef idx="3">
+      <a:fillRef idx="0">
         <a:scrgbClr r="0" g="0" b="0"/>
       </a:fillRef>
-      <a:effectRef idx="3">
+      <a:effectRef idx="0">
         <a:scrgbClr r="0" g="0" b="0"/>
       </a:effectRef>
-      <a:fontRef idx="minor">
-        <a:schemeClr val="lt1"/>
-      </a:fontRef>
-    </dgm:style>
-  </dgm:styleLbl>
-  <dgm:styleLbl name="asst2">
-    <dgm:scene3d>
-      <a:camera prst="orthographicFront"/>
-      <a:lightRig rig="threePt" dir="t"/>
-    </dgm:scene3d>
-    <dgm:sp3d/>
-    <dgm:txPr/>
-    <dgm:style>
-      <a:lnRef idx="0">
-        <a:scrgbClr r="0" g="0" b="0"/>
-      </a:lnRef>
-      <a:fillRef idx="3">
-        <a:scrgbClr r="0" g="0" b="0"/>
-      </a:fillRef>
-      <a:effectRef idx="3">
-        <a:scrgbClr r="0" g="0" b="0"/>
-      </a:effectRef>
-      <a:fontRef idx="minor">
-        <a:schemeClr val="lt1"/>
-      </a:fontRef>
-    </dgm:style>
-  </dgm:styleLbl>
-  <dgm:styleLbl name="asst3">
-    <dgm:scene3d>
-      <a:camera prst="orthographicFront"/>
-      <a:lightRig rig="threePt" dir="t"/>
-    </dgm:scene3d>
-    <dgm:sp3d/>
-    <dgm:txPr/>
-    <dgm:style>
-      <a:lnRef idx="0">
-        <a:scrgbClr r="0" g="0" b="0"/>
-      </a:lnRef>
-      <a:fillRef idx="3">
-        <a:scrgbClr r="0" g="0" b="0"/>
-      </a:fillRef>
-      <a:effectRef idx="3">
-        <a:scrgbClr r="0" g="0" b="0"/>
-      </a:effectRef>
-      <a:fontRef idx="minor">
-        <a:schemeClr val="lt1"/>
-      </a:fontRef>
-    </dgm:style>
-  </dgm:styleLbl>
-  <dgm:styleLbl name="asst4">
-    <dgm:scene3d>
-      <a:camera prst="orthographicFront"/>
-      <a:lightRig rig="threePt" dir="t"/>
-    </dgm:scene3d>
-    <dgm:sp3d/>
-    <dgm:txPr/>
-    <dgm:style>
-      <a:lnRef idx="0">
-        <a:scrgbClr r="0" g="0" b="0"/>
-      </a:lnRef>
-      <a:fillRef idx="3">
-        <a:scrgbClr r="0" g="0" b="0"/>
-      </a:fillRef>
-      <a:effectRef idx="3">
-        <a:scrgbClr r="0" g="0" b="0"/>
-      </a:effectRef>
-      <a:fontRef idx="minor">
-        <a:schemeClr val="lt1"/>
-      </a:fontRef>
+      <a:fontRef idx="minor"/>
     </dgm:style>
   </dgm:styleLbl>
   <dgm:styleLbl name="parChTrans2D1">
@@ -4677,7 +4847,6 @@
       <a:camera prst="orthographicFront"/>
       <a:lightRig rig="threePt" dir="t"/>
     </dgm:scene3d>
-    <dgm:sp3d/>
     <dgm:txPr/>
     <dgm:style>
       <a:lnRef idx="0">
@@ -4699,7 +4868,6 @@
       <a:camera prst="orthographicFront"/>
       <a:lightRig rig="threePt" dir="t"/>
     </dgm:scene3d>
-    <dgm:sp3d/>
     <dgm:txPr/>
     <dgm:style>
       <a:lnRef idx="0">
@@ -4721,7 +4889,6 @@
       <a:camera prst="orthographicFront"/>
       <a:lightRig rig="threePt" dir="t"/>
     </dgm:scene3d>
-    <dgm:sp3d/>
     <dgm:txPr/>
     <dgm:style>
       <a:lnRef idx="0">
@@ -4743,7 +4910,6 @@
       <a:camera prst="orthographicFront"/>
       <a:lightRig rig="threePt" dir="t"/>
     </dgm:scene3d>
-    <dgm:sp3d/>
     <dgm:txPr/>
     <dgm:style>
       <a:lnRef idx="0">
@@ -4760,15 +4926,14 @@
       </a:fontRef>
     </dgm:style>
   </dgm:styleLbl>
-  <dgm:styleLbl name="parChTrans1D1">
+  <dgm:styleLbl name="revTx">
     <dgm:scene3d>
       <a:camera prst="orthographicFront"/>
       <a:lightRig rig="threePt" dir="t"/>
     </dgm:scene3d>
-    <dgm:sp3d/>
     <dgm:txPr/>
     <dgm:style>
-      <a:lnRef idx="2">
+      <a:lnRef idx="0">
         <a:scrgbClr r="0" g="0" b="0"/>
       </a:lnRef>
       <a:fillRef idx="0">
@@ -4780,15 +4945,14 @@
       <a:fontRef idx="minor"/>
     </dgm:style>
   </dgm:styleLbl>
-  <dgm:styleLbl name="parChTrans1D2">
+  <dgm:styleLbl name="sibTrans1D1">
     <dgm:scene3d>
       <a:camera prst="orthographicFront"/>
       <a:lightRig rig="threePt" dir="t"/>
     </dgm:scene3d>
-    <dgm:sp3d/>
     <dgm:txPr/>
     <dgm:style>
-      <a:lnRef idx="2">
+      <a:lnRef idx="1">
         <a:scrgbClr r="0" g="0" b="0"/>
       </a:lnRef>
       <a:fillRef idx="0">
@@ -4800,52 +4964,32 @@
       <a:fontRef idx="minor"/>
     </dgm:style>
   </dgm:styleLbl>
-  <dgm:styleLbl name="parChTrans1D3">
+  <dgm:styleLbl name="sibTrans2D1">
     <dgm:scene3d>
       <a:camera prst="orthographicFront"/>
       <a:lightRig rig="threePt" dir="t"/>
     </dgm:scene3d>
-    <dgm:sp3d/>
     <dgm:txPr/>
     <dgm:style>
-      <a:lnRef idx="2">
+      <a:lnRef idx="0">
         <a:scrgbClr r="0" g="0" b="0"/>
       </a:lnRef>
-      <a:fillRef idx="0">
+      <a:fillRef idx="3">
         <a:scrgbClr r="0" g="0" b="0"/>
       </a:fillRef>
-      <a:effectRef idx="0">
+      <a:effectRef idx="3">
         <a:scrgbClr r="0" g="0" b="0"/>
       </a:effectRef>
-      <a:fontRef idx="minor"/>
+      <a:fontRef idx="minor">
+        <a:schemeClr val="lt1"/>
+      </a:fontRef>
     </dgm:style>
   </dgm:styleLbl>
-  <dgm:styleLbl name="parChTrans1D4">
+  <dgm:styleLbl name="solidAlignAcc1">
     <dgm:scene3d>
       <a:camera prst="orthographicFront"/>
       <a:lightRig rig="threePt" dir="t"/>
     </dgm:scene3d>
-    <dgm:sp3d/>
-    <dgm:txPr/>
-    <dgm:style>
-      <a:lnRef idx="2">
-        <a:scrgbClr r="0" g="0" b="0"/>
-      </a:lnRef>
-      <a:fillRef idx="0">
-        <a:scrgbClr r="0" g="0" b="0"/>
-      </a:fillRef>
-      <a:effectRef idx="0">
-        <a:scrgbClr r="0" g="0" b="0"/>
-      </a:effectRef>
-      <a:fontRef idx="minor"/>
-    </dgm:style>
-  </dgm:styleLbl>
-  <dgm:styleLbl name="fgAcc1">
-    <dgm:scene3d>
-      <a:camera prst="orthographicFront"/>
-      <a:lightRig rig="threePt" dir="t"/>
-    </dgm:scene3d>
-    <dgm:sp3d/>
     <dgm:txPr/>
     <dgm:style>
       <a:lnRef idx="1">
@@ -4854,18 +4998,17 @@
       <a:fillRef idx="1">
         <a:scrgbClr r="0" g="0" b="0"/>
       </a:fillRef>
-      <a:effectRef idx="2">
+      <a:effectRef idx="3">
         <a:scrgbClr r="0" g="0" b="0"/>
       </a:effectRef>
       <a:fontRef idx="minor"/>
     </dgm:style>
   </dgm:styleLbl>
-  <dgm:styleLbl name="conFgAcc1">
+  <dgm:styleLbl name="solidBgAcc1">
     <dgm:scene3d>
       <a:camera prst="orthographicFront"/>
       <a:lightRig rig="threePt" dir="t"/>
     </dgm:scene3d>
-    <dgm:sp3d/>
     <dgm:txPr/>
     <dgm:style>
       <a:lnRef idx="1">
@@ -4874,18 +5017,17 @@
       <a:fillRef idx="1">
         <a:scrgbClr r="0" g="0" b="0"/>
       </a:fillRef>
-      <a:effectRef idx="2">
+      <a:effectRef idx="3">
         <a:scrgbClr r="0" g="0" b="0"/>
       </a:effectRef>
       <a:fontRef idx="minor"/>
     </dgm:style>
   </dgm:styleLbl>
-  <dgm:styleLbl name="alignAcc1">
+  <dgm:styleLbl name="solidFgAcc1">
     <dgm:scene3d>
       <a:camera prst="orthographicFront"/>
       <a:lightRig rig="threePt" dir="t"/>
     </dgm:scene3d>
-    <dgm:sp3d/>
     <dgm:txPr/>
     <dgm:style>
       <a:lnRef idx="1">
@@ -4905,7 +5047,6 @@
       <a:camera prst="orthographicFront"/>
       <a:lightRig rig="threePt" dir="t"/>
     </dgm:scene3d>
-    <dgm:sp3d/>
     <dgm:txPr/>
     <dgm:style>
       <a:lnRef idx="1">
@@ -4920,272 +5061,11 @@
       <a:fontRef idx="minor"/>
     </dgm:style>
   </dgm:styleLbl>
-  <dgm:styleLbl name="bgAcc1">
-    <dgm:scene3d>
-      <a:camera prst="orthographicFront"/>
-      <a:lightRig rig="threePt" dir="t"/>
-    </dgm:scene3d>
-    <dgm:sp3d/>
-    <dgm:txPr/>
-    <dgm:style>
-      <a:lnRef idx="1">
-        <a:scrgbClr r="0" g="0" b="0"/>
-      </a:lnRef>
-      <a:fillRef idx="1">
-        <a:scrgbClr r="0" g="0" b="0"/>
-      </a:fillRef>
-      <a:effectRef idx="2">
-        <a:scrgbClr r="0" g="0" b="0"/>
-      </a:effectRef>
-      <a:fontRef idx="minor"/>
-    </dgm:style>
-  </dgm:styleLbl>
-  <dgm:styleLbl name="solidFgAcc1">
-    <dgm:scene3d>
-      <a:camera prst="orthographicFront"/>
-      <a:lightRig rig="threePt" dir="t"/>
-    </dgm:scene3d>
-    <dgm:sp3d/>
-    <dgm:txPr/>
-    <dgm:style>
-      <a:lnRef idx="1">
-        <a:scrgbClr r="0" g="0" b="0"/>
-      </a:lnRef>
-      <a:fillRef idx="1">
-        <a:scrgbClr r="0" g="0" b="0"/>
-      </a:fillRef>
-      <a:effectRef idx="2">
-        <a:scrgbClr r="0" g="0" b="0"/>
-      </a:effectRef>
-      <a:fontRef idx="minor"/>
-    </dgm:style>
-  </dgm:styleLbl>
-  <dgm:styleLbl name="solidAlignAcc1">
-    <dgm:scene3d>
-      <a:camera prst="orthographicFront"/>
-      <a:lightRig rig="threePt" dir="t"/>
-    </dgm:scene3d>
-    <dgm:sp3d/>
-    <dgm:txPr/>
-    <dgm:style>
-      <a:lnRef idx="1">
-        <a:scrgbClr r="0" g="0" b="0"/>
-      </a:lnRef>
-      <a:fillRef idx="1">
-        <a:scrgbClr r="0" g="0" b="0"/>
-      </a:fillRef>
-      <a:effectRef idx="3">
-        <a:scrgbClr r="0" g="0" b="0"/>
-      </a:effectRef>
-      <a:fontRef idx="minor"/>
-    </dgm:style>
-  </dgm:styleLbl>
-  <dgm:styleLbl name="solidBgAcc1">
-    <dgm:scene3d>
-      <a:camera prst="orthographicFront"/>
-      <a:lightRig rig="threePt" dir="t"/>
-    </dgm:scene3d>
-    <dgm:sp3d/>
-    <dgm:txPr/>
-    <dgm:style>
-      <a:lnRef idx="1">
-        <a:scrgbClr r="0" g="0" b="0"/>
-      </a:lnRef>
-      <a:fillRef idx="1">
-        <a:scrgbClr r="0" g="0" b="0"/>
-      </a:fillRef>
-      <a:effectRef idx="3">
-        <a:scrgbClr r="0" g="0" b="0"/>
-      </a:effectRef>
-      <a:fontRef idx="minor"/>
-    </dgm:style>
-  </dgm:styleLbl>
-  <dgm:styleLbl name="fgAccFollowNode1">
-    <dgm:scene3d>
-      <a:camera prst="orthographicFront"/>
-      <a:lightRig rig="threePt" dir="t"/>
-    </dgm:scene3d>
-    <dgm:sp3d/>
-    <dgm:txPr/>
-    <dgm:style>
-      <a:lnRef idx="1">
-        <a:scrgbClr r="0" g="0" b="0"/>
-      </a:lnRef>
-      <a:fillRef idx="1">
-        <a:scrgbClr r="0" g="0" b="0"/>
-      </a:fillRef>
-      <a:effectRef idx="2">
-        <a:scrgbClr r="0" g="0" b="0"/>
-      </a:effectRef>
-      <a:fontRef idx="minor"/>
-    </dgm:style>
-  </dgm:styleLbl>
-  <dgm:styleLbl name="alignAccFollowNode1">
-    <dgm:scene3d>
-      <a:camera prst="orthographicFront"/>
-      <a:lightRig rig="threePt" dir="t"/>
-    </dgm:scene3d>
-    <dgm:sp3d/>
-    <dgm:txPr/>
-    <dgm:style>
-      <a:lnRef idx="1">
-        <a:scrgbClr r="0" g="0" b="0"/>
-      </a:lnRef>
-      <a:fillRef idx="1">
-        <a:scrgbClr r="0" g="0" b="0"/>
-      </a:fillRef>
-      <a:effectRef idx="2">
-        <a:scrgbClr r="0" g="0" b="0"/>
-      </a:effectRef>
-      <a:fontRef idx="minor"/>
-    </dgm:style>
-  </dgm:styleLbl>
-  <dgm:styleLbl name="bgAccFollowNode1">
-    <dgm:scene3d>
-      <a:camera prst="orthographicFront"/>
-      <a:lightRig rig="threePt" dir="t"/>
-    </dgm:scene3d>
-    <dgm:sp3d/>
-    <dgm:txPr/>
-    <dgm:style>
-      <a:lnRef idx="1">
-        <a:scrgbClr r="0" g="0" b="0"/>
-      </a:lnRef>
-      <a:fillRef idx="1">
-        <a:scrgbClr r="0" g="0" b="0"/>
-      </a:fillRef>
-      <a:effectRef idx="2">
-        <a:scrgbClr r="0" g="0" b="0"/>
-      </a:effectRef>
-      <a:fontRef idx="minor"/>
-    </dgm:style>
-  </dgm:styleLbl>
-  <dgm:styleLbl name="fgAcc0">
-    <dgm:scene3d>
-      <a:camera prst="orthographicFront"/>
-      <a:lightRig rig="threePt" dir="t"/>
-    </dgm:scene3d>
-    <dgm:sp3d/>
-    <dgm:txPr/>
-    <dgm:style>
-      <a:lnRef idx="1">
-        <a:scrgbClr r="0" g="0" b="0"/>
-      </a:lnRef>
-      <a:fillRef idx="1">
-        <a:scrgbClr r="0" g="0" b="0"/>
-      </a:fillRef>
-      <a:effectRef idx="2">
-        <a:scrgbClr r="0" g="0" b="0"/>
-      </a:effectRef>
-      <a:fontRef idx="minor"/>
-    </dgm:style>
-  </dgm:styleLbl>
-  <dgm:styleLbl name="fgAcc2">
-    <dgm:scene3d>
-      <a:camera prst="orthographicFront"/>
-      <a:lightRig rig="threePt" dir="t"/>
-    </dgm:scene3d>
-    <dgm:sp3d/>
-    <dgm:txPr/>
-    <dgm:style>
-      <a:lnRef idx="1">
-        <a:scrgbClr r="0" g="0" b="0"/>
-      </a:lnRef>
-      <a:fillRef idx="1">
-        <a:scrgbClr r="0" g="0" b="0"/>
-      </a:fillRef>
-      <a:effectRef idx="2">
-        <a:scrgbClr r="0" g="0" b="0"/>
-      </a:effectRef>
-      <a:fontRef idx="minor"/>
-    </dgm:style>
-  </dgm:styleLbl>
-  <dgm:styleLbl name="fgAcc3">
-    <dgm:scene3d>
-      <a:camera prst="orthographicFront"/>
-      <a:lightRig rig="threePt" dir="t"/>
-    </dgm:scene3d>
-    <dgm:sp3d/>
-    <dgm:txPr/>
-    <dgm:style>
-      <a:lnRef idx="1">
-        <a:scrgbClr r="0" g="0" b="0"/>
-      </a:lnRef>
-      <a:fillRef idx="1">
-        <a:scrgbClr r="0" g="0" b="0"/>
-      </a:fillRef>
-      <a:effectRef idx="2">
-        <a:scrgbClr r="0" g="0" b="0"/>
-      </a:effectRef>
-      <a:fontRef idx="minor"/>
-    </dgm:style>
-  </dgm:styleLbl>
-  <dgm:styleLbl name="fgAcc4">
-    <dgm:scene3d>
-      <a:camera prst="orthographicFront"/>
-      <a:lightRig rig="threePt" dir="t"/>
-    </dgm:scene3d>
-    <dgm:sp3d/>
-    <dgm:txPr/>
-    <dgm:style>
-      <a:lnRef idx="1">
-        <a:scrgbClr r="0" g="0" b="0"/>
-      </a:lnRef>
-      <a:fillRef idx="1">
-        <a:scrgbClr r="0" g="0" b="0"/>
-      </a:fillRef>
-      <a:effectRef idx="2">
-        <a:scrgbClr r="0" g="0" b="0"/>
-      </a:effectRef>
-      <a:fontRef idx="minor"/>
-    </dgm:style>
-  </dgm:styleLbl>
-  <dgm:styleLbl name="bgShp">
-    <dgm:scene3d>
-      <a:camera prst="orthographicFront"/>
-      <a:lightRig rig="threePt" dir="t"/>
-    </dgm:scene3d>
-    <dgm:sp3d/>
-    <dgm:txPr/>
-    <dgm:style>
-      <a:lnRef idx="0">
-        <a:scrgbClr r="0" g="0" b="0"/>
-      </a:lnRef>
-      <a:fillRef idx="1">
-        <a:scrgbClr r="0" g="0" b="0"/>
-      </a:fillRef>
-      <a:effectRef idx="2">
-        <a:scrgbClr r="0" g="0" b="0"/>
-      </a:effectRef>
-      <a:fontRef idx="minor"/>
-    </dgm:style>
-  </dgm:styleLbl>
-  <dgm:styleLbl name="dkBgShp">
-    <dgm:scene3d>
-      <a:camera prst="orthographicFront"/>
-      <a:lightRig rig="threePt" dir="t"/>
-    </dgm:scene3d>
-    <dgm:sp3d/>
-    <dgm:txPr/>
-    <dgm:style>
-      <a:lnRef idx="0">
-        <a:scrgbClr r="0" g="0" b="0"/>
-      </a:lnRef>
-      <a:fillRef idx="1">
-        <a:scrgbClr r="0" g="0" b="0"/>
-      </a:fillRef>
-      <a:effectRef idx="3">
-        <a:scrgbClr r="0" g="0" b="0"/>
-      </a:effectRef>
-      <a:fontRef idx="minor"/>
-    </dgm:style>
-  </dgm:styleLbl>
   <dgm:styleLbl name="trBgShp">
     <dgm:scene3d>
       <a:camera prst="orthographicFront"/>
       <a:lightRig rig="threePt" dir="t"/>
     </dgm:scene3d>
-    <dgm:sp3d/>
     <dgm:txPr/>
     <dgm:style>
       <a:lnRef idx="0">
@@ -5200,12 +5080,11 @@
       <a:fontRef idx="minor"/>
     </dgm:style>
   </dgm:styleLbl>
-  <dgm:styleLbl name="fgShp">
+  <dgm:styleLbl name="vennNode1">
     <dgm:scene3d>
       <a:camera prst="orthographicFront"/>
       <a:lightRig rig="threePt" dir="t"/>
     </dgm:scene3d>
-    <dgm:sp3d/>
     <dgm:txPr/>
     <dgm:style>
       <a:lnRef idx="0">
@@ -5217,27 +5096,9 @@
       <a:effectRef idx="3">
         <a:scrgbClr r="0" g="0" b="0"/>
       </a:effectRef>
-      <a:fontRef idx="minor"/>
-    </dgm:style>
-  </dgm:styleLbl>
-  <dgm:styleLbl name="revTx">
-    <dgm:scene3d>
-      <a:camera prst="orthographicFront"/>
-      <a:lightRig rig="threePt" dir="t"/>
-    </dgm:scene3d>
-    <dgm:sp3d/>
-    <dgm:txPr/>
-    <dgm:style>
-      <a:lnRef idx="0">
-        <a:scrgbClr r="0" g="0" b="0"/>
-      </a:lnRef>
-      <a:fillRef idx="0">
-        <a:scrgbClr r="0" g="0" b="0"/>
-      </a:fillRef>
-      <a:effectRef idx="0">
-        <a:scrgbClr r="0" g="0" b="0"/>
-      </a:effectRef>
-      <a:fontRef idx="minor"/>
+      <a:fontRef idx="minor">
+        <a:schemeClr val="tx1"/>
+      </a:fontRef>
     </dgm:style>
   </dgm:styleLbl>
 </dgm:styleDef>
@@ -5325,7 +5186,6 @@
           <a:p>
             <a:fld id="{0F9B84EA-7D68-4D60-9CB1-D50884785D1C}" type="datetimeFigureOut">
               <a:rPr lang="zh-CN" altLang="en-US" smtClean="0"/>
-              <a:t>2019/7/14</a:t>
             </a:fld>
             <a:endParaRPr lang="zh-CN" altLang="en-US"/>
           </a:p>
@@ -5391,7 +5251,6 @@
           <a:p>
             <a:fld id="{8D4E0FC9-F1F8-4FAE-9988-3BA365CFD46F}" type="slidenum">
               <a:rPr lang="zh-CN" altLang="en-US" smtClean="0"/>
-              <a:t>‹#›</a:t>
             </a:fld>
             <a:endParaRPr lang="zh-CN" altLang="en-US"/>
           </a:p>
@@ -5969,7 +5828,6 @@
                 <a:ea typeface="+mn-ea"/>
                 <a:cs typeface="+mn-cs"/>
               </a:rPr>
-              <a:t>‹#›</a:t>
             </a:fld>
             <a:endParaRPr kumimoji="0" lang="zh-CN" altLang="en-US" sz="1200" b="0" i="0" u="none" strike="noStrike" kern="1200" cap="none" spc="0" normalizeH="0" baseline="0" noProof="0">
               <a:ln>
@@ -6132,6 +5990,7 @@
               <a:rPr lang="zh-CN" altLang="en-US"/>
               <a:t>Click to edit Master title style</a:t>
             </a:r>
+            <a:endParaRPr lang="zh-CN" altLang="en-US"/>
           </a:p>
         </p:txBody>
       </p:sp>
@@ -6196,6 +6055,7 @@
               <a:rPr lang="zh-CN" altLang="en-US"/>
               <a:t>Click to edit Master title style</a:t>
             </a:r>
+            <a:endParaRPr lang="zh-CN" altLang="en-US"/>
           </a:p>
         </p:txBody>
       </p:sp>
@@ -6347,7 +6207,6 @@
                 <a:ea typeface="+mn-ea"/>
                 <a:cs typeface="+mn-cs"/>
               </a:rPr>
-              <a:t>‹#›</a:t>
             </a:fld>
             <a:endParaRPr kumimoji="0" lang="zh-CN" altLang="en-US" sz="1200" b="0" i="0" u="none" strike="noStrike" kern="1200" cap="none" spc="0" normalizeH="0" baseline="0" noProof="0">
               <a:ln>
@@ -6373,6 +6232,9 @@
   <p:clrMapOvr>
     <a:masterClrMapping/>
   </p:clrMapOvr>
+  <p:transition>
+    <p:pull/>
+  </p:transition>
 </p:sldLayout>
 </file>
 
@@ -6412,6 +6274,7 @@
               <a:rPr lang="zh-CN" altLang="en-US"/>
               <a:t>Click to edit Master title style</a:t>
             </a:r>
+            <a:endParaRPr lang="zh-CN" altLang="en-US"/>
           </a:p>
         </p:txBody>
       </p:sp>
@@ -6435,6 +6298,7 @@
               <a:rPr lang="zh-CN" altLang="en-US"/>
               <a:t>Click to edit Master text style</a:t>
             </a:r>
+            <a:endParaRPr lang="zh-CN" altLang="en-US"/>
           </a:p>
           <a:p>
             <a:pPr lvl="1"/>
@@ -6442,6 +6306,7 @@
               <a:rPr lang="zh-CN" altLang="en-US"/>
               <a:t>Second level</a:t>
             </a:r>
+            <a:endParaRPr lang="zh-CN" altLang="en-US"/>
           </a:p>
           <a:p>
             <a:pPr lvl="2"/>
@@ -6449,6 +6314,7 @@
               <a:rPr lang="zh-CN" altLang="en-US"/>
               <a:t>Third level</a:t>
             </a:r>
+            <a:endParaRPr lang="zh-CN" altLang="en-US"/>
           </a:p>
           <a:p>
             <a:pPr lvl="3"/>
@@ -6456,6 +6322,7 @@
               <a:rPr lang="zh-CN" altLang="en-US"/>
               <a:t>Fourth level</a:t>
             </a:r>
+            <a:endParaRPr lang="zh-CN" altLang="en-US"/>
           </a:p>
           <a:p>
             <a:pPr lvl="4"/>
@@ -6463,6 +6330,7 @@
               <a:rPr lang="zh-CN" altLang="en-US"/>
               <a:t>Fifth level</a:t>
             </a:r>
+            <a:endParaRPr lang="zh-CN" altLang="en-US"/>
           </a:p>
         </p:txBody>
       </p:sp>
@@ -6614,7 +6482,6 @@
                 <a:ea typeface="+mn-ea"/>
                 <a:cs typeface="+mn-cs"/>
               </a:rPr>
-              <a:t>‹#›</a:t>
             </a:fld>
             <a:endParaRPr kumimoji="0" lang="zh-CN" altLang="en-US" sz="1200" b="0" i="0" u="none" strike="noStrike" kern="1200" cap="none" spc="0" normalizeH="0" baseline="0" noProof="0">
               <a:ln>
@@ -6640,6 +6507,9 @@
   <p:clrMapOvr>
     <a:masterClrMapping/>
   </p:clrMapOvr>
+  <p:transition>
+    <p:pull/>
+  </p:transition>
 </p:sldLayout>
 </file>
 
@@ -6697,6 +6567,7 @@
               <a:rPr lang="zh-CN" altLang="en-US" dirty="0"/>
               <a:t>Click to edit Master title style</a:t>
             </a:r>
+            <a:endParaRPr lang="zh-CN" altLang="en-US" dirty="0"/>
           </a:p>
         </p:txBody>
       </p:sp>
@@ -6732,6 +6603,7 @@
               <a:rPr lang="zh-CN" altLang="en-US" dirty="0"/>
               <a:t>Click to edit Master text style</a:t>
             </a:r>
+            <a:endParaRPr lang="zh-CN" altLang="en-US" dirty="0"/>
           </a:p>
           <a:p>
             <a:pPr lvl="1"/>
@@ -6739,6 +6611,7 @@
               <a:rPr lang="zh-CN" altLang="en-US" dirty="0"/>
               <a:t>Second level</a:t>
             </a:r>
+            <a:endParaRPr lang="zh-CN" altLang="en-US" dirty="0"/>
           </a:p>
           <a:p>
             <a:pPr lvl="2"/>
@@ -6746,6 +6619,7 @@
               <a:rPr lang="zh-CN" altLang="en-US" dirty="0"/>
               <a:t>Third level</a:t>
             </a:r>
+            <a:endParaRPr lang="zh-CN" altLang="en-US" dirty="0"/>
           </a:p>
           <a:p>
             <a:pPr lvl="3"/>
@@ -6753,6 +6627,7 @@
               <a:rPr lang="zh-CN" altLang="en-US" dirty="0"/>
               <a:t>Fourth level</a:t>
             </a:r>
+            <a:endParaRPr lang="zh-CN" altLang="en-US" dirty="0"/>
           </a:p>
           <a:p>
             <a:pPr lvl="4"/>
@@ -6760,6 +6635,7 @@
               <a:rPr lang="zh-CN" altLang="en-US" dirty="0"/>
               <a:t>Fifth level</a:t>
             </a:r>
+            <a:endParaRPr lang="zh-CN" altLang="en-US" dirty="0"/>
           </a:p>
         </p:txBody>
       </p:sp>
@@ -6965,7 +6841,6 @@
                 <a:ea typeface="+mn-ea"/>
                 <a:cs typeface="+mn-cs"/>
               </a:rPr>
-              <a:t>‹#›</a:t>
             </a:fld>
             <a:endParaRPr kumimoji="0" lang="zh-CN" altLang="en-US" sz="1200" b="0" i="0" u="none" strike="noStrike" kern="1200" cap="none" spc="0" normalizeH="0" baseline="0" noProof="0">
               <a:ln>
@@ -6993,6 +6868,9 @@
     <p:sldLayoutId id="2147483649" r:id="rId1"/>
     <p:sldLayoutId id="2147483650" r:id="rId2"/>
   </p:sldLayoutIdLst>
+  <p:transition>
+    <p:pull/>
+  </p:transition>
   <p:hf sldNum="0" hdr="0" ftr="0" dt="0"/>
   <p:txStyles>
     <p:titleStyle>
@@ -7303,7 +7181,7 @@
           <p:nvPr/>
         </p:nvPicPr>
         <p:blipFill>
-          <a:blip r:embed="rId2"/>
+          <a:blip r:embed="rId1"/>
           <a:stretch>
             <a:fillRect/>
           </a:stretch>
@@ -7372,6 +7250,13 @@
                 </a:rPr>
                 <a:t>Project Cecropia Demo</a:t>
               </a:r>
+              <a:endParaRPr lang="en-US" sz="3600" b="1" dirty="0">
+                <a:solidFill>
+                  <a:schemeClr val="bg1"/>
+                </a:solidFill>
+                <a:latin typeface="Microsoft YaHei" panose="020B0503020204020204" pitchFamily="34" charset="-122"/>
+                <a:ea typeface="Microsoft YaHei" panose="020B0503020204020204" pitchFamily="34" charset="-122"/>
+              </a:endParaRPr>
             </a:p>
           </p:txBody>
         </p:sp>
@@ -7455,7 +7340,7 @@
           <p:nvPr/>
         </p:nvPicPr>
         <p:blipFill>
-          <a:blip r:embed="rId3"/>
+          <a:blip r:embed="rId2"/>
           <a:stretch>
             <a:fillRect/>
           </a:stretch>
@@ -7519,6 +7404,13 @@
               </a:rPr>
               <a:t>Yilun “Allen” Chen</a:t>
             </a:r>
+            <a:endParaRPr lang="en-US" sz="1600" dirty="0">
+              <a:solidFill>
+                <a:schemeClr val="bg1"/>
+              </a:solidFill>
+              <a:latin typeface="Microsoft YaHei" panose="020B0503020204020204" pitchFamily="34" charset="-122"/>
+              <a:ea typeface="Microsoft YaHei" panose="020B0503020204020204" pitchFamily="34" charset="-122"/>
+            </a:endParaRPr>
           </a:p>
           <a:p>
             <a:pPr algn="ctr" eaLnBrk="1" hangingPunct="1"/>
@@ -7532,6 +7424,13 @@
               </a:rPr>
               <a:t>07/10/2019</a:t>
             </a:r>
+            <a:endParaRPr lang="en-US" sz="1200" dirty="0">
+              <a:solidFill>
+                <a:schemeClr val="bg1"/>
+              </a:solidFill>
+              <a:latin typeface="Microsoft YaHei" panose="020B0503020204020204" pitchFamily="34" charset="-122"/>
+              <a:ea typeface="Microsoft YaHei" panose="020B0503020204020204" pitchFamily="34" charset="-122"/>
+            </a:endParaRPr>
           </a:p>
         </p:txBody>
       </p:sp>
@@ -7540,6 +7439,9 @@
   <p:clrMapOvr>
     <a:masterClrMapping/>
   </p:clrMapOvr>
+  <p:transition>
+    <p:pull/>
+  </p:transition>
 </p:sld>
 </file>
 
@@ -7549,7 +7451,7 @@
     <p:bg>
       <p:bgPr>
         <a:blipFill rotWithShape="0">
-          <a:blip r:embed="rId2"/>
+          <a:blip r:embed="rId1"/>
           <a:stretch>
             <a:fillRect/>
           </a:stretch>
@@ -7557,6 +7459,245 @@
         <a:effectLst/>
       </p:bgPr>
     </p:bg>
+    <p:spTree>
+      <p:nvGrpSpPr>
+        <p:cNvPr id="1" name=""/>
+        <p:cNvGrpSpPr/>
+        <p:nvPr/>
+      </p:nvGrpSpPr>
+      <p:grpSpPr>
+        <a:xfrm>
+          <a:off x="0" y="0"/>
+          <a:ext cx="0" cy="0"/>
+          <a:chOff x="0" y="0"/>
+          <a:chExt cx="0" cy="0"/>
+        </a:xfrm>
+      </p:grpSpPr>
+      <p:grpSp>
+        <p:nvGrpSpPr>
+          <p:cNvPr id="32770" name="组合 9"/>
+          <p:cNvGrpSpPr/>
+          <p:nvPr/>
+        </p:nvGrpSpPr>
+        <p:grpSpPr>
+          <a:xfrm>
+            <a:off x="0" y="349250"/>
+            <a:ext cx="752475" cy="530225"/>
+            <a:chOff x="0" y="314960"/>
+            <a:chExt cx="751840" cy="660400"/>
+          </a:xfrm>
+        </p:grpSpPr>
+        <p:sp>
+          <p:nvSpPr>
+            <p:cNvPr id="7" name="矩形 6"/>
+            <p:cNvSpPr/>
+            <p:nvPr/>
+          </p:nvSpPr>
+          <p:spPr>
+            <a:xfrm>
+              <a:off x="0" y="314960"/>
+              <a:ext cx="579120" cy="660400"/>
+            </a:xfrm>
+            <a:prstGeom prst="rect">
+              <a:avLst/>
+            </a:prstGeom>
+            <a:solidFill>
+              <a:srgbClr val="484A5F"/>
+            </a:solidFill>
+            <a:ln>
+              <a:noFill/>
+            </a:ln>
+          </p:spPr>
+          <p:style>
+            <a:lnRef idx="2">
+              <a:schemeClr val="accent1">
+                <a:shade val="50000"/>
+              </a:schemeClr>
+            </a:lnRef>
+            <a:fillRef idx="1">
+              <a:schemeClr val="accent1"/>
+            </a:fillRef>
+            <a:effectRef idx="0">
+              <a:schemeClr val="accent1"/>
+            </a:effectRef>
+            <a:fontRef idx="minor">
+              <a:schemeClr val="lt1"/>
+            </a:fontRef>
+          </p:style>
+          <p:txBody>
+            <a:bodyPr rtlCol="0" anchor="ctr"/>
+            <a:lstStyle/>
+            <a:p>
+              <a:pPr marL="0" marR="0" lvl="0" indent="0" algn="ctr" defTabSz="914400" rtl="0" eaLnBrk="1" fontAlgn="auto" latinLnBrk="0" hangingPunct="1">
+                <a:lnSpc>
+                  <a:spcPct val="100000"/>
+                </a:lnSpc>
+                <a:spcBef>
+                  <a:spcPts val="0"/>
+                </a:spcBef>
+                <a:spcAft>
+                  <a:spcPts val="0"/>
+                </a:spcAft>
+                <a:buClrTx/>
+                <a:buSzTx/>
+                <a:buFontTx/>
+                <a:buNone/>
+                <a:defRPr/>
+              </a:pPr>
+              <a:endParaRPr kumimoji="0" lang="zh-CN" altLang="en-US" sz="1800" b="0" i="0" u="none" strike="noStrike" kern="1200" cap="none" spc="0" normalizeH="0" baseline="0" noProof="0">
+                <a:ln>
+                  <a:noFill/>
+                </a:ln>
+                <a:solidFill>
+                  <a:prstClr val="white"/>
+                </a:solidFill>
+                <a:effectLst/>
+                <a:uLnTx/>
+                <a:uFillTx/>
+                <a:latin typeface="+mn-lt"/>
+                <a:ea typeface="+mn-ea"/>
+                <a:cs typeface="+mn-cs"/>
+              </a:endParaRPr>
+            </a:p>
+          </p:txBody>
+        </p:sp>
+        <p:sp>
+          <p:nvSpPr>
+            <p:cNvPr id="8" name="矩形 7"/>
+            <p:cNvSpPr/>
+            <p:nvPr/>
+          </p:nvSpPr>
+          <p:spPr>
+            <a:xfrm>
+              <a:off x="629920" y="314960"/>
+              <a:ext cx="121920" cy="660400"/>
+            </a:xfrm>
+            <a:prstGeom prst="rect">
+              <a:avLst/>
+            </a:prstGeom>
+            <a:solidFill>
+              <a:schemeClr val="bg1">
+                <a:lumMod val="50000"/>
+              </a:schemeClr>
+            </a:solidFill>
+            <a:ln>
+              <a:noFill/>
+            </a:ln>
+          </p:spPr>
+          <p:style>
+            <a:lnRef idx="2">
+              <a:schemeClr val="accent1">
+                <a:shade val="50000"/>
+              </a:schemeClr>
+            </a:lnRef>
+            <a:fillRef idx="1">
+              <a:schemeClr val="accent1"/>
+            </a:fillRef>
+            <a:effectRef idx="0">
+              <a:schemeClr val="accent1"/>
+            </a:effectRef>
+            <a:fontRef idx="minor">
+              <a:schemeClr val="lt1"/>
+            </a:fontRef>
+          </p:style>
+          <p:txBody>
+            <a:bodyPr rtlCol="0" anchor="ctr"/>
+            <a:lstStyle/>
+            <a:p>
+              <a:pPr marL="0" marR="0" lvl="0" indent="0" algn="ctr" defTabSz="914400" rtl="0" eaLnBrk="1" fontAlgn="auto" latinLnBrk="0" hangingPunct="1">
+                <a:lnSpc>
+                  <a:spcPct val="100000"/>
+                </a:lnSpc>
+                <a:spcBef>
+                  <a:spcPts val="0"/>
+                </a:spcBef>
+                <a:spcAft>
+                  <a:spcPts val="0"/>
+                </a:spcAft>
+                <a:buClrTx/>
+                <a:buSzTx/>
+                <a:buFontTx/>
+                <a:buNone/>
+                <a:defRPr/>
+              </a:pPr>
+              <a:endParaRPr kumimoji="0" lang="zh-CN" altLang="en-US" sz="1800" b="0" i="0" u="none" strike="noStrike" kern="1200" cap="none" spc="0" normalizeH="0" baseline="0" noProof="0">
+                <a:ln>
+                  <a:noFill/>
+                </a:ln>
+                <a:solidFill>
+                  <a:prstClr val="white"/>
+                </a:solidFill>
+                <a:effectLst/>
+                <a:uLnTx/>
+                <a:uFillTx/>
+                <a:latin typeface="+mn-lt"/>
+                <a:ea typeface="+mn-ea"/>
+                <a:cs typeface="+mn-cs"/>
+              </a:endParaRPr>
+            </a:p>
+          </p:txBody>
+        </p:sp>
+      </p:grpSp>
+      <p:sp>
+        <p:nvSpPr>
+          <p:cNvPr id="32771" name="文本框 8"/>
+          <p:cNvSpPr txBox="1"/>
+          <p:nvPr/>
+        </p:nvSpPr>
+        <p:spPr>
+          <a:xfrm>
+            <a:off x="796925" y="230505"/>
+            <a:ext cx="10318115" cy="768350"/>
+          </a:xfrm>
+          <a:prstGeom prst="rect">
+            <a:avLst/>
+          </a:prstGeom>
+          <a:noFill/>
+          <a:ln w="9525">
+            <a:noFill/>
+          </a:ln>
+        </p:spPr>
+        <p:txBody>
+          <a:bodyPr wrap="square">
+            <a:spAutoFit/>
+          </a:bodyPr>
+          <a:lstStyle/>
+          <a:p>
+            <a:pPr eaLnBrk="1" hangingPunct="1"/>
+            <a:r>
+              <a:rPr lang="en-US" altLang="zh-CN" sz="4400" b="1" dirty="0">
+                <a:solidFill>
+                  <a:srgbClr val="404040"/>
+                </a:solidFill>
+                <a:latin typeface="Microsoft YaHei" panose="020B0503020204020204" pitchFamily="34" charset="-122"/>
+                <a:ea typeface="Microsoft YaHei" panose="020B0503020204020204" pitchFamily="34" charset="-122"/>
+              </a:rPr>
+              <a:t>Real-time demonstration</a:t>
+            </a:r>
+            <a:endParaRPr lang="en-US" altLang="zh-CN" sz="4400" b="1" dirty="0">
+              <a:solidFill>
+                <a:srgbClr val="404040"/>
+              </a:solidFill>
+              <a:latin typeface="Microsoft YaHei" panose="020B0503020204020204" pitchFamily="34" charset="-122"/>
+              <a:ea typeface="Microsoft YaHei" panose="020B0503020204020204" pitchFamily="34" charset="-122"/>
+            </a:endParaRPr>
+          </a:p>
+        </p:txBody>
+      </p:sp>
+    </p:spTree>
+  </p:cSld>
+  <p:clrMapOvr>
+    <a:masterClrMapping/>
+  </p:clrMapOvr>
+  <p:transition>
+    <p:pull/>
+  </p:transition>
+</p:sld>
+</file>
+
+<file path=ppt/slides/slide11.xml><?xml version="1.0" encoding="utf-8"?>
+<p:sld xmlns:a="http://schemas.openxmlformats.org/drawingml/2006/main" xmlns:r="http://schemas.openxmlformats.org/officeDocument/2006/relationships" xmlns:p="http://schemas.openxmlformats.org/presentationml/2006/main">
+  <p:cSld>
     <p:spTree>
       <p:nvGrpSpPr>
         <p:cNvPr id="1" name=""/>
@@ -7772,6 +7913,13 @@
               </a:rPr>
               <a:t>Add  your title</a:t>
             </a:r>
+            <a:endParaRPr lang="zh-CN" altLang="en-US" sz="2400" b="1" dirty="0">
+              <a:solidFill>
+                <a:srgbClr val="404040"/>
+              </a:solidFill>
+              <a:latin typeface="Microsoft YaHei" panose="020B0503020204020204" pitchFamily="34" charset="-122"/>
+              <a:ea typeface="Microsoft YaHei" panose="020B0503020204020204" pitchFamily="34" charset="-122"/>
+            </a:endParaRPr>
           </a:p>
         </p:txBody>
       </p:sp>
@@ -9253,246 +9401,9 @@
   <p:clrMapOvr>
     <a:masterClrMapping/>
   </p:clrMapOvr>
-</p:sld>
-</file>
-
-<file path=ppt/slides/slide11.xml><?xml version="1.0" encoding="utf-8"?>
-<p:sld xmlns:a="http://schemas.openxmlformats.org/drawingml/2006/main" xmlns:r="http://schemas.openxmlformats.org/officeDocument/2006/relationships" xmlns:p="http://schemas.openxmlformats.org/presentationml/2006/main">
-  <p:cSld>
-    <p:bg>
-      <p:bgPr>
-        <a:blipFill rotWithShape="0">
-          <a:blip r:embed="rId2"/>
-          <a:stretch>
-            <a:fillRect/>
-          </a:stretch>
-        </a:blipFill>
-        <a:effectLst/>
-      </p:bgPr>
-    </p:bg>
-    <p:spTree>
-      <p:nvGrpSpPr>
-        <p:cNvPr id="1" name=""/>
-        <p:cNvGrpSpPr/>
-        <p:nvPr/>
-      </p:nvGrpSpPr>
-      <p:grpSpPr>
-        <a:xfrm>
-          <a:off x="0" y="0"/>
-          <a:ext cx="0" cy="0"/>
-          <a:chOff x="0" y="0"/>
-          <a:chExt cx="0" cy="0"/>
-        </a:xfrm>
-      </p:grpSpPr>
-      <p:grpSp>
-        <p:nvGrpSpPr>
-          <p:cNvPr id="32770" name="组合 9"/>
-          <p:cNvGrpSpPr/>
-          <p:nvPr/>
-        </p:nvGrpSpPr>
-        <p:grpSpPr>
-          <a:xfrm>
-            <a:off x="0" y="349250"/>
-            <a:ext cx="752475" cy="530225"/>
-            <a:chOff x="0" y="314960"/>
-            <a:chExt cx="751840" cy="660400"/>
-          </a:xfrm>
-        </p:grpSpPr>
-        <p:sp>
-          <p:nvSpPr>
-            <p:cNvPr id="7" name="矩形 6"/>
-            <p:cNvSpPr/>
-            <p:nvPr/>
-          </p:nvSpPr>
-          <p:spPr>
-            <a:xfrm>
-              <a:off x="0" y="314960"/>
-              <a:ext cx="579120" cy="660400"/>
-            </a:xfrm>
-            <a:prstGeom prst="rect">
-              <a:avLst/>
-            </a:prstGeom>
-            <a:solidFill>
-              <a:srgbClr val="484A5F"/>
-            </a:solidFill>
-            <a:ln>
-              <a:noFill/>
-            </a:ln>
-          </p:spPr>
-          <p:style>
-            <a:lnRef idx="2">
-              <a:schemeClr val="accent1">
-                <a:shade val="50000"/>
-              </a:schemeClr>
-            </a:lnRef>
-            <a:fillRef idx="1">
-              <a:schemeClr val="accent1"/>
-            </a:fillRef>
-            <a:effectRef idx="0">
-              <a:schemeClr val="accent1"/>
-            </a:effectRef>
-            <a:fontRef idx="minor">
-              <a:schemeClr val="lt1"/>
-            </a:fontRef>
-          </p:style>
-          <p:txBody>
-            <a:bodyPr rtlCol="0" anchor="ctr"/>
-            <a:lstStyle/>
-            <a:p>
-              <a:pPr marL="0" marR="0" lvl="0" indent="0" algn="ctr" defTabSz="914400" rtl="0" eaLnBrk="1" fontAlgn="auto" latinLnBrk="0" hangingPunct="1">
-                <a:lnSpc>
-                  <a:spcPct val="100000"/>
-                </a:lnSpc>
-                <a:spcBef>
-                  <a:spcPts val="0"/>
-                </a:spcBef>
-                <a:spcAft>
-                  <a:spcPts val="0"/>
-                </a:spcAft>
-                <a:buClrTx/>
-                <a:buSzTx/>
-                <a:buFontTx/>
-                <a:buNone/>
-                <a:defRPr/>
-              </a:pPr>
-              <a:endParaRPr kumimoji="0" lang="zh-CN" altLang="en-US" sz="1800" b="0" i="0" u="none" strike="noStrike" kern="1200" cap="none" spc="0" normalizeH="0" baseline="0" noProof="0">
-                <a:ln>
-                  <a:noFill/>
-                </a:ln>
-                <a:solidFill>
-                  <a:prstClr val="white"/>
-                </a:solidFill>
-                <a:effectLst/>
-                <a:uLnTx/>
-                <a:uFillTx/>
-                <a:latin typeface="+mn-lt"/>
-                <a:ea typeface="+mn-ea"/>
-                <a:cs typeface="+mn-cs"/>
-              </a:endParaRPr>
-            </a:p>
-          </p:txBody>
-        </p:sp>
-        <p:sp>
-          <p:nvSpPr>
-            <p:cNvPr id="8" name="矩形 7"/>
-            <p:cNvSpPr/>
-            <p:nvPr/>
-          </p:nvSpPr>
-          <p:spPr>
-            <a:xfrm>
-              <a:off x="629920" y="314960"/>
-              <a:ext cx="121920" cy="660400"/>
-            </a:xfrm>
-            <a:prstGeom prst="rect">
-              <a:avLst/>
-            </a:prstGeom>
-            <a:solidFill>
-              <a:schemeClr val="bg1">
-                <a:lumMod val="50000"/>
-              </a:schemeClr>
-            </a:solidFill>
-            <a:ln>
-              <a:noFill/>
-            </a:ln>
-          </p:spPr>
-          <p:style>
-            <a:lnRef idx="2">
-              <a:schemeClr val="accent1">
-                <a:shade val="50000"/>
-              </a:schemeClr>
-            </a:lnRef>
-            <a:fillRef idx="1">
-              <a:schemeClr val="accent1"/>
-            </a:fillRef>
-            <a:effectRef idx="0">
-              <a:schemeClr val="accent1"/>
-            </a:effectRef>
-            <a:fontRef idx="minor">
-              <a:schemeClr val="lt1"/>
-            </a:fontRef>
-          </p:style>
-          <p:txBody>
-            <a:bodyPr rtlCol="0" anchor="ctr"/>
-            <a:lstStyle/>
-            <a:p>
-              <a:pPr marL="0" marR="0" lvl="0" indent="0" algn="ctr" defTabSz="914400" rtl="0" eaLnBrk="1" fontAlgn="auto" latinLnBrk="0" hangingPunct="1">
-                <a:lnSpc>
-                  <a:spcPct val="100000"/>
-                </a:lnSpc>
-                <a:spcBef>
-                  <a:spcPts val="0"/>
-                </a:spcBef>
-                <a:spcAft>
-                  <a:spcPts val="0"/>
-                </a:spcAft>
-                <a:buClrTx/>
-                <a:buSzTx/>
-                <a:buFontTx/>
-                <a:buNone/>
-                <a:defRPr/>
-              </a:pPr>
-              <a:endParaRPr kumimoji="0" lang="zh-CN" altLang="en-US" sz="1800" b="0" i="0" u="none" strike="noStrike" kern="1200" cap="none" spc="0" normalizeH="0" baseline="0" noProof="0">
-                <a:ln>
-                  <a:noFill/>
-                </a:ln>
-                <a:solidFill>
-                  <a:prstClr val="white"/>
-                </a:solidFill>
-                <a:effectLst/>
-                <a:uLnTx/>
-                <a:uFillTx/>
-                <a:latin typeface="+mn-lt"/>
-                <a:ea typeface="+mn-ea"/>
-                <a:cs typeface="+mn-cs"/>
-              </a:endParaRPr>
-            </a:p>
-          </p:txBody>
-        </p:sp>
-      </p:grpSp>
-      <p:sp>
-        <p:nvSpPr>
-          <p:cNvPr id="32771" name="文本框 8"/>
-          <p:cNvSpPr txBox="1"/>
-          <p:nvPr/>
-        </p:nvSpPr>
-        <p:spPr>
-          <a:xfrm>
-            <a:off x="796925" y="230505"/>
-            <a:ext cx="10318115" cy="768350"/>
-          </a:xfrm>
-          <a:prstGeom prst="rect">
-            <a:avLst/>
-          </a:prstGeom>
-          <a:noFill/>
-          <a:ln w="9525">
-            <a:noFill/>
-          </a:ln>
-        </p:spPr>
-        <p:txBody>
-          <a:bodyPr wrap="square">
-            <a:spAutoFit/>
-          </a:bodyPr>
-          <a:lstStyle/>
-          <a:p>
-            <a:pPr eaLnBrk="1" hangingPunct="1"/>
-            <a:r>
-              <a:rPr lang="en-US" altLang="zh-CN" sz="4400" b="1" dirty="0">
-                <a:solidFill>
-                  <a:srgbClr val="404040"/>
-                </a:solidFill>
-                <a:latin typeface="Microsoft YaHei" panose="020B0503020204020204" pitchFamily="34" charset="-122"/>
-                <a:ea typeface="Microsoft YaHei" panose="020B0503020204020204" pitchFamily="34" charset="-122"/>
-              </a:rPr>
-              <a:t>Real-time demonstration</a:t>
-            </a:r>
-          </a:p>
-        </p:txBody>
-      </p:sp>
-    </p:spTree>
-  </p:cSld>
-  <p:clrMapOvr>
-    <a:masterClrMapping/>
-  </p:clrMapOvr>
+  <p:transition>
+    <p:pull/>
+  </p:transition>
 </p:sld>
 </file>
 
@@ -9522,7 +9433,7 @@
           <p:nvPr/>
         </p:nvPicPr>
         <p:blipFill>
-          <a:blip r:embed="rId2"/>
+          <a:blip r:embed="rId1"/>
           <a:stretch>
             <a:fillRect/>
           </a:stretch>
@@ -9591,6 +9502,13 @@
                 </a:rPr>
                 <a:t>Project Cecropia Demo</a:t>
               </a:r>
+              <a:endParaRPr lang="en-US" sz="3600" b="1" dirty="0">
+                <a:solidFill>
+                  <a:schemeClr val="bg1"/>
+                </a:solidFill>
+                <a:latin typeface="Microsoft YaHei" panose="020B0503020204020204" pitchFamily="34" charset="-122"/>
+                <a:ea typeface="Microsoft YaHei" panose="020B0503020204020204" pitchFamily="34" charset="-122"/>
+              </a:endParaRPr>
             </a:p>
           </p:txBody>
         </p:sp>
@@ -9674,7 +9592,7 @@
           <p:nvPr/>
         </p:nvPicPr>
         <p:blipFill>
-          <a:blip r:embed="rId3"/>
+          <a:blip r:embed="rId2"/>
           <a:stretch>
             <a:fillRect/>
           </a:stretch>
@@ -9738,6 +9656,13 @@
               </a:rPr>
               <a:t>Yilun “Allen” Chen</a:t>
             </a:r>
+            <a:endParaRPr lang="en-US" sz="1600" dirty="0">
+              <a:solidFill>
+                <a:schemeClr val="bg1"/>
+              </a:solidFill>
+              <a:latin typeface="Microsoft YaHei" panose="020B0503020204020204" pitchFamily="34" charset="-122"/>
+              <a:ea typeface="Microsoft YaHei" panose="020B0503020204020204" pitchFamily="34" charset="-122"/>
+            </a:endParaRPr>
           </a:p>
           <a:p>
             <a:pPr algn="ctr" eaLnBrk="1" hangingPunct="1"/>
@@ -9751,6 +9676,13 @@
               </a:rPr>
               <a:t>07/10/2019</a:t>
             </a:r>
+            <a:endParaRPr lang="en-US" sz="1200" dirty="0">
+              <a:solidFill>
+                <a:schemeClr val="bg1"/>
+              </a:solidFill>
+              <a:latin typeface="Microsoft YaHei" panose="020B0503020204020204" pitchFamily="34" charset="-122"/>
+              <a:ea typeface="Microsoft YaHei" panose="020B0503020204020204" pitchFamily="34" charset="-122"/>
+            </a:endParaRPr>
           </a:p>
         </p:txBody>
       </p:sp>
@@ -9759,6 +9691,9 @@
   <p:clrMapOvr>
     <a:masterClrMapping/>
   </p:clrMapOvr>
+  <p:transition>
+    <p:pull/>
+  </p:transition>
 </p:sld>
 </file>
 
@@ -10042,6 +9977,13 @@
                   </a:rPr>
                   <a:t>Introduction</a:t>
                 </a:r>
+                <a:endParaRPr lang="en-US" altLang="zh-CN" sz="2400" b="1" dirty="0">
+                  <a:solidFill>
+                    <a:srgbClr val="FFFFFF"/>
+                  </a:solidFill>
+                  <a:latin typeface="Microsoft YaHei" panose="020B0503020204020204" pitchFamily="34" charset="-122"/>
+                  <a:ea typeface="Microsoft YaHei" panose="020B0503020204020204" pitchFamily="34" charset="-122"/>
+                </a:endParaRPr>
               </a:p>
             </p:txBody>
           </p:sp>
@@ -10170,6 +10112,13 @@
                   </a:rPr>
                   <a:t>PART 01</a:t>
                 </a:r>
+                <a:endParaRPr lang="zh-CN" altLang="en-US" sz="2800" b="1" dirty="0">
+                  <a:solidFill>
+                    <a:srgbClr val="404040"/>
+                  </a:solidFill>
+                  <a:latin typeface="Microsoft YaHei" panose="020B0503020204020204" pitchFamily="34" charset="-122"/>
+                  <a:ea typeface="Microsoft YaHei" panose="020B0503020204020204" pitchFamily="34" charset="-122"/>
+                </a:endParaRPr>
               </a:p>
             </p:txBody>
           </p:sp>
@@ -10283,6 +10232,13 @@
                   </a:rPr>
                   <a:t>Functionalities</a:t>
                 </a:r>
+                <a:endParaRPr lang="en-US" altLang="zh-CN" sz="2400" b="1" dirty="0">
+                  <a:solidFill>
+                    <a:srgbClr val="FFFFFF"/>
+                  </a:solidFill>
+                  <a:latin typeface="Microsoft YaHei" panose="020B0503020204020204" pitchFamily="34" charset="-122"/>
+                  <a:ea typeface="Microsoft YaHei" panose="020B0503020204020204" pitchFamily="34" charset="-122"/>
+                </a:endParaRPr>
               </a:p>
             </p:txBody>
           </p:sp>
@@ -10411,6 +10367,13 @@
                   </a:rPr>
                   <a:t>PART 02</a:t>
                 </a:r>
+                <a:endParaRPr lang="zh-CN" altLang="en-US" sz="2800" b="1" dirty="0">
+                  <a:solidFill>
+                    <a:srgbClr val="404040"/>
+                  </a:solidFill>
+                  <a:latin typeface="Microsoft YaHei" panose="020B0503020204020204" pitchFamily="34" charset="-122"/>
+                  <a:ea typeface="Microsoft YaHei" panose="020B0503020204020204" pitchFamily="34" charset="-122"/>
+                </a:endParaRPr>
               </a:p>
             </p:txBody>
           </p:sp>
@@ -10524,6 +10487,13 @@
                   </a:rPr>
                   <a:t>Features &amp; Performance</a:t>
                 </a:r>
+                <a:endParaRPr lang="en-US" altLang="zh-CN" sz="2400" b="1" dirty="0">
+                  <a:solidFill>
+                    <a:srgbClr val="FFFFFF"/>
+                  </a:solidFill>
+                  <a:latin typeface="Microsoft YaHei" panose="020B0503020204020204" pitchFamily="34" charset="-122"/>
+                  <a:ea typeface="Microsoft YaHei" panose="020B0503020204020204" pitchFamily="34" charset="-122"/>
+                </a:endParaRPr>
               </a:p>
             </p:txBody>
           </p:sp>
@@ -10652,6 +10622,13 @@
                   </a:rPr>
                   <a:t>PART 03</a:t>
                 </a:r>
+                <a:endParaRPr lang="zh-CN" altLang="en-US" sz="2800" b="1" dirty="0">
+                  <a:solidFill>
+                    <a:srgbClr val="404040"/>
+                  </a:solidFill>
+                  <a:latin typeface="Microsoft YaHei" panose="020B0503020204020204" pitchFamily="34" charset="-122"/>
+                  <a:ea typeface="Microsoft YaHei" panose="020B0503020204020204" pitchFamily="34" charset="-122"/>
+                </a:endParaRPr>
               </a:p>
             </p:txBody>
           </p:sp>
@@ -10765,6 +10742,13 @@
                   </a:rPr>
                   <a:t>Real-time Demo</a:t>
                 </a:r>
+                <a:endParaRPr lang="en-US" altLang="zh-CN" sz="2400" b="1" dirty="0">
+                  <a:solidFill>
+                    <a:srgbClr val="FFFFFF"/>
+                  </a:solidFill>
+                  <a:latin typeface="Microsoft YaHei" panose="020B0503020204020204" pitchFamily="34" charset="-122"/>
+                  <a:ea typeface="Microsoft YaHei" panose="020B0503020204020204" pitchFamily="34" charset="-122"/>
+                </a:endParaRPr>
               </a:p>
             </p:txBody>
           </p:sp>
@@ -10893,6 +10877,13 @@
                   </a:rPr>
                   <a:t>PART 04</a:t>
                 </a:r>
+                <a:endParaRPr lang="zh-CN" altLang="en-US" sz="2800" b="1" dirty="0">
+                  <a:solidFill>
+                    <a:srgbClr val="404040"/>
+                  </a:solidFill>
+                  <a:latin typeface="Microsoft YaHei" panose="020B0503020204020204" pitchFamily="34" charset="-122"/>
+                  <a:ea typeface="Microsoft YaHei" panose="020B0503020204020204" pitchFamily="34" charset="-122"/>
+                </a:endParaRPr>
               </a:p>
             </p:txBody>
           </p:sp>
@@ -10952,7 +10943,7 @@
           <p:nvPr/>
         </p:nvPicPr>
         <p:blipFill>
-          <a:blip r:embed="rId2"/>
+          <a:blip r:embed="rId1"/>
           <a:stretch>
             <a:fillRect/>
           </a:stretch>
@@ -10985,6 +10976,227 @@
   <p:clrMapOvr>
     <a:masterClrMapping/>
   </p:clrMapOvr>
+  <p:transition>
+    <p:pull/>
+  </p:transition>
+  <p:timing>
+    <p:tnLst>
+      <p:par>
+        <p:cTn id="1" dur="indefinite" restart="never" nodeType="tmRoot">
+          <p:childTnLst>
+            <p:seq concurrent="1" nextAc="seek">
+              <p:cTn id="2" dur="indefinite" nodeType="mainSeq">
+                <p:childTnLst>
+                  <p:par>
+                    <p:cTn id="3" fill="hold">
+                      <p:stCondLst>
+                        <p:cond delay="indefinite"/>
+                        <p:cond evt="onBegin" delay="0">
+                          <p:tn val="2"/>
+                        </p:cond>
+                      </p:stCondLst>
+                      <p:childTnLst>
+                        <p:par>
+                          <p:cTn id="4" fill="hold">
+                            <p:stCondLst>
+                              <p:cond delay="0"/>
+                            </p:stCondLst>
+                            <p:childTnLst>
+                              <p:par>
+                                <p:cTn id="5" presetID="10" presetClass="entr" presetSubtype="0" fill="hold" nodeType="afterEffect">
+                                  <p:stCondLst>
+                                    <p:cond delay="0"/>
+                                  </p:stCondLst>
+                                  <p:childTnLst>
+                                    <p:set>
+                                      <p:cBhvr>
+                                        <p:cTn id="6" dur="1" fill="hold">
+                                          <p:stCondLst>
+                                            <p:cond delay="0"/>
+                                          </p:stCondLst>
+                                        </p:cTn>
+                                        <p:tgtEl>
+                                          <p:spTgt spid="19459"/>
+                                        </p:tgtEl>
+                                        <p:attrNameLst>
+                                          <p:attrName>style.visibility</p:attrName>
+                                        </p:attrNameLst>
+                                      </p:cBhvr>
+                                      <p:to>
+                                        <p:strVal val="visible"/>
+                                      </p:to>
+                                    </p:set>
+                                    <p:animEffect transition="in" filter="fade">
+                                      <p:cBhvr>
+                                        <p:cTn id="7" dur="500"/>
+                                        <p:tgtEl>
+                                          <p:spTgt spid="19459"/>
+                                        </p:tgtEl>
+                                      </p:cBhvr>
+                                    </p:animEffect>
+                                  </p:childTnLst>
+                                </p:cTn>
+                              </p:par>
+                            </p:childTnLst>
+                          </p:cTn>
+                        </p:par>
+                        <p:par>
+                          <p:cTn id="8" fill="hold">
+                            <p:stCondLst>
+                              <p:cond delay="500"/>
+                            </p:stCondLst>
+                            <p:childTnLst>
+                              <p:par>
+                                <p:cTn id="9" presetID="10" presetClass="entr" presetSubtype="0" fill="hold" nodeType="afterEffect">
+                                  <p:stCondLst>
+                                    <p:cond delay="0"/>
+                                  </p:stCondLst>
+                                  <p:childTnLst>
+                                    <p:set>
+                                      <p:cBhvr>
+                                        <p:cTn id="10" dur="1" fill="hold">
+                                          <p:stCondLst>
+                                            <p:cond delay="0"/>
+                                          </p:stCondLst>
+                                        </p:cTn>
+                                        <p:tgtEl>
+                                          <p:spTgt spid="19460"/>
+                                        </p:tgtEl>
+                                        <p:attrNameLst>
+                                          <p:attrName>style.visibility</p:attrName>
+                                        </p:attrNameLst>
+                                      </p:cBhvr>
+                                      <p:to>
+                                        <p:strVal val="visible"/>
+                                      </p:to>
+                                    </p:set>
+                                    <p:animEffect transition="in" filter="fade">
+                                      <p:cBhvr>
+                                        <p:cTn id="11" dur="500"/>
+                                        <p:tgtEl>
+                                          <p:spTgt spid="19460"/>
+                                        </p:tgtEl>
+                                      </p:cBhvr>
+                                    </p:animEffect>
+                                  </p:childTnLst>
+                                </p:cTn>
+                              </p:par>
+                            </p:childTnLst>
+                          </p:cTn>
+                        </p:par>
+                        <p:par>
+                          <p:cTn id="12" fill="hold">
+                            <p:stCondLst>
+                              <p:cond delay="1000"/>
+                            </p:stCondLst>
+                            <p:childTnLst>
+                              <p:par>
+                                <p:cTn id="13" presetID="10" presetClass="entr" presetSubtype="0" fill="hold" nodeType="afterEffect">
+                                  <p:stCondLst>
+                                    <p:cond delay="0"/>
+                                  </p:stCondLst>
+                                  <p:childTnLst>
+                                    <p:set>
+                                      <p:cBhvr>
+                                        <p:cTn id="14" dur="1" fill="hold">
+                                          <p:stCondLst>
+                                            <p:cond delay="0"/>
+                                          </p:stCondLst>
+                                        </p:cTn>
+                                        <p:tgtEl>
+                                          <p:spTgt spid="19461"/>
+                                        </p:tgtEl>
+                                        <p:attrNameLst>
+                                          <p:attrName>style.visibility</p:attrName>
+                                        </p:attrNameLst>
+                                      </p:cBhvr>
+                                      <p:to>
+                                        <p:strVal val="visible"/>
+                                      </p:to>
+                                    </p:set>
+                                    <p:animEffect transition="in" filter="fade">
+                                      <p:cBhvr>
+                                        <p:cTn id="15" dur="500"/>
+                                        <p:tgtEl>
+                                          <p:spTgt spid="19461"/>
+                                        </p:tgtEl>
+                                      </p:cBhvr>
+                                    </p:animEffect>
+                                  </p:childTnLst>
+                                </p:cTn>
+                              </p:par>
+                            </p:childTnLst>
+                          </p:cTn>
+                        </p:par>
+                        <p:par>
+                          <p:cTn id="16" fill="hold">
+                            <p:stCondLst>
+                              <p:cond delay="1500"/>
+                            </p:stCondLst>
+                            <p:childTnLst>
+                              <p:par>
+                                <p:cTn id="17" presetID="10" presetClass="entr" presetSubtype="0" fill="hold" nodeType="afterEffect">
+                                  <p:stCondLst>
+                                    <p:cond delay="0"/>
+                                  </p:stCondLst>
+                                  <p:childTnLst>
+                                    <p:set>
+                                      <p:cBhvr>
+                                        <p:cTn id="18" dur="1" fill="hold">
+                                          <p:stCondLst>
+                                            <p:cond delay="0"/>
+                                          </p:stCondLst>
+                                        </p:cTn>
+                                        <p:tgtEl>
+                                          <p:spTgt spid="19462"/>
+                                        </p:tgtEl>
+                                        <p:attrNameLst>
+                                          <p:attrName>style.visibility</p:attrName>
+                                        </p:attrNameLst>
+                                      </p:cBhvr>
+                                      <p:to>
+                                        <p:strVal val="visible"/>
+                                      </p:to>
+                                    </p:set>
+                                    <p:animEffect transition="in" filter="fade">
+                                      <p:cBhvr>
+                                        <p:cTn id="19" dur="500"/>
+                                        <p:tgtEl>
+                                          <p:spTgt spid="19462"/>
+                                        </p:tgtEl>
+                                      </p:cBhvr>
+                                    </p:animEffect>
+                                  </p:childTnLst>
+                                </p:cTn>
+                              </p:par>
+                            </p:childTnLst>
+                          </p:cTn>
+                        </p:par>
+                      </p:childTnLst>
+                    </p:cTn>
+                  </p:par>
+                </p:childTnLst>
+              </p:cTn>
+              <p:prevCondLst>
+                <p:cond evt="onPrev" delay="0">
+                  <p:tgtEl>
+                    <p:sldTgt/>
+                  </p:tgtEl>
+                </p:cond>
+              </p:prevCondLst>
+              <p:nextCondLst>
+                <p:cond evt="onNext" delay="0">
+                  <p:tgtEl>
+                    <p:sldTgt/>
+                  </p:tgtEl>
+                </p:cond>
+              </p:nextCondLst>
+            </p:seq>
+          </p:childTnLst>
+        </p:cTn>
+      </p:par>
+    </p:tnLst>
+  </p:timing>
 </p:sld>
 </file>
 
@@ -10994,7 +11206,7 @@
     <p:bg>
       <p:bgPr>
         <a:blipFill rotWithShape="0">
-          <a:blip r:embed="rId2"/>
+          <a:blip r:embed="rId1"/>
           <a:stretch>
             <a:fillRect/>
           </a:stretch>
@@ -11217,6 +11429,13 @@
               </a:rPr>
               <a:t>Introduction</a:t>
             </a:r>
+            <a:endParaRPr lang="en-US" altLang="zh-CN" sz="2400" b="1" dirty="0">
+              <a:solidFill>
+                <a:srgbClr val="404040"/>
+              </a:solidFill>
+              <a:latin typeface="Microsoft YaHei" panose="020B0503020204020204" pitchFamily="34" charset="-122"/>
+              <a:ea typeface="Microsoft YaHei" panose="020B0503020204020204" pitchFamily="34" charset="-122"/>
+            </a:endParaRPr>
           </a:p>
         </p:txBody>
       </p:sp>
@@ -11228,10 +11447,10 @@
         </p:nvGrpSpPr>
         <p:grpSpPr>
           <a:xfrm>
-            <a:off x="630555" y="2463800"/>
-            <a:ext cx="5295900" cy="3373069"/>
+            <a:off x="630554" y="2463803"/>
+            <a:ext cx="5819941" cy="2913961"/>
             <a:chOff x="1064847" y="3809647"/>
-            <a:chExt cx="4703205" cy="2199005"/>
+            <a:chExt cx="4703205" cy="1899698"/>
           </a:xfrm>
         </p:grpSpPr>
         <p:sp>
@@ -11243,7 +11462,7 @@
           <p:spPr>
             <a:xfrm>
               <a:off x="1064847" y="4425196"/>
-              <a:ext cx="4703205" cy="1583456"/>
+              <a:ext cx="4703205" cy="1284149"/>
             </a:xfrm>
             <a:prstGeom prst="rect">
               <a:avLst/>
@@ -11271,8 +11490,25 @@
                   <a:latin typeface="Microsoft YaHei" panose="020B0503020204020204" pitchFamily="34" charset="-122"/>
                   <a:ea typeface="Microsoft YaHei" panose="020B0503020204020204" pitchFamily="34" charset="-122"/>
                 </a:rPr>
-                <a:t>A Subsystem for SlothBot</a:t>
+                <a:t>A subsystem for </a:t>
               </a:r>
+              <a:r>
+                <a:rPr lang="en-US" sz="3000" dirty="0" err="1">
+                  <a:solidFill>
+                    <a:srgbClr val="000000"/>
+                  </a:solidFill>
+                  <a:latin typeface="Microsoft YaHei" panose="020B0503020204020204" pitchFamily="34" charset="-122"/>
+                  <a:ea typeface="Microsoft YaHei" panose="020B0503020204020204" pitchFamily="34" charset="-122"/>
+                </a:rPr>
+                <a:t>SlothBots</a:t>
+              </a:r>
+              <a:endParaRPr lang="en-US" sz="3000" dirty="0">
+                <a:solidFill>
+                  <a:srgbClr val="000000"/>
+                </a:solidFill>
+                <a:latin typeface="Microsoft YaHei" panose="020B0503020204020204" pitchFamily="34" charset="-122"/>
+                <a:ea typeface="Microsoft YaHei" panose="020B0503020204020204" pitchFamily="34" charset="-122"/>
+              </a:endParaRPr>
             </a:p>
             <a:p>
               <a:pPr marL="342900" indent="-342900" eaLnBrk="1" hangingPunct="1">
@@ -11287,46 +11523,18 @@
                   <a:latin typeface="Microsoft YaHei" panose="020B0503020204020204" pitchFamily="34" charset="-122"/>
                   <a:ea typeface="Microsoft YaHei" panose="020B0503020204020204" pitchFamily="34" charset="-122"/>
                 </a:rPr>
-                <a:t>Data Collection</a:t>
+                <a:t>Provides an interface for users to access data collected by </a:t>
               </a:r>
-            </a:p>
-            <a:p>
-              <a:pPr marL="342900" indent="-342900" eaLnBrk="1" hangingPunct="1">
-                <a:buFont typeface="Arial" panose="020B0604020202020204" pitchFamily="34" charset="0"/>
-                <a:buChar char="•"/>
-              </a:pPr>
               <a:r>
-                <a:rPr lang="en-US" sz="3000" dirty="0">
+                <a:rPr lang="en-US" sz="3000" dirty="0" err="1">
                   <a:solidFill>
                     <a:srgbClr val="000000"/>
                   </a:solidFill>
                   <a:latin typeface="Microsoft YaHei" panose="020B0503020204020204" pitchFamily="34" charset="-122"/>
                   <a:ea typeface="Microsoft YaHei" panose="020B0503020204020204" pitchFamily="34" charset="-122"/>
                 </a:rPr>
-                <a:t>Data Processing</a:t>
+                <a:t>SlothBots</a:t>
               </a:r>
-            </a:p>
-            <a:p>
-              <a:pPr marL="342900" indent="-342900" eaLnBrk="1" hangingPunct="1">
-                <a:buFont typeface="Arial" panose="020B0604020202020204" pitchFamily="34" charset="0"/>
-                <a:buChar char="•"/>
-              </a:pPr>
-              <a:r>
-                <a:rPr lang="en-US" sz="3000" dirty="0">
-                  <a:solidFill>
-                    <a:srgbClr val="000000"/>
-                  </a:solidFill>
-                  <a:latin typeface="Microsoft YaHei" panose="020B0503020204020204" pitchFamily="34" charset="-122"/>
-                  <a:ea typeface="Microsoft YaHei" panose="020B0503020204020204" pitchFamily="34" charset="-122"/>
-                </a:rPr>
-                <a:t>Data Visualization</a:t>
-              </a:r>
-            </a:p>
-            <a:p>
-              <a:pPr marL="342900" indent="-342900" eaLnBrk="1" hangingPunct="1">
-                <a:buFont typeface="Arial" panose="020B0604020202020204" pitchFamily="34" charset="0"/>
-                <a:buChar char="•"/>
-              </a:pPr>
               <a:endParaRPr lang="en-US" sz="3000" dirty="0">
                 <a:solidFill>
                   <a:srgbClr val="000000"/>
@@ -11373,6 +11581,13 @@
                 </a:rPr>
                 <a:t>What is Cecropia?</a:t>
               </a:r>
+              <a:endParaRPr lang="en-US" altLang="zh-CN" sz="4400" b="1" dirty="0">
+                <a:solidFill>
+                  <a:srgbClr val="000000"/>
+                </a:solidFill>
+                <a:latin typeface="Microsoft YaHei" panose="020B0503020204020204" pitchFamily="34" charset="-122"/>
+                <a:ea typeface="Microsoft YaHei" panose="020B0503020204020204" pitchFamily="34" charset="-122"/>
+              </a:endParaRPr>
             </a:p>
           </p:txBody>
         </p:sp>
@@ -11586,30 +11801,39 @@
       </p:grpSp>
       <p:pic>
         <p:nvPicPr>
-          <p:cNvPr id="25606" name="图片 15"/>
+          <p:cNvPr id="13" name="Picture 12" descr="Cecropia"/>
           <p:cNvPicPr>
             <a:picLocks noChangeAspect="1"/>
           </p:cNvPicPr>
           <p:nvPr/>
         </p:nvPicPr>
         <p:blipFill>
-          <a:blip r:embed="rId3"/>
+          <a:blip r:embed="rId2"/>
           <a:stretch>
             <a:fillRect/>
           </a:stretch>
         </p:blipFill>
         <p:spPr>
           <a:xfrm>
-            <a:off x="5313363" y="1119188"/>
-            <a:ext cx="5370512" cy="5461000"/>
+            <a:off x="6359387" y="1248116"/>
+            <a:ext cx="3574774" cy="4741422"/>
           </a:xfrm>
           <a:prstGeom prst="rect">
             <a:avLst/>
           </a:prstGeom>
-          <a:noFill/>
-          <a:ln w="9525">
-            <a:noFill/>
-          </a:ln>
+          <a:effectLst>
+            <a:glow rad="63500">
+              <a:schemeClr val="accent6">
+                <a:satMod val="175000"/>
+                <a:alpha val="40000"/>
+              </a:schemeClr>
+            </a:glow>
+            <a:outerShdw blurRad="76200" dir="18900000" sy="23000" kx="-1200000" algn="bl" rotWithShape="0">
+              <a:prstClr val="black">
+                <a:alpha val="20000"/>
+              </a:prstClr>
+            </a:outerShdw>
+          </a:effectLst>
         </p:spPr>
       </p:pic>
     </p:spTree>
@@ -11617,6 +11841,9 @@
   <p:clrMapOvr>
     <a:masterClrMapping/>
   </p:clrMapOvr>
+  <p:transition>
+    <p:pull/>
+  </p:transition>
 </p:sld>
 </file>
 
@@ -11626,7 +11853,7 @@
     <p:bg>
       <p:bgPr>
         <a:blipFill rotWithShape="0">
-          <a:blip r:embed="rId2"/>
+          <a:blip r:embed="rId1"/>
           <a:stretch>
             <a:fillRect/>
           </a:stretch>
@@ -11849,6 +12076,13 @@
               </a:rPr>
               <a:t>Functionalities</a:t>
             </a:r>
+            <a:endParaRPr lang="en-US" altLang="zh-CN" sz="4400" b="1" dirty="0">
+              <a:solidFill>
+                <a:srgbClr val="404040"/>
+              </a:solidFill>
+              <a:latin typeface="Microsoft YaHei" panose="020B0503020204020204" pitchFamily="34" charset="-122"/>
+              <a:ea typeface="Microsoft YaHei" panose="020B0503020204020204" pitchFamily="34" charset="-122"/>
+            </a:endParaRPr>
           </a:p>
         </p:txBody>
       </p:sp>
@@ -15301,6 +15535,13 @@
               </a:rPr>
               <a:t>Data Collection</a:t>
             </a:r>
+            <a:endParaRPr lang="en-US" altLang="zh-CN" sz="2800" b="1" dirty="0">
+              <a:solidFill>
+                <a:srgbClr val="000000"/>
+              </a:solidFill>
+              <a:latin typeface="Microsoft YaHei" panose="020B0503020204020204" pitchFamily="34" charset="-122"/>
+              <a:ea typeface="Microsoft YaHei" panose="020B0503020204020204" pitchFamily="34" charset="-122"/>
+            </a:endParaRPr>
           </a:p>
         </p:txBody>
       </p:sp>
@@ -15340,6 +15581,13 @@
               </a:rPr>
               <a:t>Data Processing</a:t>
             </a:r>
+            <a:endParaRPr lang="en-US" altLang="zh-CN" sz="2800" b="1" dirty="0">
+              <a:solidFill>
+                <a:srgbClr val="000000"/>
+              </a:solidFill>
+              <a:latin typeface="Microsoft YaHei" panose="020B0503020204020204" pitchFamily="34" charset="-122"/>
+              <a:ea typeface="Microsoft YaHei" panose="020B0503020204020204" pitchFamily="34" charset="-122"/>
+            </a:endParaRPr>
           </a:p>
         </p:txBody>
       </p:sp>
@@ -15379,6 +15627,13 @@
               </a:rPr>
               <a:t>Data Visualization</a:t>
             </a:r>
+            <a:endParaRPr lang="en-US" sz="2800" b="1" dirty="0">
+              <a:solidFill>
+                <a:srgbClr val="000000"/>
+              </a:solidFill>
+              <a:latin typeface="Microsoft YaHei" panose="020B0503020204020204" pitchFamily="34" charset="-122"/>
+              <a:ea typeface="Microsoft YaHei" panose="020B0503020204020204" pitchFamily="34" charset="-122"/>
+            </a:endParaRPr>
           </a:p>
         </p:txBody>
       </p:sp>
@@ -15387,6 +15642,320 @@
   <p:clrMapOvr>
     <a:masterClrMapping/>
   </p:clrMapOvr>
+  <p:transition>
+    <p:pull/>
+  </p:transition>
+  <p:timing>
+    <p:tnLst>
+      <p:par>
+        <p:cTn id="1" dur="indefinite" restart="never" nodeType="tmRoot">
+          <p:childTnLst>
+            <p:seq concurrent="1" nextAc="seek">
+              <p:cTn id="2" dur="indefinite" nodeType="mainSeq">
+                <p:childTnLst>
+                  <p:par>
+                    <p:cTn id="3" fill="hold">
+                      <p:stCondLst>
+                        <p:cond delay="indefinite"/>
+                        <p:cond evt="onBegin" delay="0">
+                          <p:tn val="2"/>
+                        </p:cond>
+                      </p:stCondLst>
+                      <p:childTnLst>
+                        <p:par>
+                          <p:cTn id="4" fill="hold">
+                            <p:stCondLst>
+                              <p:cond delay="0"/>
+                            </p:stCondLst>
+                            <p:childTnLst>
+                              <p:par>
+                                <p:cTn id="5" presetID="10" presetClass="entr" presetSubtype="0" fill="hold" nodeType="afterEffect">
+                                  <p:stCondLst>
+                                    <p:cond delay="0"/>
+                                  </p:stCondLst>
+                                  <p:childTnLst>
+                                    <p:set>
+                                      <p:cBhvr>
+                                        <p:cTn id="6" dur="1" fill="hold">
+                                          <p:stCondLst>
+                                            <p:cond delay="0"/>
+                                          </p:stCondLst>
+                                        </p:cTn>
+                                        <p:tgtEl>
+                                          <p:spTgt spid="32772"/>
+                                        </p:tgtEl>
+                                        <p:attrNameLst>
+                                          <p:attrName>style.visibility</p:attrName>
+                                        </p:attrNameLst>
+                                      </p:cBhvr>
+                                      <p:to>
+                                        <p:strVal val="visible"/>
+                                      </p:to>
+                                    </p:set>
+                                    <p:animEffect transition="in" filter="fade">
+                                      <p:cBhvr>
+                                        <p:cTn id="7" dur="500"/>
+                                        <p:tgtEl>
+                                          <p:spTgt spid="32772"/>
+                                        </p:tgtEl>
+                                      </p:cBhvr>
+                                    </p:animEffect>
+                                  </p:childTnLst>
+                                </p:cTn>
+                              </p:par>
+                            </p:childTnLst>
+                          </p:cTn>
+                        </p:par>
+                        <p:par>
+                          <p:cTn id="8" fill="hold">
+                            <p:stCondLst>
+                              <p:cond delay="500"/>
+                            </p:stCondLst>
+                            <p:childTnLst>
+                              <p:par>
+                                <p:cTn id="9" presetID="10" presetClass="entr" presetSubtype="0" fill="hold" grpId="0" nodeType="afterEffect">
+                                  <p:stCondLst>
+                                    <p:cond delay="0"/>
+                                  </p:stCondLst>
+                                  <p:childTnLst>
+                                    <p:set>
+                                      <p:cBhvr>
+                                        <p:cTn id="10" dur="1" fill="hold">
+                                          <p:stCondLst>
+                                            <p:cond delay="0"/>
+                                          </p:stCondLst>
+                                        </p:cTn>
+                                        <p:tgtEl>
+                                          <p:spTgt spid="32787"/>
+                                        </p:tgtEl>
+                                        <p:attrNameLst>
+                                          <p:attrName>style.visibility</p:attrName>
+                                        </p:attrNameLst>
+                                      </p:cBhvr>
+                                      <p:to>
+                                        <p:strVal val="visible"/>
+                                      </p:to>
+                                    </p:set>
+                                    <p:animEffect transition="in" filter="fade">
+                                      <p:cBhvr>
+                                        <p:cTn id="11" dur="500"/>
+                                        <p:tgtEl>
+                                          <p:spTgt spid="32787"/>
+                                        </p:tgtEl>
+                                      </p:cBhvr>
+                                    </p:animEffect>
+                                  </p:childTnLst>
+                                </p:cTn>
+                              </p:par>
+                            </p:childTnLst>
+                          </p:cTn>
+                        </p:par>
+                        <p:par>
+                          <p:cTn id="12" fill="hold">
+                            <p:stCondLst>
+                              <p:cond delay="1000"/>
+                            </p:stCondLst>
+                            <p:childTnLst>
+                              <p:par>
+                                <p:cTn id="13" presetID="10" presetClass="entr" presetSubtype="0" fill="hold" nodeType="afterEffect">
+                                  <p:stCondLst>
+                                    <p:cond delay="0"/>
+                                  </p:stCondLst>
+                                  <p:childTnLst>
+                                    <p:set>
+                                      <p:cBhvr>
+                                        <p:cTn id="14" dur="1" fill="hold">
+                                          <p:stCondLst>
+                                            <p:cond delay="0"/>
+                                          </p:stCondLst>
+                                        </p:cTn>
+                                        <p:tgtEl>
+                                          <p:spTgt spid="32775"/>
+                                        </p:tgtEl>
+                                        <p:attrNameLst>
+                                          <p:attrName>style.visibility</p:attrName>
+                                        </p:attrNameLst>
+                                      </p:cBhvr>
+                                      <p:to>
+                                        <p:strVal val="visible"/>
+                                      </p:to>
+                                    </p:set>
+                                    <p:animEffect transition="in" filter="fade">
+                                      <p:cBhvr>
+                                        <p:cTn id="15" dur="500"/>
+                                        <p:tgtEl>
+                                          <p:spTgt spid="32775"/>
+                                        </p:tgtEl>
+                                      </p:cBhvr>
+                                    </p:animEffect>
+                                  </p:childTnLst>
+                                </p:cTn>
+                              </p:par>
+                            </p:childTnLst>
+                          </p:cTn>
+                        </p:par>
+                        <p:par>
+                          <p:cTn id="16" fill="hold">
+                            <p:stCondLst>
+                              <p:cond delay="1500"/>
+                            </p:stCondLst>
+                            <p:childTnLst>
+                              <p:par>
+                                <p:cTn id="17" presetID="10" presetClass="entr" presetSubtype="0" fill="hold" grpId="0" nodeType="afterEffect">
+                                  <p:stCondLst>
+                                    <p:cond delay="0"/>
+                                  </p:stCondLst>
+                                  <p:childTnLst>
+                                    <p:set>
+                                      <p:cBhvr>
+                                        <p:cTn id="18" dur="1" fill="hold">
+                                          <p:stCondLst>
+                                            <p:cond delay="0"/>
+                                          </p:stCondLst>
+                                        </p:cTn>
+                                        <p:tgtEl>
+                                          <p:spTgt spid="32785"/>
+                                        </p:tgtEl>
+                                        <p:attrNameLst>
+                                          <p:attrName>style.visibility</p:attrName>
+                                        </p:attrNameLst>
+                                      </p:cBhvr>
+                                      <p:to>
+                                        <p:strVal val="visible"/>
+                                      </p:to>
+                                    </p:set>
+                                    <p:animEffect transition="in" filter="fade">
+                                      <p:cBhvr>
+                                        <p:cTn id="19" dur="500"/>
+                                        <p:tgtEl>
+                                          <p:spTgt spid="32785"/>
+                                        </p:tgtEl>
+                                      </p:cBhvr>
+                                    </p:animEffect>
+                                  </p:childTnLst>
+                                </p:cTn>
+                              </p:par>
+                            </p:childTnLst>
+                          </p:cTn>
+                        </p:par>
+                        <p:par>
+                          <p:cTn id="20" fill="hold">
+                            <p:stCondLst>
+                              <p:cond delay="2000"/>
+                            </p:stCondLst>
+                            <p:childTnLst>
+                              <p:par>
+                                <p:cTn id="21" presetID="10" presetClass="entr" presetSubtype="0" fill="hold" nodeType="afterEffect">
+                                  <p:stCondLst>
+                                    <p:cond delay="0"/>
+                                  </p:stCondLst>
+                                  <p:childTnLst>
+                                    <p:set>
+                                      <p:cBhvr>
+                                        <p:cTn id="22" dur="1" fill="hold">
+                                          <p:stCondLst>
+                                            <p:cond delay="0"/>
+                                          </p:stCondLst>
+                                        </p:cTn>
+                                        <p:tgtEl>
+                                          <p:spTgt spid="32773"/>
+                                        </p:tgtEl>
+                                        <p:attrNameLst>
+                                          <p:attrName>style.visibility</p:attrName>
+                                        </p:attrNameLst>
+                                      </p:cBhvr>
+                                      <p:to>
+                                        <p:strVal val="visible"/>
+                                      </p:to>
+                                    </p:set>
+                                    <p:animEffect transition="in" filter="fade">
+                                      <p:cBhvr>
+                                        <p:cTn id="23" dur="500"/>
+                                        <p:tgtEl>
+                                          <p:spTgt spid="32773"/>
+                                        </p:tgtEl>
+                                      </p:cBhvr>
+                                    </p:animEffect>
+                                  </p:childTnLst>
+                                </p:cTn>
+                              </p:par>
+                            </p:childTnLst>
+                          </p:cTn>
+                        </p:par>
+                        <p:par>
+                          <p:cTn id="24" fill="hold">
+                            <p:stCondLst>
+                              <p:cond delay="2500"/>
+                            </p:stCondLst>
+                            <p:childTnLst>
+                              <p:par>
+                                <p:cTn id="25" presetID="10" presetClass="entr" presetSubtype="0" fill="hold" grpId="0" nodeType="afterEffect">
+                                  <p:stCondLst>
+                                    <p:cond delay="0"/>
+                                  </p:stCondLst>
+                                  <p:childTnLst>
+                                    <p:set>
+                                      <p:cBhvr>
+                                        <p:cTn id="26" dur="1" fill="hold">
+                                          <p:stCondLst>
+                                            <p:cond delay="0"/>
+                                          </p:stCondLst>
+                                        </p:cTn>
+                                        <p:tgtEl>
+                                          <p:spTgt spid="32781"/>
+                                        </p:tgtEl>
+                                        <p:attrNameLst>
+                                          <p:attrName>style.visibility</p:attrName>
+                                        </p:attrNameLst>
+                                      </p:cBhvr>
+                                      <p:to>
+                                        <p:strVal val="visible"/>
+                                      </p:to>
+                                    </p:set>
+                                    <p:animEffect transition="in" filter="fade">
+                                      <p:cBhvr>
+                                        <p:cTn id="27" dur="500"/>
+                                        <p:tgtEl>
+                                          <p:spTgt spid="32781"/>
+                                        </p:tgtEl>
+                                      </p:cBhvr>
+                                    </p:animEffect>
+                                  </p:childTnLst>
+                                </p:cTn>
+                              </p:par>
+                            </p:childTnLst>
+                          </p:cTn>
+                        </p:par>
+                      </p:childTnLst>
+                    </p:cTn>
+                  </p:par>
+                </p:childTnLst>
+              </p:cTn>
+              <p:prevCondLst>
+                <p:cond evt="onPrev" delay="0">
+                  <p:tgtEl>
+                    <p:sldTgt/>
+                  </p:tgtEl>
+                </p:cond>
+              </p:prevCondLst>
+              <p:nextCondLst>
+                <p:cond evt="onNext" delay="0">
+                  <p:tgtEl>
+                    <p:sldTgt/>
+                  </p:tgtEl>
+                </p:cond>
+              </p:nextCondLst>
+            </p:seq>
+          </p:childTnLst>
+        </p:cTn>
+      </p:par>
+    </p:tnLst>
+    <p:bldLst>
+      <p:bldP spid="32787" grpId="0"/>
+      <p:bldP spid="32785" grpId="0"/>
+      <p:bldP spid="32781" grpId="0"/>
+    </p:bldLst>
+  </p:timing>
 </p:sld>
 </file>
 
@@ -15396,7 +15965,7 @@
     <p:bg>
       <p:bgPr>
         <a:blipFill rotWithShape="0">
-          <a:blip r:embed="rId2"/>
+          <a:blip r:embed="rId1"/>
           <a:stretch>
             <a:fillRect/>
           </a:stretch>
@@ -15619,26 +16188,21 @@
               </a:rPr>
               <a:t>Data Collection and Processing</a:t>
             </a:r>
+            <a:endParaRPr lang="en-US" altLang="zh-CN" sz="4400" b="1" dirty="0">
+              <a:solidFill>
+                <a:srgbClr val="404040"/>
+              </a:solidFill>
+              <a:latin typeface="Microsoft YaHei" panose="020B0503020204020204" pitchFamily="34" charset="-122"/>
+              <a:ea typeface="Microsoft YaHei" panose="020B0503020204020204" pitchFamily="34" charset="-122"/>
+            </a:endParaRPr>
           </a:p>
         </p:txBody>
       </p:sp>
       <p:graphicFrame>
         <p:nvGraphicFramePr>
-          <p:cNvPr id="3" name="Diagram 2">
-            <a:extLst>
-              <a:ext uri="{FF2B5EF4-FFF2-40B4-BE49-F238E27FC236}">
-                <a16:creationId xmlns:a16="http://schemas.microsoft.com/office/drawing/2014/main" id="{55F7FAE0-3BF1-4C89-B438-803035078727}"/>
-              </a:ext>
-            </a:extLst>
-          </p:cNvPr>
+          <p:cNvPr id="3" name="Diagram 2"/>
           <p:cNvGraphicFramePr/>
-          <p:nvPr>
-            <p:extLst>
-              <p:ext uri="{D42A27DB-BD31-4B8C-83A1-F6EECF244321}">
-                <p14:modId xmlns:p14="http://schemas.microsoft.com/office/powerpoint/2010/main" val="2820771879"/>
-              </p:ext>
-            </p:extLst>
-          </p:nvPr>
+          <p:nvPr/>
         </p:nvGraphicFramePr>
         <p:xfrm>
           <a:off x="1790838" y="1336430"/>
@@ -15646,15 +16210,183 @@
         </p:xfrm>
         <a:graphic>
           <a:graphicData uri="http://schemas.openxmlformats.org/drawingml/2006/diagram">
-            <dgm:relIds xmlns:dgm="http://schemas.openxmlformats.org/drawingml/2006/diagram" xmlns:r="http://schemas.openxmlformats.org/officeDocument/2006/relationships" r:dm="rId3" r:lo="rId4" r:qs="rId5" r:cs="rId6"/>
+            <dgm:relIds xmlns:dgm="http://schemas.openxmlformats.org/drawingml/2006/diagram" xmlns:r="http://schemas.openxmlformats.org/officeDocument/2006/relationships" r:dm="rId2" r:lo="rId3" r:qs="rId4" r:cs="rId5"/>
           </a:graphicData>
         </a:graphic>
       </p:graphicFrame>
+      <p:cxnSp>
+        <p:nvCxnSpPr>
+          <p:cNvPr id="4" name="Straight Connector 3"/>
+          <p:cNvCxnSpPr/>
+          <p:nvPr/>
+        </p:nvCxnSpPr>
+        <p:spPr>
+          <a:xfrm>
+            <a:off x="4492487" y="2763078"/>
+            <a:ext cx="596348" cy="0"/>
+          </a:xfrm>
+          <a:prstGeom prst="line">
+            <a:avLst/>
+          </a:prstGeom>
+        </p:spPr>
+        <p:style>
+          <a:lnRef idx="3">
+            <a:schemeClr val="accent4"/>
+          </a:lnRef>
+          <a:fillRef idx="0">
+            <a:schemeClr val="accent4"/>
+          </a:fillRef>
+          <a:effectRef idx="2">
+            <a:schemeClr val="accent4"/>
+          </a:effectRef>
+          <a:fontRef idx="minor">
+            <a:schemeClr val="tx1"/>
+          </a:fontRef>
+        </p:style>
+      </p:cxnSp>
     </p:spTree>
   </p:cSld>
   <p:clrMapOvr>
     <a:masterClrMapping/>
   </p:clrMapOvr>
+  <p:transition>
+    <p:pull/>
+  </p:transition>
+  <p:timing>
+    <p:tnLst>
+      <p:par>
+        <p:cTn id="1" dur="indefinite" restart="never" nodeType="tmRoot">
+          <p:childTnLst>
+            <p:seq concurrent="1" nextAc="seek">
+              <p:cTn id="2" dur="indefinite" nodeType="mainSeq">
+                <p:childTnLst>
+                  <p:par>
+                    <p:cTn id="3" fill="hold">
+                      <p:stCondLst>
+                        <p:cond delay="indefinite"/>
+                        <p:cond evt="onBegin" delay="0">
+                          <p:tn val="2"/>
+                        </p:cond>
+                      </p:stCondLst>
+                      <p:childTnLst>
+                        <p:par>
+                          <p:cTn id="4" fill="hold">
+                            <p:stCondLst>
+                              <p:cond delay="0"/>
+                            </p:stCondLst>
+                            <p:childTnLst>
+                              <p:par>
+                                <p:cTn id="5" presetID="10" presetClass="entr" presetSubtype="0" fill="hold" grpId="0" nodeType="afterEffect">
+                                  <p:stCondLst>
+                                    <p:cond delay="0"/>
+                                  </p:stCondLst>
+                                  <p:childTnLst>
+                                    <p:set>
+                                      <p:cBhvr>
+                                        <p:cTn id="6" dur="1" fill="hold">
+                                          <p:stCondLst>
+                                            <p:cond delay="0"/>
+                                          </p:stCondLst>
+                                        </p:cTn>
+                                        <p:tgtEl>
+                                          <p:spTgt spid="3"/>
+                                        </p:tgtEl>
+                                        <p:attrNameLst>
+                                          <p:attrName>style.visibility</p:attrName>
+                                        </p:attrNameLst>
+                                      </p:cBhvr>
+                                      <p:to>
+                                        <p:strVal val="visible"/>
+                                      </p:to>
+                                    </p:set>
+                                    <p:animEffect transition="in" filter="fade">
+                                      <p:cBhvr>
+                                        <p:cTn id="7" dur="500"/>
+                                        <p:tgtEl>
+                                          <p:spTgt spid="3"/>
+                                        </p:tgtEl>
+                                      </p:cBhvr>
+                                    </p:animEffect>
+                                  </p:childTnLst>
+                                </p:cTn>
+                              </p:par>
+                            </p:childTnLst>
+                          </p:cTn>
+                        </p:par>
+                        <p:par>
+                          <p:cTn id="8" fill="hold">
+                            <p:stCondLst>
+                              <p:cond delay="500"/>
+                            </p:stCondLst>
+                            <p:childTnLst>
+                              <p:par>
+                                <p:cTn id="9" presetID="10" presetClass="entr" presetSubtype="0" fill="hold" nodeType="afterEffect">
+                                  <p:stCondLst>
+                                    <p:cond delay="0"/>
+                                  </p:stCondLst>
+                                  <p:childTnLst>
+                                    <p:set>
+                                      <p:cBhvr>
+                                        <p:cTn id="10" dur="1" fill="hold">
+                                          <p:stCondLst>
+                                            <p:cond delay="0"/>
+                                          </p:stCondLst>
+                                        </p:cTn>
+                                        <p:tgtEl>
+                                          <p:spTgt spid="4"/>
+                                        </p:tgtEl>
+                                        <p:attrNameLst>
+                                          <p:attrName>style.visibility</p:attrName>
+                                        </p:attrNameLst>
+                                      </p:cBhvr>
+                                      <p:to>
+                                        <p:strVal val="visible"/>
+                                      </p:to>
+                                    </p:set>
+                                    <p:animEffect transition="in" filter="fade">
+                                      <p:cBhvr>
+                                        <p:cTn id="11" dur="500"/>
+                                        <p:tgtEl>
+                                          <p:spTgt spid="4"/>
+                                        </p:tgtEl>
+                                      </p:cBhvr>
+                                    </p:animEffect>
+                                  </p:childTnLst>
+                                </p:cTn>
+                              </p:par>
+                            </p:childTnLst>
+                          </p:cTn>
+                        </p:par>
+                      </p:childTnLst>
+                    </p:cTn>
+                  </p:par>
+                </p:childTnLst>
+              </p:cTn>
+              <p:prevCondLst>
+                <p:cond evt="onPrev" delay="0">
+                  <p:tgtEl>
+                    <p:sldTgt/>
+                  </p:tgtEl>
+                </p:cond>
+              </p:prevCondLst>
+              <p:nextCondLst>
+                <p:cond evt="onNext" delay="0">
+                  <p:tgtEl>
+                    <p:sldTgt/>
+                  </p:tgtEl>
+                </p:cond>
+              </p:nextCondLst>
+            </p:seq>
+          </p:childTnLst>
+        </p:cTn>
+      </p:par>
+    </p:tnLst>
+    <p:bldLst>
+      <p:bldGraphic spid="3" grpId="0">
+        <p:bldAsOne/>
+      </p:bldGraphic>
+    </p:bldLst>
+  </p:timing>
 </p:sld>
 </file>
 
@@ -15664,7 +16396,7 @@
     <p:bg>
       <p:bgPr>
         <a:blipFill rotWithShape="0">
-          <a:blip r:embed="rId2"/>
+          <a:blip r:embed="rId1"/>
           <a:stretch>
             <a:fillRect/>
           </a:stretch>
@@ -15711,6 +16443,7 @@
               <a:rPr lang="en-US" sz="3200"/>
               <a:t>Figure. GUI screenshot of the system</a:t>
             </a:r>
+            <a:endParaRPr lang="en-US" sz="3200"/>
           </a:p>
         </p:txBody>
       </p:sp>
@@ -15915,6 +16648,13 @@
               </a:rPr>
               <a:t>Data Visualization</a:t>
             </a:r>
+            <a:endParaRPr lang="en-US" altLang="zh-CN" sz="4400" b="1" dirty="0">
+              <a:solidFill>
+                <a:srgbClr val="404040"/>
+              </a:solidFill>
+              <a:latin typeface="Microsoft YaHei" panose="020B0503020204020204" pitchFamily="34" charset="-122"/>
+              <a:ea typeface="Microsoft YaHei" panose="020B0503020204020204" pitchFamily="34" charset="-122"/>
+            </a:endParaRPr>
           </a:p>
         </p:txBody>
       </p:sp>
@@ -15929,7 +16669,7 @@
           </p:nvPr>
         </p:nvPicPr>
         <p:blipFill>
-          <a:blip r:embed="rId3"/>
+          <a:blip r:embed="rId2"/>
           <a:stretch>
             <a:fillRect/>
           </a:stretch>
@@ -15949,6 +16689,9 @@
   <p:clrMapOvr>
     <a:masterClrMapping/>
   </p:clrMapOvr>
+  <p:transition>
+    <p:pull/>
+  </p:transition>
 </p:sld>
 </file>
 
@@ -15958,7 +16701,7 @@
     <p:bg>
       <p:bgPr>
         <a:blipFill rotWithShape="0">
-          <a:blip r:embed="rId2"/>
+          <a:blip r:embed="rId1"/>
           <a:stretch>
             <a:fillRect/>
           </a:stretch>
@@ -16153,8 +16896,8 @@
         </p:nvSpPr>
         <p:spPr>
           <a:xfrm>
-            <a:off x="803275" y="395288"/>
-            <a:ext cx="3149600" cy="460375"/>
+            <a:off x="803275" y="242888"/>
+            <a:ext cx="3149600" cy="768350"/>
           </a:xfrm>
           <a:prstGeom prst="rect">
             <a:avLst/>
@@ -16172,7 +16915,7 @@
           <a:p>
             <a:pPr eaLnBrk="1" hangingPunct="1"/>
             <a:r>
-              <a:rPr lang="en-US" altLang="zh-CN" sz="2400" b="1" dirty="0">
+              <a:rPr lang="en-US" altLang="zh-CN" sz="4400" b="1" dirty="0">
                 <a:solidFill>
                   <a:srgbClr val="404040"/>
                 </a:solidFill>
@@ -16181,6 +16924,13 @@
               </a:rPr>
               <a:t>Features</a:t>
             </a:r>
+            <a:endParaRPr lang="en-US" altLang="zh-CN" sz="4400" b="1" dirty="0">
+              <a:solidFill>
+                <a:srgbClr val="404040"/>
+              </a:solidFill>
+              <a:latin typeface="Microsoft YaHei" panose="020B0503020204020204" pitchFamily="34" charset="-122"/>
+              <a:ea typeface="Microsoft YaHei" panose="020B0503020204020204" pitchFamily="34" charset="-122"/>
+            </a:endParaRPr>
           </a:p>
         </p:txBody>
       </p:sp>
@@ -17213,6 +17963,13 @@
               </a:rPr>
               <a:t>Connection Safety</a:t>
             </a:r>
+            <a:endParaRPr lang="en-US" altLang="zh-CN" sz="3200" dirty="0">
+              <a:solidFill>
+                <a:srgbClr val="000000"/>
+              </a:solidFill>
+              <a:latin typeface="Microsoft YaHei" panose="020B0503020204020204" pitchFamily="34" charset="-122"/>
+              <a:ea typeface="Microsoft YaHei" panose="020B0503020204020204" pitchFamily="34" charset="-122"/>
+            </a:endParaRPr>
           </a:p>
         </p:txBody>
       </p:sp>
@@ -17252,6 +18009,13 @@
               </a:rPr>
               <a:t>Flexibility</a:t>
             </a:r>
+            <a:endParaRPr lang="en-US" altLang="zh-CN" sz="3200" dirty="0">
+              <a:solidFill>
+                <a:srgbClr val="000000"/>
+              </a:solidFill>
+              <a:latin typeface="Microsoft YaHei" panose="020B0503020204020204" pitchFamily="34" charset="-122"/>
+              <a:ea typeface="Microsoft YaHei" panose="020B0503020204020204" pitchFamily="34" charset="-122"/>
+            </a:endParaRPr>
           </a:p>
         </p:txBody>
       </p:sp>
@@ -17291,6 +18055,13 @@
               </a:rPr>
               <a:t>Expandability</a:t>
             </a:r>
+            <a:endParaRPr lang="en-US" altLang="zh-CN" sz="3200" dirty="0">
+              <a:solidFill>
+                <a:srgbClr val="000000"/>
+              </a:solidFill>
+              <a:latin typeface="Microsoft YaHei" panose="020B0503020204020204" pitchFamily="34" charset="-122"/>
+              <a:ea typeface="Microsoft YaHei" panose="020B0503020204020204" pitchFamily="34" charset="-122"/>
+            </a:endParaRPr>
           </a:p>
         </p:txBody>
       </p:sp>
@@ -17330,6 +18101,13 @@
               </a:rPr>
               <a:t>Deployability</a:t>
             </a:r>
+            <a:endParaRPr lang="en-US" altLang="zh-CN" sz="3200" dirty="0">
+              <a:solidFill>
+                <a:srgbClr val="000000"/>
+              </a:solidFill>
+              <a:latin typeface="Microsoft YaHei" panose="020B0503020204020204" pitchFamily="34" charset="-122"/>
+              <a:ea typeface="Microsoft YaHei" panose="020B0503020204020204" pitchFamily="34" charset="-122"/>
+            </a:endParaRPr>
           </a:p>
         </p:txBody>
       </p:sp>
@@ -17341,8 +18119,8 @@
         </p:nvSpPr>
         <p:spPr>
           <a:xfrm>
-            <a:off x="422275" y="3477260"/>
-            <a:ext cx="3399790" cy="583565"/>
+            <a:off x="117475" y="3477260"/>
+            <a:ext cx="3704590" cy="583565"/>
           </a:xfrm>
           <a:prstGeom prst="rect">
             <a:avLst/>
@@ -17367,8 +18145,15 @@
                 <a:latin typeface="Microsoft YaHei" panose="020B0503020204020204" pitchFamily="34" charset="-122"/>
                 <a:ea typeface="Microsoft YaHei" panose="020B0503020204020204" pitchFamily="34" charset="-122"/>
               </a:rPr>
-              <a:t>Energy-Efficient</a:t>
+              <a:t>Energy Efficiency</a:t>
             </a:r>
+            <a:endParaRPr lang="en-US" altLang="zh-CN" sz="3200" dirty="0">
+              <a:solidFill>
+                <a:srgbClr val="000000"/>
+              </a:solidFill>
+              <a:latin typeface="Microsoft YaHei" panose="020B0503020204020204" pitchFamily="34" charset="-122"/>
+              <a:ea typeface="Microsoft YaHei" panose="020B0503020204020204" pitchFamily="34" charset="-122"/>
+            </a:endParaRPr>
           </a:p>
         </p:txBody>
       </p:sp>
@@ -17408,6 +18193,13 @@
               </a:rPr>
               <a:t>Mass Data Processing</a:t>
             </a:r>
+            <a:endParaRPr lang="en-US" altLang="zh-CN" sz="3200" dirty="0">
+              <a:solidFill>
+                <a:srgbClr val="000000"/>
+              </a:solidFill>
+              <a:latin typeface="Microsoft YaHei" panose="020B0503020204020204" pitchFamily="34" charset="-122"/>
+              <a:ea typeface="Microsoft YaHei" panose="020B0503020204020204" pitchFamily="34" charset="-122"/>
+            </a:endParaRPr>
           </a:p>
         </p:txBody>
       </p:sp>
@@ -20766,6 +21558,323 @@
   <p:clrMapOvr>
     <a:masterClrMapping/>
   </p:clrMapOvr>
+  <p:transition>
+    <p:pull/>
+  </p:transition>
+  <p:timing>
+    <p:tnLst>
+      <p:par>
+        <p:cTn id="1" dur="indefinite" restart="never" nodeType="tmRoot">
+          <p:childTnLst>
+            <p:seq concurrent="1" nextAc="seek">
+              <p:cTn id="2" dur="indefinite" nodeType="mainSeq">
+                <p:childTnLst>
+                  <p:par>
+                    <p:cTn id="3" fill="hold">
+                      <p:stCondLst>
+                        <p:cond delay="indefinite"/>
+                        <p:cond evt="onBegin" delay="0">
+                          <p:tn val="2"/>
+                        </p:cond>
+                      </p:stCondLst>
+                      <p:childTnLst>
+                        <p:par>
+                          <p:cTn id="4" fill="hold">
+                            <p:stCondLst>
+                              <p:cond delay="0"/>
+                            </p:stCondLst>
+                            <p:childTnLst>
+                              <p:par>
+                                <p:cTn id="5" presetID="10" presetClass="entr" presetSubtype="0" fill="hold" grpId="0" nodeType="afterEffect">
+                                  <p:stCondLst>
+                                    <p:cond delay="0"/>
+                                  </p:stCondLst>
+                                  <p:childTnLst>
+                                    <p:set>
+                                      <p:cBhvr>
+                                        <p:cTn id="6" dur="1" fill="hold">
+                                          <p:stCondLst>
+                                            <p:cond delay="0"/>
+                                          </p:stCondLst>
+                                        </p:cTn>
+                                        <p:tgtEl>
+                                          <p:spTgt spid="30742"/>
+                                        </p:tgtEl>
+                                        <p:attrNameLst>
+                                          <p:attrName>style.visibility</p:attrName>
+                                        </p:attrNameLst>
+                                      </p:cBhvr>
+                                      <p:to>
+                                        <p:strVal val="visible"/>
+                                      </p:to>
+                                    </p:set>
+                                    <p:animEffect transition="in" filter="fade">
+                                      <p:cBhvr>
+                                        <p:cTn id="7" dur="500"/>
+                                        <p:tgtEl>
+                                          <p:spTgt spid="30742"/>
+                                        </p:tgtEl>
+                                      </p:cBhvr>
+                                    </p:animEffect>
+                                  </p:childTnLst>
+                                </p:cTn>
+                              </p:par>
+                            </p:childTnLst>
+                          </p:cTn>
+                        </p:par>
+                        <p:par>
+                          <p:cTn id="8" fill="hold">
+                            <p:stCondLst>
+                              <p:cond delay="500"/>
+                            </p:stCondLst>
+                            <p:childTnLst>
+                              <p:par>
+                                <p:cTn id="9" presetID="10" presetClass="entr" presetSubtype="0" fill="hold" grpId="0" nodeType="afterEffect">
+                                  <p:stCondLst>
+                                    <p:cond delay="5000"/>
+                                  </p:stCondLst>
+                                  <p:childTnLst>
+                                    <p:set>
+                                      <p:cBhvr>
+                                        <p:cTn id="10" dur="1" fill="hold">
+                                          <p:stCondLst>
+                                            <p:cond delay="0"/>
+                                          </p:stCondLst>
+                                        </p:cTn>
+                                        <p:tgtEl>
+                                          <p:spTgt spid="30746"/>
+                                        </p:tgtEl>
+                                        <p:attrNameLst>
+                                          <p:attrName>style.visibility</p:attrName>
+                                        </p:attrNameLst>
+                                      </p:cBhvr>
+                                      <p:to>
+                                        <p:strVal val="visible"/>
+                                      </p:to>
+                                    </p:set>
+                                    <p:animEffect transition="in" filter="fade">
+                                      <p:cBhvr>
+                                        <p:cTn id="11" dur="500"/>
+                                        <p:tgtEl>
+                                          <p:spTgt spid="30746"/>
+                                        </p:tgtEl>
+                                      </p:cBhvr>
+                                    </p:animEffect>
+                                  </p:childTnLst>
+                                </p:cTn>
+                              </p:par>
+                            </p:childTnLst>
+                          </p:cTn>
+                        </p:par>
+                        <p:par>
+                          <p:cTn id="12" fill="hold">
+                            <p:stCondLst>
+                              <p:cond delay="6000"/>
+                            </p:stCondLst>
+                            <p:childTnLst>
+                              <p:par>
+                                <p:cTn id="13" presetID="10" presetClass="entr" presetSubtype="0" fill="hold" grpId="0" nodeType="afterEffect">
+                                  <p:stCondLst>
+                                    <p:cond delay="7000"/>
+                                  </p:stCondLst>
+                                  <p:childTnLst>
+                                    <p:set>
+                                      <p:cBhvr>
+                                        <p:cTn id="14" dur="1" fill="hold">
+                                          <p:stCondLst>
+                                            <p:cond delay="0"/>
+                                          </p:stCondLst>
+                                        </p:cTn>
+                                        <p:tgtEl>
+                                          <p:spTgt spid="30740"/>
+                                        </p:tgtEl>
+                                        <p:attrNameLst>
+                                          <p:attrName>style.visibility</p:attrName>
+                                        </p:attrNameLst>
+                                      </p:cBhvr>
+                                      <p:to>
+                                        <p:strVal val="visible"/>
+                                      </p:to>
+                                    </p:set>
+                                    <p:animEffect transition="in" filter="fade">
+                                      <p:cBhvr>
+                                        <p:cTn id="15" dur="500"/>
+                                        <p:tgtEl>
+                                          <p:spTgt spid="30740"/>
+                                        </p:tgtEl>
+                                      </p:cBhvr>
+                                    </p:animEffect>
+                                  </p:childTnLst>
+                                </p:cTn>
+                              </p:par>
+                            </p:childTnLst>
+                          </p:cTn>
+                        </p:par>
+                        <p:par>
+                          <p:cTn id="16" fill="hold">
+                            <p:stCondLst>
+                              <p:cond delay="13500"/>
+                            </p:stCondLst>
+                            <p:childTnLst>
+                              <p:par>
+                                <p:cTn id="17" presetID="10" presetClass="entr" presetSubtype="0" fill="hold" grpId="0" nodeType="afterEffect">
+                                  <p:stCondLst>
+                                    <p:cond delay="8000"/>
+                                  </p:stCondLst>
+                                  <p:childTnLst>
+                                    <p:set>
+                                      <p:cBhvr>
+                                        <p:cTn id="18" dur="1" fill="hold">
+                                          <p:stCondLst>
+                                            <p:cond delay="0"/>
+                                          </p:stCondLst>
+                                        </p:cTn>
+                                        <p:tgtEl>
+                                          <p:spTgt spid="30748"/>
+                                        </p:tgtEl>
+                                        <p:attrNameLst>
+                                          <p:attrName>style.visibility</p:attrName>
+                                        </p:attrNameLst>
+                                      </p:cBhvr>
+                                      <p:to>
+                                        <p:strVal val="visible"/>
+                                      </p:to>
+                                    </p:set>
+                                    <p:animEffect transition="in" filter="fade">
+                                      <p:cBhvr>
+                                        <p:cTn id="19" dur="500"/>
+                                        <p:tgtEl>
+                                          <p:spTgt spid="30748"/>
+                                        </p:tgtEl>
+                                      </p:cBhvr>
+                                    </p:animEffect>
+                                  </p:childTnLst>
+                                </p:cTn>
+                              </p:par>
+                            </p:childTnLst>
+                          </p:cTn>
+                        </p:par>
+                        <p:par>
+                          <p:cTn id="20" fill="hold">
+                            <p:stCondLst>
+                              <p:cond delay="22000"/>
+                            </p:stCondLst>
+                            <p:childTnLst>
+                              <p:par>
+                                <p:cTn id="21" presetID="10" presetClass="entr" presetSubtype="0" fill="hold" grpId="0" nodeType="afterEffect">
+                                  <p:stCondLst>
+                                    <p:cond delay="5000"/>
+                                  </p:stCondLst>
+                                  <p:childTnLst>
+                                    <p:set>
+                                      <p:cBhvr>
+                                        <p:cTn id="22" dur="1" fill="hold">
+                                          <p:stCondLst>
+                                            <p:cond delay="0"/>
+                                          </p:stCondLst>
+                                        </p:cTn>
+                                        <p:tgtEl>
+                                          <p:spTgt spid="30738"/>
+                                        </p:tgtEl>
+                                        <p:attrNameLst>
+                                          <p:attrName>style.visibility</p:attrName>
+                                        </p:attrNameLst>
+                                      </p:cBhvr>
+                                      <p:to>
+                                        <p:strVal val="visible"/>
+                                      </p:to>
+                                    </p:set>
+                                    <p:animEffect transition="in" filter="fade">
+                                      <p:cBhvr>
+                                        <p:cTn id="23" dur="500"/>
+                                        <p:tgtEl>
+                                          <p:spTgt spid="30738"/>
+                                        </p:tgtEl>
+                                      </p:cBhvr>
+                                    </p:animEffect>
+                                  </p:childTnLst>
+                                </p:cTn>
+                              </p:par>
+                            </p:childTnLst>
+                          </p:cTn>
+                        </p:par>
+                        <p:par>
+                          <p:cTn id="24" fill="hold">
+                            <p:stCondLst>
+                              <p:cond delay="27500"/>
+                            </p:stCondLst>
+                            <p:childTnLst>
+                              <p:par>
+                                <p:cTn id="25" presetID="10" presetClass="entr" presetSubtype="0" fill="hold" grpId="0" nodeType="afterEffect">
+                                  <p:stCondLst>
+                                    <p:cond delay="5000"/>
+                                  </p:stCondLst>
+                                  <p:childTnLst>
+                                    <p:set>
+                                      <p:cBhvr>
+                                        <p:cTn id="26" dur="1" fill="hold">
+                                          <p:stCondLst>
+                                            <p:cond delay="0"/>
+                                          </p:stCondLst>
+                                        </p:cTn>
+                                        <p:tgtEl>
+                                          <p:spTgt spid="30744"/>
+                                        </p:tgtEl>
+                                        <p:attrNameLst>
+                                          <p:attrName>style.visibility</p:attrName>
+                                        </p:attrNameLst>
+                                      </p:cBhvr>
+                                      <p:to>
+                                        <p:strVal val="visible"/>
+                                      </p:to>
+                                    </p:set>
+                                    <p:animEffect transition="in" filter="fade">
+                                      <p:cBhvr>
+                                        <p:cTn id="27" dur="500"/>
+                                        <p:tgtEl>
+                                          <p:spTgt spid="30744"/>
+                                        </p:tgtEl>
+                                      </p:cBhvr>
+                                    </p:animEffect>
+                                  </p:childTnLst>
+                                </p:cTn>
+                              </p:par>
+                            </p:childTnLst>
+                          </p:cTn>
+                        </p:par>
+                      </p:childTnLst>
+                    </p:cTn>
+                  </p:par>
+                </p:childTnLst>
+              </p:cTn>
+              <p:prevCondLst>
+                <p:cond evt="onPrev" delay="0">
+                  <p:tgtEl>
+                    <p:sldTgt/>
+                  </p:tgtEl>
+                </p:cond>
+              </p:prevCondLst>
+              <p:nextCondLst>
+                <p:cond evt="onNext" delay="0">
+                  <p:tgtEl>
+                    <p:sldTgt/>
+                  </p:tgtEl>
+                </p:cond>
+              </p:nextCondLst>
+            </p:seq>
+          </p:childTnLst>
+        </p:cTn>
+      </p:par>
+    </p:tnLst>
+    <p:bldLst>
+      <p:bldP spid="30748" grpId="0"/>
+      <p:bldP spid="30746" grpId="0"/>
+      <p:bldP spid="30744" grpId="0"/>
+      <p:bldP spid="30742" grpId="0"/>
+      <p:bldP spid="30740" grpId="0"/>
+      <p:bldP spid="30738" grpId="0"/>
+    </p:bldLst>
+  </p:timing>
 </p:sld>
 </file>
 
@@ -21017,6 +22126,13 @@
               </a:rPr>
               <a:t>Mass Data Handling Performance</a:t>
             </a:r>
+            <a:endParaRPr lang="en-US" altLang="zh-CN" sz="4400" b="1" dirty="0">
+              <a:solidFill>
+                <a:srgbClr val="404040"/>
+              </a:solidFill>
+              <a:latin typeface="Microsoft YaHei" panose="020B0503020204020204" pitchFamily="34" charset="-122"/>
+              <a:ea typeface="Microsoft YaHei" panose="020B0503020204020204" pitchFamily="34" charset="-122"/>
+            </a:endParaRPr>
           </a:p>
         </p:txBody>
       </p:sp>
@@ -21036,7 +22152,7 @@
         </p:xfrm>
         <a:graphic>
           <a:graphicData uri="http://schemas.openxmlformats.org/drawingml/2006/chart">
-            <c:chart xmlns:c="http://schemas.openxmlformats.org/drawingml/2006/chart" xmlns:r="http://schemas.openxmlformats.org/officeDocument/2006/relationships" r:id="rId3"/>
+            <c:chart xmlns:c="http://schemas.openxmlformats.org/drawingml/2006/chart" xmlns:r="http://schemas.openxmlformats.org/officeDocument/2006/relationships" r:id="rId1"/>
           </a:graphicData>
         </a:graphic>
       </p:graphicFrame>
@@ -21045,6 +22161,734 @@
   <p:clrMapOvr>
     <a:masterClrMapping/>
   </p:clrMapOvr>
+  <p:transition>
+    <p:pull/>
+  </p:transition>
+  <p:timing>
+    <p:tnLst>
+      <p:par>
+        <p:cTn id="1" dur="indefinite" restart="never" nodeType="tmRoot">
+          <p:childTnLst>
+            <p:seq concurrent="1" nextAc="seek">
+              <p:cTn id="2" dur="indefinite" nodeType="mainSeq">
+                <p:childTnLst>
+                  <p:par>
+                    <p:cTn id="3" fill="hold">
+                      <p:stCondLst>
+                        <p:cond delay="indefinite"/>
+                        <p:cond evt="onBegin" delay="0">
+                          <p:tn val="2"/>
+                        </p:cond>
+                      </p:stCondLst>
+                      <p:childTnLst>
+                        <p:par>
+                          <p:cTn id="4" fill="hold">
+                            <p:stCondLst>
+                              <p:cond delay="0"/>
+                            </p:stCondLst>
+                            <p:childTnLst>
+                              <p:par>
+                                <p:cTn id="5" presetID="22" presetClass="entr" presetSubtype="4" fill="hold" grpId="0" nodeType="afterEffect">
+                                  <p:stCondLst>
+                                    <p:cond delay="0"/>
+                                  </p:stCondLst>
+                                  <p:childTnLst>
+                                    <p:set>
+                                      <p:cBhvr>
+                                        <p:cTn id="6" dur="1" fill="hold">
+                                          <p:stCondLst>
+                                            <p:cond delay="0"/>
+                                          </p:stCondLst>
+                                        </p:cTn>
+                                        <p:tgtEl>
+                                          <p:spTgt spid="3">
+                                            <p:graphicEl>
+                                              <a:chart seriesIdx="-3" categoryIdx="-3" bldStep="gridLegend"/>
+                                            </p:graphicEl>
+                                          </p:spTgt>
+                                        </p:tgtEl>
+                                        <p:attrNameLst>
+                                          <p:attrName>style.visibility</p:attrName>
+                                        </p:attrNameLst>
+                                      </p:cBhvr>
+                                      <p:to>
+                                        <p:strVal val="visible"/>
+                                      </p:to>
+                                    </p:set>
+                                    <p:animEffect transition="in" filter="wipe(down)">
+                                      <p:cBhvr>
+                                        <p:cTn id="7" dur="500"/>
+                                        <p:tgtEl>
+                                          <p:spTgt spid="3">
+                                            <p:graphicEl>
+                                              <a:chart seriesIdx="-3" categoryIdx="-3" bldStep="gridLegend"/>
+                                            </p:graphicEl>
+                                          </p:spTgt>
+                                        </p:tgtEl>
+                                      </p:cBhvr>
+                                    </p:animEffect>
+                                  </p:childTnLst>
+                                </p:cTn>
+                              </p:par>
+                            </p:childTnLst>
+                          </p:cTn>
+                        </p:par>
+                        <p:par>
+                          <p:cTn id="8" fill="hold">
+                            <p:stCondLst>
+                              <p:cond delay="500"/>
+                            </p:stCondLst>
+                            <p:childTnLst>
+                              <p:par>
+                                <p:cTn id="9" presetID="22" presetClass="entr" presetSubtype="4" fill="hold" grpId="0" nodeType="afterEffect">
+                                  <p:stCondLst>
+                                    <p:cond delay="0"/>
+                                  </p:stCondLst>
+                                  <p:childTnLst>
+                                    <p:set>
+                                      <p:cBhvr>
+                                        <p:cTn id="10" dur="1" fill="hold">
+                                          <p:stCondLst>
+                                            <p:cond delay="0"/>
+                                          </p:stCondLst>
+                                        </p:cTn>
+                                        <p:tgtEl>
+                                          <p:spTgt spid="3">
+                                            <p:graphicEl>
+                                              <a:chart seriesIdx="0" categoryIdx="0" bldStep="ptInCategory"/>
+                                            </p:graphicEl>
+                                          </p:spTgt>
+                                        </p:tgtEl>
+                                        <p:attrNameLst>
+                                          <p:attrName>style.visibility</p:attrName>
+                                        </p:attrNameLst>
+                                      </p:cBhvr>
+                                      <p:to>
+                                        <p:strVal val="visible"/>
+                                      </p:to>
+                                    </p:set>
+                                    <p:animEffect transition="in" filter="wipe(down)">
+                                      <p:cBhvr>
+                                        <p:cTn id="11" dur="500"/>
+                                        <p:tgtEl>
+                                          <p:spTgt spid="3">
+                                            <p:graphicEl>
+                                              <a:chart seriesIdx="0" categoryIdx="0" bldStep="ptInCategory"/>
+                                            </p:graphicEl>
+                                          </p:spTgt>
+                                        </p:tgtEl>
+                                      </p:cBhvr>
+                                    </p:animEffect>
+                                  </p:childTnLst>
+                                </p:cTn>
+                              </p:par>
+                            </p:childTnLst>
+                          </p:cTn>
+                        </p:par>
+                        <p:par>
+                          <p:cTn id="12" fill="hold">
+                            <p:stCondLst>
+                              <p:cond delay="1000"/>
+                            </p:stCondLst>
+                            <p:childTnLst>
+                              <p:par>
+                                <p:cTn id="13" presetID="22" presetClass="entr" presetSubtype="4" fill="hold" grpId="0" nodeType="afterEffect">
+                                  <p:stCondLst>
+                                    <p:cond delay="0"/>
+                                  </p:stCondLst>
+                                  <p:childTnLst>
+                                    <p:set>
+                                      <p:cBhvr>
+                                        <p:cTn id="14" dur="1" fill="hold">
+                                          <p:stCondLst>
+                                            <p:cond delay="0"/>
+                                          </p:stCondLst>
+                                        </p:cTn>
+                                        <p:tgtEl>
+                                          <p:spTgt spid="3">
+                                            <p:graphicEl>
+                                              <a:chart seriesIdx="1" categoryIdx="0" bldStep="ptInCategory"/>
+                                            </p:graphicEl>
+                                          </p:spTgt>
+                                        </p:tgtEl>
+                                        <p:attrNameLst>
+                                          <p:attrName>style.visibility</p:attrName>
+                                        </p:attrNameLst>
+                                      </p:cBhvr>
+                                      <p:to>
+                                        <p:strVal val="visible"/>
+                                      </p:to>
+                                    </p:set>
+                                    <p:animEffect transition="in" filter="wipe(down)">
+                                      <p:cBhvr>
+                                        <p:cTn id="15" dur="500"/>
+                                        <p:tgtEl>
+                                          <p:spTgt spid="3">
+                                            <p:graphicEl>
+                                              <a:chart seriesIdx="1" categoryIdx="0" bldStep="ptInCategory"/>
+                                            </p:graphicEl>
+                                          </p:spTgt>
+                                        </p:tgtEl>
+                                      </p:cBhvr>
+                                    </p:animEffect>
+                                  </p:childTnLst>
+                                </p:cTn>
+                              </p:par>
+                            </p:childTnLst>
+                          </p:cTn>
+                        </p:par>
+                        <p:par>
+                          <p:cTn id="16" fill="hold">
+                            <p:stCondLst>
+                              <p:cond delay="1500"/>
+                            </p:stCondLst>
+                            <p:childTnLst>
+                              <p:par>
+                                <p:cTn id="17" presetID="22" presetClass="entr" presetSubtype="4" fill="hold" grpId="0" nodeType="afterEffect">
+                                  <p:stCondLst>
+                                    <p:cond delay="0"/>
+                                  </p:stCondLst>
+                                  <p:childTnLst>
+                                    <p:set>
+                                      <p:cBhvr>
+                                        <p:cTn id="18" dur="1" fill="hold">
+                                          <p:stCondLst>
+                                            <p:cond delay="0"/>
+                                          </p:stCondLst>
+                                        </p:cTn>
+                                        <p:tgtEl>
+                                          <p:spTgt spid="3">
+                                            <p:graphicEl>
+                                              <a:chart seriesIdx="2" categoryIdx="0" bldStep="ptInCategory"/>
+                                            </p:graphicEl>
+                                          </p:spTgt>
+                                        </p:tgtEl>
+                                        <p:attrNameLst>
+                                          <p:attrName>style.visibility</p:attrName>
+                                        </p:attrNameLst>
+                                      </p:cBhvr>
+                                      <p:to>
+                                        <p:strVal val="visible"/>
+                                      </p:to>
+                                    </p:set>
+                                    <p:animEffect transition="in" filter="wipe(down)">
+                                      <p:cBhvr>
+                                        <p:cTn id="19" dur="500"/>
+                                        <p:tgtEl>
+                                          <p:spTgt spid="3">
+                                            <p:graphicEl>
+                                              <a:chart seriesIdx="2" categoryIdx="0" bldStep="ptInCategory"/>
+                                            </p:graphicEl>
+                                          </p:spTgt>
+                                        </p:tgtEl>
+                                      </p:cBhvr>
+                                    </p:animEffect>
+                                  </p:childTnLst>
+                                </p:cTn>
+                              </p:par>
+                            </p:childTnLst>
+                          </p:cTn>
+                        </p:par>
+                        <p:par>
+                          <p:cTn id="20" fill="hold">
+                            <p:stCondLst>
+                              <p:cond delay="2000"/>
+                            </p:stCondLst>
+                            <p:childTnLst>
+                              <p:par>
+                                <p:cTn id="21" presetID="22" presetClass="entr" presetSubtype="4" fill="hold" grpId="0" nodeType="afterEffect">
+                                  <p:stCondLst>
+                                    <p:cond delay="0"/>
+                                  </p:stCondLst>
+                                  <p:childTnLst>
+                                    <p:set>
+                                      <p:cBhvr>
+                                        <p:cTn id="22" dur="1" fill="hold">
+                                          <p:stCondLst>
+                                            <p:cond delay="0"/>
+                                          </p:stCondLst>
+                                        </p:cTn>
+                                        <p:tgtEl>
+                                          <p:spTgt spid="3">
+                                            <p:graphicEl>
+                                              <a:chart seriesIdx="0" categoryIdx="1" bldStep="ptInCategory"/>
+                                            </p:graphicEl>
+                                          </p:spTgt>
+                                        </p:tgtEl>
+                                        <p:attrNameLst>
+                                          <p:attrName>style.visibility</p:attrName>
+                                        </p:attrNameLst>
+                                      </p:cBhvr>
+                                      <p:to>
+                                        <p:strVal val="visible"/>
+                                      </p:to>
+                                    </p:set>
+                                    <p:animEffect transition="in" filter="wipe(down)">
+                                      <p:cBhvr>
+                                        <p:cTn id="23" dur="500"/>
+                                        <p:tgtEl>
+                                          <p:spTgt spid="3">
+                                            <p:graphicEl>
+                                              <a:chart seriesIdx="0" categoryIdx="1" bldStep="ptInCategory"/>
+                                            </p:graphicEl>
+                                          </p:spTgt>
+                                        </p:tgtEl>
+                                      </p:cBhvr>
+                                    </p:animEffect>
+                                  </p:childTnLst>
+                                </p:cTn>
+                              </p:par>
+                            </p:childTnLst>
+                          </p:cTn>
+                        </p:par>
+                        <p:par>
+                          <p:cTn id="24" fill="hold">
+                            <p:stCondLst>
+                              <p:cond delay="2500"/>
+                            </p:stCondLst>
+                            <p:childTnLst>
+                              <p:par>
+                                <p:cTn id="25" presetID="22" presetClass="entr" presetSubtype="4" fill="hold" grpId="0" nodeType="afterEffect">
+                                  <p:stCondLst>
+                                    <p:cond delay="0"/>
+                                  </p:stCondLst>
+                                  <p:childTnLst>
+                                    <p:set>
+                                      <p:cBhvr>
+                                        <p:cTn id="26" dur="1" fill="hold">
+                                          <p:stCondLst>
+                                            <p:cond delay="0"/>
+                                          </p:stCondLst>
+                                        </p:cTn>
+                                        <p:tgtEl>
+                                          <p:spTgt spid="3">
+                                            <p:graphicEl>
+                                              <a:chart seriesIdx="1" categoryIdx="1" bldStep="ptInCategory"/>
+                                            </p:graphicEl>
+                                          </p:spTgt>
+                                        </p:tgtEl>
+                                        <p:attrNameLst>
+                                          <p:attrName>style.visibility</p:attrName>
+                                        </p:attrNameLst>
+                                      </p:cBhvr>
+                                      <p:to>
+                                        <p:strVal val="visible"/>
+                                      </p:to>
+                                    </p:set>
+                                    <p:animEffect transition="in" filter="wipe(down)">
+                                      <p:cBhvr>
+                                        <p:cTn id="27" dur="500"/>
+                                        <p:tgtEl>
+                                          <p:spTgt spid="3">
+                                            <p:graphicEl>
+                                              <a:chart seriesIdx="1" categoryIdx="1" bldStep="ptInCategory"/>
+                                            </p:graphicEl>
+                                          </p:spTgt>
+                                        </p:tgtEl>
+                                      </p:cBhvr>
+                                    </p:animEffect>
+                                  </p:childTnLst>
+                                </p:cTn>
+                              </p:par>
+                            </p:childTnLst>
+                          </p:cTn>
+                        </p:par>
+                        <p:par>
+                          <p:cTn id="28" fill="hold">
+                            <p:stCondLst>
+                              <p:cond delay="3000"/>
+                            </p:stCondLst>
+                            <p:childTnLst>
+                              <p:par>
+                                <p:cTn id="29" presetID="22" presetClass="entr" presetSubtype="4" fill="hold" grpId="0" nodeType="afterEffect">
+                                  <p:stCondLst>
+                                    <p:cond delay="0"/>
+                                  </p:stCondLst>
+                                  <p:childTnLst>
+                                    <p:set>
+                                      <p:cBhvr>
+                                        <p:cTn id="30" dur="1" fill="hold">
+                                          <p:stCondLst>
+                                            <p:cond delay="0"/>
+                                          </p:stCondLst>
+                                        </p:cTn>
+                                        <p:tgtEl>
+                                          <p:spTgt spid="3">
+                                            <p:graphicEl>
+                                              <a:chart seriesIdx="2" categoryIdx="1" bldStep="ptInCategory"/>
+                                            </p:graphicEl>
+                                          </p:spTgt>
+                                        </p:tgtEl>
+                                        <p:attrNameLst>
+                                          <p:attrName>style.visibility</p:attrName>
+                                        </p:attrNameLst>
+                                      </p:cBhvr>
+                                      <p:to>
+                                        <p:strVal val="visible"/>
+                                      </p:to>
+                                    </p:set>
+                                    <p:animEffect transition="in" filter="wipe(down)">
+                                      <p:cBhvr>
+                                        <p:cTn id="31" dur="500"/>
+                                        <p:tgtEl>
+                                          <p:spTgt spid="3">
+                                            <p:graphicEl>
+                                              <a:chart seriesIdx="2" categoryIdx="1" bldStep="ptInCategory"/>
+                                            </p:graphicEl>
+                                          </p:spTgt>
+                                        </p:tgtEl>
+                                      </p:cBhvr>
+                                    </p:animEffect>
+                                  </p:childTnLst>
+                                </p:cTn>
+                              </p:par>
+                            </p:childTnLst>
+                          </p:cTn>
+                        </p:par>
+                        <p:par>
+                          <p:cTn id="32" fill="hold">
+                            <p:stCondLst>
+                              <p:cond delay="3500"/>
+                            </p:stCondLst>
+                            <p:childTnLst>
+                              <p:par>
+                                <p:cTn id="33" presetID="22" presetClass="entr" presetSubtype="4" fill="hold" grpId="0" nodeType="afterEffect">
+                                  <p:stCondLst>
+                                    <p:cond delay="0"/>
+                                  </p:stCondLst>
+                                  <p:childTnLst>
+                                    <p:set>
+                                      <p:cBhvr>
+                                        <p:cTn id="34" dur="1" fill="hold">
+                                          <p:stCondLst>
+                                            <p:cond delay="0"/>
+                                          </p:stCondLst>
+                                        </p:cTn>
+                                        <p:tgtEl>
+                                          <p:spTgt spid="3">
+                                            <p:graphicEl>
+                                              <a:chart seriesIdx="0" categoryIdx="2" bldStep="ptInCategory"/>
+                                            </p:graphicEl>
+                                          </p:spTgt>
+                                        </p:tgtEl>
+                                        <p:attrNameLst>
+                                          <p:attrName>style.visibility</p:attrName>
+                                        </p:attrNameLst>
+                                      </p:cBhvr>
+                                      <p:to>
+                                        <p:strVal val="visible"/>
+                                      </p:to>
+                                    </p:set>
+                                    <p:animEffect transition="in" filter="wipe(down)">
+                                      <p:cBhvr>
+                                        <p:cTn id="35" dur="500"/>
+                                        <p:tgtEl>
+                                          <p:spTgt spid="3">
+                                            <p:graphicEl>
+                                              <a:chart seriesIdx="0" categoryIdx="2" bldStep="ptInCategory"/>
+                                            </p:graphicEl>
+                                          </p:spTgt>
+                                        </p:tgtEl>
+                                      </p:cBhvr>
+                                    </p:animEffect>
+                                  </p:childTnLst>
+                                </p:cTn>
+                              </p:par>
+                            </p:childTnLst>
+                          </p:cTn>
+                        </p:par>
+                        <p:par>
+                          <p:cTn id="36" fill="hold">
+                            <p:stCondLst>
+                              <p:cond delay="4000"/>
+                            </p:stCondLst>
+                            <p:childTnLst>
+                              <p:par>
+                                <p:cTn id="37" presetID="22" presetClass="entr" presetSubtype="4" fill="hold" grpId="0" nodeType="afterEffect">
+                                  <p:stCondLst>
+                                    <p:cond delay="0"/>
+                                  </p:stCondLst>
+                                  <p:childTnLst>
+                                    <p:set>
+                                      <p:cBhvr>
+                                        <p:cTn id="38" dur="1" fill="hold">
+                                          <p:stCondLst>
+                                            <p:cond delay="0"/>
+                                          </p:stCondLst>
+                                        </p:cTn>
+                                        <p:tgtEl>
+                                          <p:spTgt spid="3">
+                                            <p:graphicEl>
+                                              <a:chart seriesIdx="1" categoryIdx="2" bldStep="ptInCategory"/>
+                                            </p:graphicEl>
+                                          </p:spTgt>
+                                        </p:tgtEl>
+                                        <p:attrNameLst>
+                                          <p:attrName>style.visibility</p:attrName>
+                                        </p:attrNameLst>
+                                      </p:cBhvr>
+                                      <p:to>
+                                        <p:strVal val="visible"/>
+                                      </p:to>
+                                    </p:set>
+                                    <p:animEffect transition="in" filter="wipe(down)">
+                                      <p:cBhvr>
+                                        <p:cTn id="39" dur="500"/>
+                                        <p:tgtEl>
+                                          <p:spTgt spid="3">
+                                            <p:graphicEl>
+                                              <a:chart seriesIdx="1" categoryIdx="2" bldStep="ptInCategory"/>
+                                            </p:graphicEl>
+                                          </p:spTgt>
+                                        </p:tgtEl>
+                                      </p:cBhvr>
+                                    </p:animEffect>
+                                  </p:childTnLst>
+                                </p:cTn>
+                              </p:par>
+                            </p:childTnLst>
+                          </p:cTn>
+                        </p:par>
+                        <p:par>
+                          <p:cTn id="40" fill="hold">
+                            <p:stCondLst>
+                              <p:cond delay="4500"/>
+                            </p:stCondLst>
+                            <p:childTnLst>
+                              <p:par>
+                                <p:cTn id="41" presetID="22" presetClass="entr" presetSubtype="4" fill="hold" grpId="0" nodeType="afterEffect">
+                                  <p:stCondLst>
+                                    <p:cond delay="0"/>
+                                  </p:stCondLst>
+                                  <p:childTnLst>
+                                    <p:set>
+                                      <p:cBhvr>
+                                        <p:cTn id="42" dur="1" fill="hold">
+                                          <p:stCondLst>
+                                            <p:cond delay="0"/>
+                                          </p:stCondLst>
+                                        </p:cTn>
+                                        <p:tgtEl>
+                                          <p:spTgt spid="3">
+                                            <p:graphicEl>
+                                              <a:chart seriesIdx="2" categoryIdx="2" bldStep="ptInCategory"/>
+                                            </p:graphicEl>
+                                          </p:spTgt>
+                                        </p:tgtEl>
+                                        <p:attrNameLst>
+                                          <p:attrName>style.visibility</p:attrName>
+                                        </p:attrNameLst>
+                                      </p:cBhvr>
+                                      <p:to>
+                                        <p:strVal val="visible"/>
+                                      </p:to>
+                                    </p:set>
+                                    <p:animEffect transition="in" filter="wipe(down)">
+                                      <p:cBhvr>
+                                        <p:cTn id="43" dur="500"/>
+                                        <p:tgtEl>
+                                          <p:spTgt spid="3">
+                                            <p:graphicEl>
+                                              <a:chart seriesIdx="2" categoryIdx="2" bldStep="ptInCategory"/>
+                                            </p:graphicEl>
+                                          </p:spTgt>
+                                        </p:tgtEl>
+                                      </p:cBhvr>
+                                    </p:animEffect>
+                                  </p:childTnLst>
+                                </p:cTn>
+                              </p:par>
+                            </p:childTnLst>
+                          </p:cTn>
+                        </p:par>
+                        <p:par>
+                          <p:cTn id="44" fill="hold">
+                            <p:stCondLst>
+                              <p:cond delay="5000"/>
+                            </p:stCondLst>
+                            <p:childTnLst>
+                              <p:par>
+                                <p:cTn id="45" presetID="22" presetClass="entr" presetSubtype="4" fill="hold" grpId="0" nodeType="afterEffect">
+                                  <p:stCondLst>
+                                    <p:cond delay="0"/>
+                                  </p:stCondLst>
+                                  <p:childTnLst>
+                                    <p:set>
+                                      <p:cBhvr>
+                                        <p:cTn id="46" dur="1" fill="hold">
+                                          <p:stCondLst>
+                                            <p:cond delay="0"/>
+                                          </p:stCondLst>
+                                        </p:cTn>
+                                        <p:tgtEl>
+                                          <p:spTgt spid="3">
+                                            <p:graphicEl>
+                                              <a:chart seriesIdx="0" categoryIdx="3" bldStep="ptInCategory"/>
+                                            </p:graphicEl>
+                                          </p:spTgt>
+                                        </p:tgtEl>
+                                        <p:attrNameLst>
+                                          <p:attrName>style.visibility</p:attrName>
+                                        </p:attrNameLst>
+                                      </p:cBhvr>
+                                      <p:to>
+                                        <p:strVal val="visible"/>
+                                      </p:to>
+                                    </p:set>
+                                    <p:animEffect transition="in" filter="wipe(down)">
+                                      <p:cBhvr>
+                                        <p:cTn id="47" dur="500"/>
+                                        <p:tgtEl>
+                                          <p:spTgt spid="3">
+                                            <p:graphicEl>
+                                              <a:chart seriesIdx="0" categoryIdx="3" bldStep="ptInCategory"/>
+                                            </p:graphicEl>
+                                          </p:spTgt>
+                                        </p:tgtEl>
+                                      </p:cBhvr>
+                                    </p:animEffect>
+                                  </p:childTnLst>
+                                </p:cTn>
+                              </p:par>
+                            </p:childTnLst>
+                          </p:cTn>
+                        </p:par>
+                        <p:par>
+                          <p:cTn id="48" fill="hold">
+                            <p:stCondLst>
+                              <p:cond delay="5500"/>
+                            </p:stCondLst>
+                            <p:childTnLst>
+                              <p:par>
+                                <p:cTn id="49" presetID="22" presetClass="entr" presetSubtype="4" fill="hold" grpId="0" nodeType="afterEffect">
+                                  <p:stCondLst>
+                                    <p:cond delay="0"/>
+                                  </p:stCondLst>
+                                  <p:childTnLst>
+                                    <p:set>
+                                      <p:cBhvr>
+                                        <p:cTn id="50" dur="1" fill="hold">
+                                          <p:stCondLst>
+                                            <p:cond delay="0"/>
+                                          </p:stCondLst>
+                                        </p:cTn>
+                                        <p:tgtEl>
+                                          <p:spTgt spid="3">
+                                            <p:graphicEl>
+                                              <a:chart seriesIdx="1" categoryIdx="3" bldStep="ptInCategory"/>
+                                            </p:graphicEl>
+                                          </p:spTgt>
+                                        </p:tgtEl>
+                                        <p:attrNameLst>
+                                          <p:attrName>style.visibility</p:attrName>
+                                        </p:attrNameLst>
+                                      </p:cBhvr>
+                                      <p:to>
+                                        <p:strVal val="visible"/>
+                                      </p:to>
+                                    </p:set>
+                                    <p:animEffect transition="in" filter="wipe(down)">
+                                      <p:cBhvr>
+                                        <p:cTn id="51" dur="500"/>
+                                        <p:tgtEl>
+                                          <p:spTgt spid="3">
+                                            <p:graphicEl>
+                                              <a:chart seriesIdx="1" categoryIdx="3" bldStep="ptInCategory"/>
+                                            </p:graphicEl>
+                                          </p:spTgt>
+                                        </p:tgtEl>
+                                      </p:cBhvr>
+                                    </p:animEffect>
+                                  </p:childTnLst>
+                                </p:cTn>
+                              </p:par>
+                            </p:childTnLst>
+                          </p:cTn>
+                        </p:par>
+                        <p:par>
+                          <p:cTn id="52" fill="hold">
+                            <p:stCondLst>
+                              <p:cond delay="6000"/>
+                            </p:stCondLst>
+                            <p:childTnLst>
+                              <p:par>
+                                <p:cTn id="53" presetID="22" presetClass="entr" presetSubtype="4" fill="hold" grpId="0" nodeType="afterEffect">
+                                  <p:stCondLst>
+                                    <p:cond delay="0"/>
+                                  </p:stCondLst>
+                                  <p:childTnLst>
+                                    <p:set>
+                                      <p:cBhvr>
+                                        <p:cTn id="54" dur="1" fill="hold">
+                                          <p:stCondLst>
+                                            <p:cond delay="0"/>
+                                          </p:stCondLst>
+                                        </p:cTn>
+                                        <p:tgtEl>
+                                          <p:spTgt spid="3">
+                                            <p:graphicEl>
+                                              <a:chart seriesIdx="2" categoryIdx="3" bldStep="ptInCategory"/>
+                                            </p:graphicEl>
+                                          </p:spTgt>
+                                        </p:tgtEl>
+                                        <p:attrNameLst>
+                                          <p:attrName>style.visibility</p:attrName>
+                                        </p:attrNameLst>
+                                      </p:cBhvr>
+                                      <p:to>
+                                        <p:strVal val="visible"/>
+                                      </p:to>
+                                    </p:set>
+                                    <p:animEffect transition="in" filter="wipe(down)">
+                                      <p:cBhvr>
+                                        <p:cTn id="55" dur="500"/>
+                                        <p:tgtEl>
+                                          <p:spTgt spid="3">
+                                            <p:graphicEl>
+                                              <a:chart seriesIdx="2" categoryIdx="3" bldStep="ptInCategory"/>
+                                            </p:graphicEl>
+                                          </p:spTgt>
+                                        </p:tgtEl>
+                                      </p:cBhvr>
+                                    </p:animEffect>
+                                  </p:childTnLst>
+                                </p:cTn>
+                              </p:par>
+                            </p:childTnLst>
+                          </p:cTn>
+                        </p:par>
+                      </p:childTnLst>
+                    </p:cTn>
+                  </p:par>
+                </p:childTnLst>
+              </p:cTn>
+              <p:prevCondLst>
+                <p:cond evt="onPrev" delay="0">
+                  <p:tgtEl>
+                    <p:sldTgt/>
+                  </p:tgtEl>
+                </p:cond>
+              </p:prevCondLst>
+              <p:nextCondLst>
+                <p:cond evt="onNext" delay="0">
+                  <p:tgtEl>
+                    <p:sldTgt/>
+                  </p:tgtEl>
+                </p:cond>
+              </p:nextCondLst>
+            </p:seq>
+          </p:childTnLst>
+        </p:cTn>
+      </p:par>
+    </p:tnLst>
+    <p:bldLst>
+      <p:bldGraphic spid="3" grpId="0">
+        <p:bldSub>
+          <a:bldChart bld="categoryEl"/>
+        </p:bldSub>
+      </p:bldGraphic>
+    </p:bldLst>
+  </p:timing>
 </p:sld>
 </file>
 
@@ -21054,7 +22898,7 @@
     <p:bg>
       <p:bgPr>
         <a:blipFill rotWithShape="0">
-          <a:blip r:embed="rId2"/>
+          <a:blip r:embed="rId1"/>
           <a:stretch>
             <a:fillRect/>
           </a:stretch>
@@ -21076,6 +22920,25 @@
           <a:chExt cx="0" cy="0"/>
         </a:xfrm>
       </p:grpSpPr>
+      <p:sp>
+        <p:nvSpPr>
+          <p:cNvPr id="3" name="Title 2"/>
+          <p:cNvSpPr>
+            <a:spLocks noGrp="1"/>
+          </p:cNvSpPr>
+          <p:nvPr>
+            <p:ph type="title"/>
+          </p:nvPr>
+        </p:nvSpPr>
+        <p:spPr/>
+        <p:txBody>
+          <a:bodyPr/>
+          <a:lstStyle/>
+          <a:p>
+            <a:endParaRPr lang="en-US" dirty="0"/>
+          </a:p>
+        </p:txBody>
+      </p:sp>
       <p:grpSp>
         <p:nvGrpSpPr>
           <p:cNvPr id="32770" name="组合 9"/>
@@ -21275,89 +23138,39 @@
                 <a:latin typeface="Microsoft YaHei" panose="020B0503020204020204" pitchFamily="34" charset="-122"/>
                 <a:ea typeface="Microsoft YaHei" panose="020B0503020204020204" pitchFamily="34" charset="-122"/>
               </a:rPr>
-              <a:t>Expandability</a:t>
+              <a:t>Related Document</a:t>
             </a:r>
-          </a:p>
-        </p:txBody>
-      </p:sp>
-      <p:sp>
-        <p:nvSpPr>
-          <p:cNvPr id="10" name="文本框 8">
-            <a:extLst>
-              <a:ext uri="{FF2B5EF4-FFF2-40B4-BE49-F238E27FC236}">
-                <a16:creationId xmlns:a16="http://schemas.microsoft.com/office/drawing/2014/main" id="{F50BF4E8-2517-418B-B485-F899A050D2D1}"/>
-              </a:ext>
-            </a:extLst>
-          </p:cNvPr>
-          <p:cNvSpPr txBox="1"/>
-          <p:nvPr/>
-        </p:nvSpPr>
-        <p:spPr>
-          <a:xfrm>
-            <a:off x="3003938" y="2301091"/>
-            <a:ext cx="6664325" cy="584775"/>
-          </a:xfrm>
-          <a:prstGeom prst="rect">
-            <a:avLst/>
-          </a:prstGeom>
-          <a:noFill/>
-          <a:ln w="9525">
-            <a:noFill/>
-          </a:ln>
-        </p:spPr>
-        <p:txBody>
-          <a:bodyPr wrap="square">
-            <a:spAutoFit/>
-          </a:bodyPr>
-          <a:lstStyle/>
-          <a:p>
-            <a:pPr eaLnBrk="1" hangingPunct="1"/>
-            <a:r>
-              <a:rPr lang="en-US" altLang="zh-CN" sz="3200" dirty="0">
-                <a:solidFill>
-                  <a:srgbClr val="404040"/>
-                </a:solidFill>
-                <a:latin typeface="Microsoft YaHei" panose="020B0503020204020204" pitchFamily="34" charset="-122"/>
-                <a:ea typeface="Microsoft YaHei" panose="020B0503020204020204" pitchFamily="34" charset="-122"/>
-              </a:rPr>
-              <a:t>Export Data to Excel Form</a:t>
-            </a:r>
+            <a:endParaRPr lang="en-US" altLang="zh-CN" sz="4400" b="1" dirty="0">
+              <a:solidFill>
+                <a:srgbClr val="404040"/>
+              </a:solidFill>
+              <a:latin typeface="Microsoft YaHei" panose="020B0503020204020204" pitchFamily="34" charset="-122"/>
+              <a:ea typeface="Microsoft YaHei" panose="020B0503020204020204" pitchFamily="34" charset="-122"/>
+            </a:endParaRPr>
           </a:p>
         </p:txBody>
       </p:sp>
       <p:pic>
         <p:nvPicPr>
-          <p:cNvPr id="9" name="Graphic 8" descr="Statistics">
-            <a:extLst>
-              <a:ext uri="{FF2B5EF4-FFF2-40B4-BE49-F238E27FC236}">
-                <a16:creationId xmlns:a16="http://schemas.microsoft.com/office/drawing/2014/main" id="{9ED1DD55-9E01-458C-920D-31701200F7D4}"/>
-              </a:ext>
-            </a:extLst>
-          </p:cNvPr>
+          <p:cNvPr id="2" name="Content Placeholder 1"/>
           <p:cNvPicPr>
-            <a:picLocks noChangeAspect="1"/>
+            <a:picLocks noGrp="1" noChangeAspect="1"/>
           </p:cNvPicPr>
-          <p:nvPr/>
+          <p:nvPr>
+            <p:ph idx="1"/>
+          </p:nvPr>
         </p:nvPicPr>
         <p:blipFill>
-          <a:blip r:embed="rId3">
-            <a:extLst>
-              <a:ext uri="{28A0092B-C50C-407E-A947-70E740481C1C}">
-                <a14:useLocalDpi xmlns:a14="http://schemas.microsoft.com/office/drawing/2010/main" val="0"/>
-              </a:ext>
-              <a:ext uri="{96DAC541-7B7A-43D3-8B79-37D633B846F1}">
-                <asvg:svgBlip xmlns:asvg="http://schemas.microsoft.com/office/drawing/2016/SVG/main" r:embed="rId4"/>
-              </a:ext>
-            </a:extLst>
-          </a:blip>
+          <a:blip r:embed="rId2"/>
+          <a:srcRect l="22212" t="17668" r="25450" b="8062"/>
           <a:stretch>
             <a:fillRect/>
           </a:stretch>
         </p:blipFill>
         <p:spPr>
           <a:xfrm>
-            <a:off x="1427584" y="1911274"/>
-            <a:ext cx="1371600" cy="1371600"/>
+            <a:off x="5274945" y="1255395"/>
+            <a:ext cx="5211445" cy="5274310"/>
           </a:xfrm>
           <a:prstGeom prst="rect">
             <a:avLst/>
@@ -21366,177 +23179,167 @@
       </p:pic>
       <p:pic>
         <p:nvPicPr>
-          <p:cNvPr id="12" name="Graphic 11" descr="Processor">
-            <a:extLst>
-              <a:ext uri="{FF2B5EF4-FFF2-40B4-BE49-F238E27FC236}">
-                <a16:creationId xmlns:a16="http://schemas.microsoft.com/office/drawing/2014/main" id="{3053ACE5-1BA7-4D7D-B39A-3BB9114D9557}"/>
-              </a:ext>
-            </a:extLst>
-          </p:cNvPr>
+          <p:cNvPr id="4" name="Picture 3"/>
           <p:cNvPicPr>
             <a:picLocks noChangeAspect="1"/>
           </p:cNvPicPr>
           <p:nvPr/>
         </p:nvPicPr>
         <p:blipFill>
-          <a:blip r:embed="rId5">
-            <a:extLst>
-              <a:ext uri="{28A0092B-C50C-407E-A947-70E740481C1C}">
-                <a14:useLocalDpi xmlns:a14="http://schemas.microsoft.com/office/drawing/2010/main" val="0"/>
-              </a:ext>
-              <a:ext uri="{96DAC541-7B7A-43D3-8B79-37D633B846F1}">
-                <asvg:svgBlip xmlns:asvg="http://schemas.microsoft.com/office/drawing/2016/SVG/main" r:embed="rId6"/>
-              </a:ext>
-            </a:extLst>
-          </a:blip>
+          <a:blip r:embed="rId3"/>
+          <a:srcRect l="25305" t="9440" r="28499" b="3467"/>
           <a:stretch>
             <a:fillRect/>
           </a:stretch>
         </p:blipFill>
         <p:spPr>
           <a:xfrm>
-            <a:off x="1427584" y="3413077"/>
-            <a:ext cx="1371600" cy="1371600"/>
+            <a:off x="1112520" y="1255395"/>
+            <a:ext cx="4162425" cy="5231765"/>
           </a:xfrm>
           <a:prstGeom prst="rect">
             <a:avLst/>
           </a:prstGeom>
         </p:spPr>
       </p:pic>
-      <p:pic>
-        <p:nvPicPr>
-          <p:cNvPr id="14" name="Graphic 13" descr="Robot">
-            <a:extLst>
-              <a:ext uri="{FF2B5EF4-FFF2-40B4-BE49-F238E27FC236}">
-                <a16:creationId xmlns:a16="http://schemas.microsoft.com/office/drawing/2014/main" id="{F6819540-427A-4D5E-A9CD-B4076F3E8305}"/>
-              </a:ext>
-            </a:extLst>
-          </p:cNvPr>
-          <p:cNvPicPr>
-            <a:picLocks noChangeAspect="1"/>
-          </p:cNvPicPr>
-          <p:nvPr/>
-        </p:nvPicPr>
-        <p:blipFill>
-          <a:blip r:embed="rId7">
-            <a:extLst>
-              <a:ext uri="{28A0092B-C50C-407E-A947-70E740481C1C}">
-                <a14:useLocalDpi xmlns:a14="http://schemas.microsoft.com/office/drawing/2010/main" val="0"/>
-              </a:ext>
-              <a:ext uri="{96DAC541-7B7A-43D3-8B79-37D633B846F1}">
-                <asvg:svgBlip xmlns:asvg="http://schemas.microsoft.com/office/drawing/2016/SVG/main" r:embed="rId8"/>
-              </a:ext>
-            </a:extLst>
-          </a:blip>
-          <a:stretch>
-            <a:fillRect/>
-          </a:stretch>
-        </p:blipFill>
-        <p:spPr>
-          <a:xfrm>
-            <a:off x="1427584" y="4914880"/>
-            <a:ext cx="1371600" cy="1371600"/>
-          </a:xfrm>
-          <a:prstGeom prst="rect">
-            <a:avLst/>
-          </a:prstGeom>
-        </p:spPr>
-      </p:pic>
-      <p:sp>
-        <p:nvSpPr>
-          <p:cNvPr id="17" name="文本框 8">
-            <a:extLst>
-              <a:ext uri="{FF2B5EF4-FFF2-40B4-BE49-F238E27FC236}">
-                <a16:creationId xmlns:a16="http://schemas.microsoft.com/office/drawing/2014/main" id="{40B17AB5-CF0B-49D1-9C27-3190A5442D9A}"/>
-              </a:ext>
-            </a:extLst>
-          </p:cNvPr>
-          <p:cNvSpPr txBox="1"/>
-          <p:nvPr/>
-        </p:nvSpPr>
-        <p:spPr>
-          <a:xfrm>
-            <a:off x="3003938" y="3821878"/>
-            <a:ext cx="8559801" cy="584775"/>
-          </a:xfrm>
-          <a:prstGeom prst="rect">
-            <a:avLst/>
-          </a:prstGeom>
-          <a:noFill/>
-          <a:ln w="9525">
-            <a:noFill/>
-          </a:ln>
-        </p:spPr>
-        <p:txBody>
-          <a:bodyPr wrap="square">
-            <a:spAutoFit/>
-          </a:bodyPr>
-          <a:lstStyle/>
-          <a:p>
-            <a:pPr eaLnBrk="1" hangingPunct="1"/>
-            <a:r>
-              <a:rPr lang="en-US" altLang="zh-CN" sz="3200" dirty="0">
-                <a:solidFill>
-                  <a:srgbClr val="404040"/>
-                </a:solidFill>
-                <a:latin typeface="Microsoft YaHei" panose="020B0503020204020204" pitchFamily="34" charset="-122"/>
-                <a:ea typeface="Microsoft YaHei" panose="020B0503020204020204" pitchFamily="34" charset="-122"/>
-              </a:rPr>
-              <a:t>Database with better Performance</a:t>
-            </a:r>
-          </a:p>
-        </p:txBody>
-      </p:sp>
-      <p:sp>
-        <p:nvSpPr>
-          <p:cNvPr id="18" name="文本框 8">
-            <a:extLst>
-              <a:ext uri="{FF2B5EF4-FFF2-40B4-BE49-F238E27FC236}">
-                <a16:creationId xmlns:a16="http://schemas.microsoft.com/office/drawing/2014/main" id="{89E946C8-4B44-414C-96D7-FD682E98BEB0}"/>
-              </a:ext>
-            </a:extLst>
-          </p:cNvPr>
-          <p:cNvSpPr txBox="1"/>
-          <p:nvPr/>
-        </p:nvSpPr>
-        <p:spPr>
-          <a:xfrm>
-            <a:off x="3003938" y="5308292"/>
-            <a:ext cx="8199018" cy="584775"/>
-          </a:xfrm>
-          <a:prstGeom prst="rect">
-            <a:avLst/>
-          </a:prstGeom>
-          <a:noFill/>
-          <a:ln w="9525">
-            <a:noFill/>
-          </a:ln>
-        </p:spPr>
-        <p:txBody>
-          <a:bodyPr wrap="square">
-            <a:spAutoFit/>
-          </a:bodyPr>
-          <a:lstStyle/>
-          <a:p>
-            <a:pPr eaLnBrk="1" hangingPunct="1"/>
-            <a:r>
-              <a:rPr lang="en-US" altLang="zh-CN" sz="3200" dirty="0">
-                <a:solidFill>
-                  <a:srgbClr val="404040"/>
-                </a:solidFill>
-                <a:latin typeface="Microsoft YaHei" panose="020B0503020204020204" pitchFamily="34" charset="-122"/>
-                <a:ea typeface="Microsoft YaHei" panose="020B0503020204020204" pitchFamily="34" charset="-122"/>
-              </a:rPr>
-              <a:t>Network Connection Check on Robots</a:t>
-            </a:r>
-          </a:p>
-        </p:txBody>
-      </p:sp>
     </p:spTree>
   </p:cSld>
   <p:clrMapOvr>
     <a:masterClrMapping/>
   </p:clrMapOvr>
+  <p:transition>
+    <p:pull/>
+  </p:transition>
+  <p:timing>
+    <p:tnLst>
+      <p:par>
+        <p:cTn id="1" dur="indefinite" restart="never" nodeType="tmRoot">
+          <p:childTnLst>
+            <p:seq concurrent="1" nextAc="seek">
+              <p:cTn id="2" dur="indefinite" nodeType="mainSeq">
+                <p:childTnLst>
+                  <p:par>
+                    <p:cTn id="3" fill="hold">
+                      <p:stCondLst>
+                        <p:cond delay="indefinite"/>
+                        <p:cond evt="onBegin" delay="0">
+                          <p:tn val="2"/>
+                        </p:cond>
+                      </p:stCondLst>
+                      <p:childTnLst>
+                        <p:par>
+                          <p:cTn id="4" fill="hold">
+                            <p:stCondLst>
+                              <p:cond delay="0"/>
+                            </p:stCondLst>
+                            <p:childTnLst>
+                              <p:par>
+                                <p:cTn id="5" presetID="10" presetClass="entr" presetSubtype="0" fill="hold" nodeType="afterEffect">
+                                  <p:stCondLst>
+                                    <p:cond delay="0"/>
+                                  </p:stCondLst>
+                                  <p:childTnLst>
+                                    <p:set>
+                                      <p:cBhvr>
+                                        <p:cTn id="6" dur="1" fill="hold">
+                                          <p:stCondLst>
+                                            <p:cond delay="0"/>
+                                          </p:stCondLst>
+                                        </p:cTn>
+                                        <p:tgtEl>
+                                          <p:spTgt spid="4"/>
+                                        </p:tgtEl>
+                                        <p:attrNameLst>
+                                          <p:attrName>style.visibility</p:attrName>
+                                        </p:attrNameLst>
+                                      </p:cBhvr>
+                                      <p:to>
+                                        <p:strVal val="visible"/>
+                                      </p:to>
+                                    </p:set>
+                                    <p:animEffect transition="in" filter="fade">
+                                      <p:cBhvr>
+                                        <p:cTn id="7" dur="500"/>
+                                        <p:tgtEl>
+                                          <p:spTgt spid="4"/>
+                                        </p:tgtEl>
+                                      </p:cBhvr>
+                                    </p:animEffect>
+                                  </p:childTnLst>
+                                </p:cTn>
+                              </p:par>
+                            </p:childTnLst>
+                          </p:cTn>
+                        </p:par>
+                        <p:par>
+                          <p:cTn id="8" fill="hold">
+                            <p:stCondLst>
+                              <p:cond delay="500"/>
+                            </p:stCondLst>
+                            <p:childTnLst>
+                              <p:par>
+                                <p:cTn id="9" presetID="10" presetClass="entr" presetSubtype="0" fill="hold" nodeType="afterEffect">
+                                  <p:stCondLst>
+                                    <p:cond delay="0"/>
+                                  </p:stCondLst>
+                                  <p:childTnLst>
+                                    <p:set>
+                                      <p:cBhvr>
+                                        <p:cTn id="10" dur="1" fill="hold">
+                                          <p:stCondLst>
+                                            <p:cond delay="0"/>
+                                          </p:stCondLst>
+                                        </p:cTn>
+                                        <p:tgtEl>
+                                          <p:spTgt spid="2"/>
+                                        </p:tgtEl>
+                                        <p:attrNameLst>
+                                          <p:attrName>style.visibility</p:attrName>
+                                        </p:attrNameLst>
+                                      </p:cBhvr>
+                                      <p:to>
+                                        <p:strVal val="visible"/>
+                                      </p:to>
+                                    </p:set>
+                                    <p:animEffect transition="in" filter="fade">
+                                      <p:cBhvr>
+                                        <p:cTn id="11" dur="500"/>
+                                        <p:tgtEl>
+                                          <p:spTgt spid="2"/>
+                                        </p:tgtEl>
+                                      </p:cBhvr>
+                                    </p:animEffect>
+                                  </p:childTnLst>
+                                </p:cTn>
+                              </p:par>
+                            </p:childTnLst>
+                          </p:cTn>
+                        </p:par>
+                      </p:childTnLst>
+                    </p:cTn>
+                  </p:par>
+                </p:childTnLst>
+              </p:cTn>
+              <p:prevCondLst>
+                <p:cond evt="onPrev" delay="0">
+                  <p:tgtEl>
+                    <p:sldTgt/>
+                  </p:tgtEl>
+                </p:cond>
+              </p:prevCondLst>
+              <p:nextCondLst>
+                <p:cond evt="onNext" delay="0">
+                  <p:tgtEl>
+                    <p:sldTgt/>
+                  </p:tgtEl>
+                </p:cond>
+              </p:nextCondLst>
+            </p:seq>
+          </p:childTnLst>
+        </p:cTn>
+      </p:par>
+    </p:tnLst>
+  </p:timing>
 </p:sld>
 </file>
 
@@ -21791,8 +23594,6 @@
       </a:bgFillStyleLst>
     </a:fmtScheme>
   </a:themeElements>
-  <a:objectDefaults/>
-  <a:extraClrSchemeLst/>
   <a:extLst>
     <a:ext uri="{05A4C25C-085E-4340-85A3-A5531E510DB2}">
       <thm15:themeFamily xmlns:thm15="http://schemas.microsoft.com/office/thememl/2012/main" name="Office Theme" id="{62F939B6-93AF-4DB8-9C6B-D6C7DFDC589F}" vid="{4A3C46E8-61CC-4603-A589-7422A47A8E4A}"/>
@@ -22052,8 +23853,6 @@
       </a:bgFillStyleLst>
     </a:fmtScheme>
   </a:themeElements>
-  <a:objectDefaults/>
-  <a:extraClrSchemeLst/>
   <a:extLst>
     <a:ext uri="{05A4C25C-085E-4340-85A3-A5531E510DB2}">
       <thm15:themeFamily xmlns:thm15="http://schemas.microsoft.com/office/thememl/2012/main" name="Office Theme" id="{62F939B6-93AF-4DB8-9C6B-D6C7DFDC589F}" vid="{4A3C46E8-61CC-4603-A589-7422A47A8E4A}"/>
@@ -22313,8 +24112,6 @@
       </a:bgFillStyleLst>
     </a:fmtScheme>
   </a:themeElements>
-  <a:objectDefaults/>
-  <a:extraClrSchemeLst/>
   <a:extLst>
     <a:ext uri="{05A4C25C-085E-4340-85A3-A5531E510DB2}">
       <thm15:themeFamily xmlns:thm15="http://schemas.microsoft.com/office/thememl/2012/main" name="Office Theme" id="{62F939B6-93AF-4DB8-9C6B-D6C7DFDC589F}" vid="{4A3C46E8-61CC-4603-A589-7422A47A8E4A}"/>
